--- a/Categorical variables.pptx
+++ b/Categorical variables.pptx
@@ -6,42 +6,41 @@
   </p:sldMasterIdLst>
   <p:sldIdLst>
     <p:sldId id="331" r:id="rId2"/>
-    <p:sldId id="334" r:id="rId3"/>
-    <p:sldId id="276" r:id="rId4"/>
-    <p:sldId id="257" r:id="rId5"/>
-    <p:sldId id="258" r:id="rId6"/>
-    <p:sldId id="259" r:id="rId7"/>
-    <p:sldId id="260" r:id="rId8"/>
-    <p:sldId id="261" r:id="rId9"/>
-    <p:sldId id="262" r:id="rId10"/>
-    <p:sldId id="263" r:id="rId11"/>
-    <p:sldId id="264" r:id="rId12"/>
-    <p:sldId id="265" r:id="rId13"/>
-    <p:sldId id="332" r:id="rId14"/>
-    <p:sldId id="266" r:id="rId15"/>
-    <p:sldId id="267" r:id="rId16"/>
-    <p:sldId id="268" r:id="rId17"/>
-    <p:sldId id="269" r:id="rId18"/>
-    <p:sldId id="270" r:id="rId19"/>
-    <p:sldId id="271" r:id="rId20"/>
-    <p:sldId id="272" r:id="rId21"/>
-    <p:sldId id="298" r:id="rId22"/>
-    <p:sldId id="299" r:id="rId23"/>
-    <p:sldId id="300" r:id="rId24"/>
-    <p:sldId id="301" r:id="rId25"/>
-    <p:sldId id="302" r:id="rId26"/>
-    <p:sldId id="330" r:id="rId27"/>
-    <p:sldId id="303" r:id="rId28"/>
-    <p:sldId id="305" r:id="rId29"/>
-    <p:sldId id="306" r:id="rId30"/>
-    <p:sldId id="307" r:id="rId31"/>
-    <p:sldId id="308" r:id="rId32"/>
-    <p:sldId id="309" r:id="rId33"/>
-    <p:sldId id="310" r:id="rId34"/>
-    <p:sldId id="311" r:id="rId35"/>
-    <p:sldId id="314" r:id="rId36"/>
-    <p:sldId id="333" r:id="rId37"/>
-    <p:sldId id="326" r:id="rId38"/>
+    <p:sldId id="276" r:id="rId3"/>
+    <p:sldId id="257" r:id="rId4"/>
+    <p:sldId id="258" r:id="rId5"/>
+    <p:sldId id="259" r:id="rId6"/>
+    <p:sldId id="260" r:id="rId7"/>
+    <p:sldId id="261" r:id="rId8"/>
+    <p:sldId id="262" r:id="rId9"/>
+    <p:sldId id="263" r:id="rId10"/>
+    <p:sldId id="264" r:id="rId11"/>
+    <p:sldId id="265" r:id="rId12"/>
+    <p:sldId id="332" r:id="rId13"/>
+    <p:sldId id="266" r:id="rId14"/>
+    <p:sldId id="267" r:id="rId15"/>
+    <p:sldId id="268" r:id="rId16"/>
+    <p:sldId id="269" r:id="rId17"/>
+    <p:sldId id="270" r:id="rId18"/>
+    <p:sldId id="271" r:id="rId19"/>
+    <p:sldId id="272" r:id="rId20"/>
+    <p:sldId id="298" r:id="rId21"/>
+    <p:sldId id="299" r:id="rId22"/>
+    <p:sldId id="300" r:id="rId23"/>
+    <p:sldId id="301" r:id="rId24"/>
+    <p:sldId id="302" r:id="rId25"/>
+    <p:sldId id="330" r:id="rId26"/>
+    <p:sldId id="303" r:id="rId27"/>
+    <p:sldId id="305" r:id="rId28"/>
+    <p:sldId id="306" r:id="rId29"/>
+    <p:sldId id="307" r:id="rId30"/>
+    <p:sldId id="308" r:id="rId31"/>
+    <p:sldId id="309" r:id="rId32"/>
+    <p:sldId id="310" r:id="rId33"/>
+    <p:sldId id="311" r:id="rId34"/>
+    <p:sldId id="314" r:id="rId35"/>
+    <p:sldId id="333" r:id="rId36"/>
+    <p:sldId id="326" r:id="rId37"/>
   </p:sldIdLst>
   <p:sldSz cx="9144000" cy="6858000" type="screen4x3"/>
   <p:notesSz cx="6858000" cy="9144000"/>
@@ -3213,123 +3212,6 @@
           <p:cNvPr id="2" name="Title 1">
             <a:extLst>
               <a:ext uri="{FF2B5EF4-FFF2-40B4-BE49-F238E27FC236}">
-                <a16:creationId xmlns:a16="http://schemas.microsoft.com/office/drawing/2014/main" id="{3846C44E-6234-4593-90D9-537F0C72518A}"/>
-              </a:ext>
-            </a:extLst>
-          </p:cNvPr>
-          <p:cNvSpPr>
-            <a:spLocks noGrp="1"/>
-          </p:cNvSpPr>
-          <p:nvPr>
-            <p:ph type="title"/>
-          </p:nvPr>
-        </p:nvSpPr>
-        <p:spPr/>
-        <p:txBody>
-          <a:bodyPr/>
-          <a:lstStyle/>
-          <a:p>
-            <a:r>
-              <a:rPr lang="en-GB" dirty="0"/>
-              <a:t>Pie chart</a:t>
-            </a:r>
-          </a:p>
-        </p:txBody>
-      </p:sp>
-      <p:sp>
-        <p:nvSpPr>
-          <p:cNvPr id="3" name="Content Placeholder 2">
-            <a:extLst>
-              <a:ext uri="{FF2B5EF4-FFF2-40B4-BE49-F238E27FC236}">
-                <a16:creationId xmlns:a16="http://schemas.microsoft.com/office/drawing/2014/main" id="{1E43A011-D886-47E1-90D2-0ACE908D8BC5}"/>
-              </a:ext>
-            </a:extLst>
-          </p:cNvPr>
-          <p:cNvSpPr>
-            <a:spLocks noGrp="1"/>
-          </p:cNvSpPr>
-          <p:nvPr>
-            <p:ph idx="1"/>
-          </p:nvPr>
-        </p:nvSpPr>
-        <p:spPr/>
-        <p:txBody>
-          <a:bodyPr>
-            <a:normAutofit/>
-          </a:bodyPr>
-          <a:lstStyle/>
-          <a:p>
-            <a:pPr marL="0" indent="0">
-              <a:buNone/>
-            </a:pPr>
-            <a:r>
-              <a:rPr lang="en-GB" sz="2000" b="1" dirty="0">
-                <a:solidFill>
-                  <a:srgbClr val="0000CC"/>
-                </a:solidFill>
-                <a:latin typeface="Courier New" panose="02070309020205020404" pitchFamily="49" charset="0"/>
-                <a:cs typeface="Courier New" panose="02070309020205020404" pitchFamily="49" charset="0"/>
-              </a:rPr>
-              <a:t>&gt; pie(table(POS), col = c("violet", "blue", "</a:t>
-            </a:r>
-            <a:r>
-              <a:rPr lang="en-GB" sz="2000" b="1" dirty="0" err="1">
-                <a:solidFill>
-                  <a:srgbClr val="0000CC"/>
-                </a:solidFill>
-                <a:latin typeface="Courier New" panose="02070309020205020404" pitchFamily="49" charset="0"/>
-                <a:cs typeface="Courier New" panose="02070309020205020404" pitchFamily="49" charset="0"/>
-              </a:rPr>
-              <a:t>lightblue</a:t>
-            </a:r>
-            <a:r>
-              <a:rPr lang="en-GB" sz="2000" b="1" dirty="0">
-                <a:solidFill>
-                  <a:srgbClr val="0000CC"/>
-                </a:solidFill>
-                <a:latin typeface="Courier New" panose="02070309020205020404" pitchFamily="49" charset="0"/>
-                <a:cs typeface="Courier New" panose="02070309020205020404" pitchFamily="49" charset="0"/>
-              </a:rPr>
-              <a:t>"))</a:t>
-            </a:r>
-          </a:p>
-        </p:txBody>
-      </p:sp>
-    </p:spTree>
-    <p:extLst>
-      <p:ext uri="{BB962C8B-B14F-4D97-AF65-F5344CB8AC3E}">
-        <p14:creationId xmlns:p14="http://schemas.microsoft.com/office/powerpoint/2010/main" val="3721895068"/>
-      </p:ext>
-    </p:extLst>
-  </p:cSld>
-  <p:clrMapOvr>
-    <a:masterClrMapping/>
-  </p:clrMapOvr>
-</p:sld>
-</file>
-
-<file path=ppt/slides/slide11.xml><?xml version="1.0" encoding="utf-8"?>
-<p:sld xmlns:a="http://schemas.openxmlformats.org/drawingml/2006/main" xmlns:r="http://schemas.openxmlformats.org/officeDocument/2006/relationships" xmlns:p="http://schemas.openxmlformats.org/presentationml/2006/main">
-  <p:cSld>
-    <p:spTree>
-      <p:nvGrpSpPr>
-        <p:cNvPr id="1" name=""/>
-        <p:cNvGrpSpPr/>
-        <p:nvPr/>
-      </p:nvGrpSpPr>
-      <p:grpSpPr>
-        <a:xfrm>
-          <a:off x="0" y="0"/>
-          <a:ext cx="0" cy="0"/>
-          <a:chOff x="0" y="0"/>
-          <a:chExt cx="0" cy="0"/>
-        </a:xfrm>
-      </p:grpSpPr>
-      <p:sp>
-        <p:nvSpPr>
-          <p:cNvPr id="2" name="Title 1">
-            <a:extLst>
-              <a:ext uri="{FF2B5EF4-FFF2-40B4-BE49-F238E27FC236}">
                 <a16:creationId xmlns:a16="http://schemas.microsoft.com/office/drawing/2014/main" id="{F693C504-48F7-409F-9370-BB9BFD979571}"/>
               </a:ext>
             </a:extLst>
@@ -3395,6 +3277,113 @@
 </p:sld>
 </file>
 
+<file path=ppt/slides/slide11.xml><?xml version="1.0" encoding="utf-8"?>
+<p:sld xmlns:a="http://schemas.openxmlformats.org/drawingml/2006/main" xmlns:r="http://schemas.openxmlformats.org/officeDocument/2006/relationships" xmlns:p="http://schemas.openxmlformats.org/presentationml/2006/main">
+  <p:cSld>
+    <p:spTree>
+      <p:nvGrpSpPr>
+        <p:cNvPr id="1" name=""/>
+        <p:cNvGrpSpPr/>
+        <p:nvPr/>
+      </p:nvGrpSpPr>
+      <p:grpSpPr>
+        <a:xfrm>
+          <a:off x="0" y="0"/>
+          <a:ext cx="0" cy="0"/>
+          <a:chOff x="0" y="0"/>
+          <a:chExt cx="0" cy="0"/>
+        </a:xfrm>
+      </p:grpSpPr>
+      <p:sp>
+        <p:nvSpPr>
+          <p:cNvPr id="2" name="Title 1">
+            <a:extLst>
+              <a:ext uri="{FF2B5EF4-FFF2-40B4-BE49-F238E27FC236}">
+                <a16:creationId xmlns:a16="http://schemas.microsoft.com/office/drawing/2014/main" id="{C257B435-923F-41A8-8A5E-BE3CFFD42242}"/>
+              </a:ext>
+            </a:extLst>
+          </p:cNvPr>
+          <p:cNvSpPr>
+            <a:spLocks noGrp="1"/>
+          </p:cNvSpPr>
+          <p:nvPr>
+            <p:ph type="title"/>
+          </p:nvPr>
+        </p:nvSpPr>
+        <p:spPr/>
+        <p:txBody>
+          <a:bodyPr/>
+          <a:lstStyle/>
+          <a:p>
+            <a:r>
+              <a:rPr lang="en-GB" dirty="0"/>
+              <a:t>Exercise: Your colours</a:t>
+            </a:r>
+          </a:p>
+        </p:txBody>
+      </p:sp>
+      <p:sp>
+        <p:nvSpPr>
+          <p:cNvPr id="3" name="Content Placeholder 2">
+            <a:extLst>
+              <a:ext uri="{FF2B5EF4-FFF2-40B4-BE49-F238E27FC236}">
+                <a16:creationId xmlns:a16="http://schemas.microsoft.com/office/drawing/2014/main" id="{B6B1049F-73B7-43AB-9918-2880D69A941A}"/>
+              </a:ext>
+            </a:extLst>
+          </p:cNvPr>
+          <p:cNvSpPr>
+            <a:spLocks noGrp="1"/>
+          </p:cNvSpPr>
+          <p:nvPr>
+            <p:ph idx="1"/>
+          </p:nvPr>
+        </p:nvSpPr>
+        <p:spPr/>
+        <p:txBody>
+          <a:bodyPr/>
+          <a:lstStyle/>
+          <a:p>
+            <a:r>
+              <a:rPr lang="en-GB" dirty="0"/>
+              <a:t>Create a factor with your and your colleagues’ favourite colours.</a:t>
+            </a:r>
+          </a:p>
+          <a:p>
+            <a:r>
+              <a:rPr lang="en-GB" dirty="0"/>
+              <a:t>Compute the proportions of each of the colours. Which one is the most popular in the group?</a:t>
+            </a:r>
+          </a:p>
+          <a:p>
+            <a:r>
+              <a:rPr lang="en-GB" dirty="0"/>
+              <a:t>Create a pie chart with the colours corresponding to each colour category.</a:t>
+            </a:r>
+          </a:p>
+          <a:p>
+            <a:pPr marL="0" indent="0">
+              <a:buNone/>
+            </a:pPr>
+            <a:r>
+              <a:rPr lang="en-GB" dirty="0"/>
+              <a:t> </a:t>
+            </a:r>
+          </a:p>
+        </p:txBody>
+      </p:sp>
+    </p:spTree>
+    <p:extLst>
+      <p:ext uri="{BB962C8B-B14F-4D97-AF65-F5344CB8AC3E}">
+        <p14:creationId xmlns:p14="http://schemas.microsoft.com/office/powerpoint/2010/main" val="160789956"/>
+      </p:ext>
+    </p:extLst>
+  </p:cSld>
+  <p:clrMapOvr>
+    <a:masterClrMapping/>
+  </p:clrMapOvr>
+</p:sld>
+</file>
+
 <file path=ppt/slides/slide12.xml><?xml version="1.0" encoding="utf-8"?>
 <p:sld xmlns:a="http://schemas.openxmlformats.org/drawingml/2006/main" xmlns:r="http://schemas.openxmlformats.org/officeDocument/2006/relationships" xmlns:p="http://schemas.openxmlformats.org/presentationml/2006/main">
   <p:cSld>
@@ -3417,7 +3406,7 @@
           <p:cNvPr id="2" name="Title 1">
             <a:extLst>
               <a:ext uri="{FF2B5EF4-FFF2-40B4-BE49-F238E27FC236}">
-                <a16:creationId xmlns:a16="http://schemas.microsoft.com/office/drawing/2014/main" id="{C257B435-923F-41A8-8A5E-BE3CFFD42242}"/>
+                <a16:creationId xmlns:a16="http://schemas.microsoft.com/office/drawing/2014/main" id="{9163D7DB-0BA9-48FB-AA5C-94276A953906}"/>
               </a:ext>
             </a:extLst>
           </p:cNvPr>
@@ -3435,7 +3424,7 @@
           <a:p>
             <a:r>
               <a:rPr lang="en-GB" dirty="0"/>
-              <a:t>Exercise: Your colours</a:t>
+              <a:t>Outline	</a:t>
             </a:r>
           </a:p>
         </p:txBody>
@@ -3445,7 +3434,7 @@
           <p:cNvPr id="3" name="Content Placeholder 2">
             <a:extLst>
               <a:ext uri="{FF2B5EF4-FFF2-40B4-BE49-F238E27FC236}">
-                <a16:creationId xmlns:a16="http://schemas.microsoft.com/office/drawing/2014/main" id="{B6B1049F-73B7-43AB-9918-2880D69A941A}"/>
+                <a16:creationId xmlns:a16="http://schemas.microsoft.com/office/drawing/2014/main" id="{E9AD873B-2B95-4F88-9DE7-B7E6CA2BB0EB}"/>
               </a:ext>
             </a:extLst>
           </p:cNvPr>
@@ -3458,33 +3447,65 @@
         </p:nvSpPr>
         <p:spPr/>
         <p:txBody>
-          <a:bodyPr/>
-          <a:lstStyle/>
-          <a:p>
-            <a:r>
-              <a:rPr lang="en-GB" dirty="0"/>
-              <a:t>Create a factor with your and your colleagues’ favourite colours.</a:t>
-            </a:r>
-          </a:p>
-          <a:p>
-            <a:r>
-              <a:rPr lang="en-GB" dirty="0"/>
-              <a:t>Compute the proportions of each of the colours. Which one is the most popular in the group?</a:t>
-            </a:r>
-          </a:p>
-          <a:p>
-            <a:r>
-              <a:rPr lang="en-GB" dirty="0"/>
-              <a:t>Create a pie chart with the colours corresponding to each colour category.</a:t>
-            </a:r>
-          </a:p>
+          <a:bodyPr>
+            <a:normAutofit/>
+          </a:bodyPr>
+          <a:lstStyle/>
           <a:p>
             <a:pPr marL="0" indent="0">
               <a:buNone/>
             </a:pPr>
             <a:r>
               <a:rPr lang="en-GB" dirty="0"/>
-              <a:t> </a:t>
+              <a:t>1. One categorical variable</a:t>
+            </a:r>
+          </a:p>
+          <a:p>
+            <a:pPr lvl="1"/>
+            <a:r>
+              <a:rPr lang="en-GB" dirty="0"/>
+              <a:t>Descriptive statistics (proportions, odds)</a:t>
+            </a:r>
+          </a:p>
+          <a:p>
+            <a:pPr lvl="1"/>
+            <a:r>
+              <a:rPr lang="en-GB" dirty="0"/>
+              <a:t>Visualization (bar plots, pie charts)</a:t>
+            </a:r>
+          </a:p>
+          <a:p>
+            <a:pPr marL="0" indent="0">
+              <a:buNone/>
+            </a:pPr>
+            <a:r>
+              <a:rPr lang="en-GB" dirty="0">
+                <a:solidFill>
+                  <a:srgbClr val="FF0000"/>
+                </a:solidFill>
+              </a:rPr>
+              <a:t>2. Two categorical variables</a:t>
+            </a:r>
+          </a:p>
+          <a:p>
+            <a:pPr lvl="1"/>
+            <a:r>
+              <a:rPr lang="en-GB" dirty="0"/>
+              <a:t>Visualization (bar plots)</a:t>
+            </a:r>
+          </a:p>
+          <a:p>
+            <a:pPr lvl="1"/>
+            <a:r>
+              <a:rPr lang="en-GB" dirty="0"/>
+              <a:t>Descriptive statistics (odds ratio, Cramer’s V)</a:t>
+            </a:r>
+          </a:p>
+          <a:p>
+            <a:pPr lvl="1"/>
+            <a:r>
+              <a:rPr lang="en-GB" dirty="0"/>
+              <a:t>Tests of independence (Chi-squared test, Fisher test)</a:t>
             </a:r>
           </a:p>
         </p:txBody>
@@ -3492,7 +3513,7 @@
     </p:spTree>
     <p:extLst>
       <p:ext uri="{BB962C8B-B14F-4D97-AF65-F5344CB8AC3E}">
-        <p14:creationId xmlns:p14="http://schemas.microsoft.com/office/powerpoint/2010/main" val="160789956"/>
+        <p14:creationId xmlns:p14="http://schemas.microsoft.com/office/powerpoint/2010/main" val="2277438778"/>
       </p:ext>
     </p:extLst>
   </p:cSld>
@@ -3524,7 +3545,7 @@
           <p:cNvPr id="2" name="Title 1">
             <a:extLst>
               <a:ext uri="{FF2B5EF4-FFF2-40B4-BE49-F238E27FC236}">
-                <a16:creationId xmlns:a16="http://schemas.microsoft.com/office/drawing/2014/main" id="{9163D7DB-0BA9-48FB-AA5C-94276A953906}"/>
+                <a16:creationId xmlns:a16="http://schemas.microsoft.com/office/drawing/2014/main" id="{D20E8042-471D-40C2-9490-9A88B5DE38D8}"/>
               </a:ext>
             </a:extLst>
           </p:cNvPr>
@@ -3542,7 +3563,7 @@
           <a:p>
             <a:r>
               <a:rPr lang="en-GB" dirty="0"/>
-              <a:t>Outline	</a:t>
+              <a:t>Nerds and geeks</a:t>
             </a:r>
           </a:p>
         </p:txBody>
@@ -3552,7 +3573,7 @@
           <p:cNvPr id="3" name="Content Placeholder 2">
             <a:extLst>
               <a:ext uri="{FF2B5EF4-FFF2-40B4-BE49-F238E27FC236}">
-                <a16:creationId xmlns:a16="http://schemas.microsoft.com/office/drawing/2014/main" id="{E9AD873B-2B95-4F88-9DE7-B7E6CA2BB0EB}"/>
+                <a16:creationId xmlns:a16="http://schemas.microsoft.com/office/drawing/2014/main" id="{C946B7E0-60CE-4A65-BA93-E4705AAD43BE}"/>
               </a:ext>
             </a:extLst>
           </p:cNvPr>
@@ -3574,22 +3595,34 @@
               <a:buNone/>
             </a:pPr>
             <a:r>
-              <a:rPr lang="en-GB" dirty="0"/>
-              <a:t>1. One categorical variable</a:t>
-            </a:r>
-          </a:p>
-          <a:p>
-            <a:pPr lvl="1"/>
-            <a:r>
-              <a:rPr lang="en-GB" dirty="0"/>
-              <a:t>Descriptive statistics (proportions, odds)</a:t>
-            </a:r>
-          </a:p>
-          <a:p>
-            <a:pPr lvl="1"/>
-            <a:r>
-              <a:rPr lang="en-GB" dirty="0"/>
-              <a:t>Visualization (bar plots, pie charts)</a:t>
+              <a:rPr lang="en-GB" sz="2000" b="1" dirty="0">
+                <a:solidFill>
+                  <a:srgbClr val="0000CC"/>
+                </a:solidFill>
+                <a:latin typeface="Courier New" panose="02070309020205020404" pitchFamily="49" charset="0"/>
+                <a:cs typeface="Courier New" panose="02070309020205020404" pitchFamily="49" charset="0"/>
+              </a:rPr>
+              <a:t>&gt; </a:t>
+            </a:r>
+            <a:r>
+              <a:rPr lang="en-GB" sz="2000" b="1" dirty="0" err="1">
+                <a:solidFill>
+                  <a:srgbClr val="0000CC"/>
+                </a:solidFill>
+                <a:latin typeface="Courier New" panose="02070309020205020404" pitchFamily="49" charset="0"/>
+                <a:cs typeface="Courier New" panose="02070309020205020404" pitchFamily="49" charset="0"/>
+              </a:rPr>
+              <a:t>str</a:t>
+            </a:r>
+            <a:r>
+              <a:rPr lang="en-GB" sz="2000" b="1" dirty="0">
+                <a:solidFill>
+                  <a:srgbClr val="0000CC"/>
+                </a:solidFill>
+                <a:latin typeface="Courier New" panose="02070309020205020404" pitchFamily="49" charset="0"/>
+                <a:cs typeface="Courier New" panose="02070309020205020404" pitchFamily="49" charset="0"/>
+              </a:rPr>
+              <a:t>(nerd)</a:t>
             </a:r>
           </a:p>
           <a:p>
@@ -3597,33 +3630,155 @@
               <a:buNone/>
             </a:pPr>
             <a:r>
-              <a:rPr lang="en-GB" dirty="0">
-                <a:solidFill>
-                  <a:srgbClr val="FF0000"/>
-                </a:solidFill>
-              </a:rPr>
-              <a:t>2. Two categorical variables</a:t>
-            </a:r>
-          </a:p>
-          <a:p>
-            <a:pPr lvl="1"/>
-            <a:r>
-              <a:rPr lang="en-GB" dirty="0"/>
-              <a:t>Visualization (bar plots)</a:t>
-            </a:r>
-          </a:p>
-          <a:p>
-            <a:pPr lvl="1"/>
-            <a:r>
-              <a:rPr lang="en-GB" dirty="0"/>
-              <a:t>Descriptive statistics (odds ratio, Cramer’s V)</a:t>
-            </a:r>
-          </a:p>
-          <a:p>
-            <a:pPr lvl="1"/>
-            <a:r>
-              <a:rPr lang="en-GB" dirty="0"/>
-              <a:t>Tests of independence (Chi-squared test, Fisher test)</a:t>
+              <a:rPr lang="en-GB" sz="2000" b="1" dirty="0">
+                <a:latin typeface="Courier New" panose="02070309020205020404" pitchFamily="49" charset="0"/>
+                <a:cs typeface="Courier New" panose="02070309020205020404" pitchFamily="49" charset="0"/>
+              </a:rPr>
+              <a:t>'</a:t>
+            </a:r>
+            <a:r>
+              <a:rPr lang="en-GB" sz="2000" b="1" dirty="0" err="1">
+                <a:latin typeface="Courier New" panose="02070309020205020404" pitchFamily="49" charset="0"/>
+                <a:cs typeface="Courier New" panose="02070309020205020404" pitchFamily="49" charset="0"/>
+              </a:rPr>
+              <a:t>data.frame</a:t>
+            </a:r>
+            <a:r>
+              <a:rPr lang="en-GB" sz="2000" b="1" dirty="0">
+                <a:latin typeface="Courier New" panose="02070309020205020404" pitchFamily="49" charset="0"/>
+                <a:cs typeface="Courier New" panose="02070309020205020404" pitchFamily="49" charset="0"/>
+              </a:rPr>
+              <a:t>':	1316 obs. of  5 variables:</a:t>
+            </a:r>
+          </a:p>
+          <a:p>
+            <a:pPr marL="0" indent="0">
+              <a:buNone/>
+            </a:pPr>
+            <a:r>
+              <a:rPr lang="en-GB" sz="2000" b="1" dirty="0">
+                <a:latin typeface="Courier New" panose="02070309020205020404" pitchFamily="49" charset="0"/>
+                <a:cs typeface="Courier New" panose="02070309020205020404" pitchFamily="49" charset="0"/>
+              </a:rPr>
+              <a:t> $ Noun    : Factor w/ 2 levels "</a:t>
+            </a:r>
+            <a:r>
+              <a:rPr lang="en-GB" sz="2000" b="1" dirty="0" err="1">
+                <a:latin typeface="Courier New" panose="02070309020205020404" pitchFamily="49" charset="0"/>
+                <a:cs typeface="Courier New" panose="02070309020205020404" pitchFamily="49" charset="0"/>
+              </a:rPr>
+              <a:t>geek","nerd</a:t>
+            </a:r>
+            <a:r>
+              <a:rPr lang="en-GB" sz="2000" b="1" dirty="0">
+                <a:latin typeface="Courier New" panose="02070309020205020404" pitchFamily="49" charset="0"/>
+                <a:cs typeface="Courier New" panose="02070309020205020404" pitchFamily="49" charset="0"/>
+              </a:rPr>
+              <a:t>": 2 2 2 2 2 2 2 2 2 2 ...</a:t>
+            </a:r>
+          </a:p>
+          <a:p>
+            <a:pPr marL="0" indent="0">
+              <a:buNone/>
+            </a:pPr>
+            <a:r>
+              <a:rPr lang="en-GB" sz="2000" b="1" dirty="0">
+                <a:latin typeface="Courier New" panose="02070309020205020404" pitchFamily="49" charset="0"/>
+                <a:cs typeface="Courier New" panose="02070309020205020404" pitchFamily="49" charset="0"/>
+              </a:rPr>
+              <a:t> $ </a:t>
+            </a:r>
+            <a:r>
+              <a:rPr lang="en-GB" sz="2000" b="1" dirty="0" err="1">
+                <a:latin typeface="Courier New" panose="02070309020205020404" pitchFamily="49" charset="0"/>
+                <a:cs typeface="Courier New" panose="02070309020205020404" pitchFamily="49" charset="0"/>
+              </a:rPr>
+              <a:t>Num</a:t>
+            </a:r>
+            <a:r>
+              <a:rPr lang="en-GB" sz="2000" b="1" dirty="0">
+                <a:latin typeface="Courier New" panose="02070309020205020404" pitchFamily="49" charset="0"/>
+                <a:cs typeface="Courier New" panose="02070309020205020404" pitchFamily="49" charset="0"/>
+              </a:rPr>
+              <a:t>     : Factor w/ 2 levels "</a:t>
+            </a:r>
+            <a:r>
+              <a:rPr lang="en-GB" sz="2000" b="1" dirty="0" err="1">
+                <a:latin typeface="Courier New" panose="02070309020205020404" pitchFamily="49" charset="0"/>
+                <a:cs typeface="Courier New" panose="02070309020205020404" pitchFamily="49" charset="0"/>
+              </a:rPr>
+              <a:t>pl</a:t>
+            </a:r>
+            <a:r>
+              <a:rPr lang="en-GB" sz="2000" b="1" dirty="0">
+                <a:latin typeface="Courier New" panose="02070309020205020404" pitchFamily="49" charset="0"/>
+                <a:cs typeface="Courier New" panose="02070309020205020404" pitchFamily="49" charset="0"/>
+              </a:rPr>
+              <a:t>","sg": 1 1 1 1 1 1 1 1 1 1 ...</a:t>
+            </a:r>
+          </a:p>
+          <a:p>
+            <a:pPr marL="0" indent="0">
+              <a:buNone/>
+            </a:pPr>
+            <a:r>
+              <a:rPr lang="en-GB" sz="2000" b="1" dirty="0">
+                <a:latin typeface="Courier New" panose="02070309020205020404" pitchFamily="49" charset="0"/>
+                <a:cs typeface="Courier New" panose="02070309020205020404" pitchFamily="49" charset="0"/>
+              </a:rPr>
+              <a:t> $ Century : Factor w/ 2 levels "XX","XXI": 1 2 1 1 1 2 2 1 2 1 ...</a:t>
+            </a:r>
+          </a:p>
+          <a:p>
+            <a:pPr marL="0" indent="0">
+              <a:buNone/>
+            </a:pPr>
+            <a:r>
+              <a:rPr lang="en-GB" sz="2000" b="1" dirty="0">
+                <a:latin typeface="Courier New" panose="02070309020205020404" pitchFamily="49" charset="0"/>
+                <a:cs typeface="Courier New" panose="02070309020205020404" pitchFamily="49" charset="0"/>
+              </a:rPr>
+              <a:t> $ Register: Factor w/ 4 levels "ACAD","MAG","NEWS",..: 1 1 1 1 1 1 1 1 1 1 ...</a:t>
+            </a:r>
+          </a:p>
+          <a:p>
+            <a:pPr marL="0" indent="0">
+              <a:buNone/>
+            </a:pPr>
+            <a:r>
+              <a:rPr lang="en-GB" sz="2000" b="1" dirty="0">
+                <a:latin typeface="Courier New" panose="02070309020205020404" pitchFamily="49" charset="0"/>
+                <a:cs typeface="Courier New" panose="02070309020205020404" pitchFamily="49" charset="0"/>
+              </a:rPr>
+              <a:t> $ </a:t>
+            </a:r>
+            <a:r>
+              <a:rPr lang="en-GB" sz="2000" b="1" dirty="0" err="1">
+                <a:latin typeface="Courier New" panose="02070309020205020404" pitchFamily="49" charset="0"/>
+                <a:cs typeface="Courier New" panose="02070309020205020404" pitchFamily="49" charset="0"/>
+              </a:rPr>
+              <a:t>Eval</a:t>
+            </a:r>
+            <a:r>
+              <a:rPr lang="en-GB" sz="2000" b="1" dirty="0">
+                <a:latin typeface="Courier New" panose="02070309020205020404" pitchFamily="49" charset="0"/>
+                <a:cs typeface="Courier New" panose="02070309020205020404" pitchFamily="49" charset="0"/>
+              </a:rPr>
+              <a:t>    : Factor w/ 3 levels "</a:t>
+            </a:r>
+            <a:r>
+              <a:rPr lang="en-GB" sz="2000" b="1" dirty="0" err="1">
+                <a:latin typeface="Courier New" panose="02070309020205020404" pitchFamily="49" charset="0"/>
+                <a:cs typeface="Courier New" panose="02070309020205020404" pitchFamily="49" charset="0"/>
+              </a:rPr>
+              <a:t>Neg","Neutral</a:t>
+            </a:r>
+            <a:r>
+              <a:rPr lang="en-GB" sz="2000" b="1" dirty="0">
+                <a:latin typeface="Courier New" panose="02070309020205020404" pitchFamily="49" charset="0"/>
+                <a:cs typeface="Courier New" panose="02070309020205020404" pitchFamily="49" charset="0"/>
+              </a:rPr>
+              <a:t>",..: 2 2 2 2 2 2 2 2 2 2 ..</a:t>
             </a:r>
           </a:p>
         </p:txBody>
@@ -3631,7 +3786,7 @@
     </p:spTree>
     <p:extLst>
       <p:ext uri="{BB962C8B-B14F-4D97-AF65-F5344CB8AC3E}">
-        <p14:creationId xmlns:p14="http://schemas.microsoft.com/office/powerpoint/2010/main" val="2277438778"/>
+        <p14:creationId xmlns:p14="http://schemas.microsoft.com/office/powerpoint/2010/main" val="3285120470"/>
       </p:ext>
     </p:extLst>
   </p:cSld>
@@ -3663,7 +3818,7 @@
           <p:cNvPr id="2" name="Title 1">
             <a:extLst>
               <a:ext uri="{FF2B5EF4-FFF2-40B4-BE49-F238E27FC236}">
-                <a16:creationId xmlns:a16="http://schemas.microsoft.com/office/drawing/2014/main" id="{D20E8042-471D-40C2-9490-9A88B5DE38D8}"/>
+                <a16:creationId xmlns:a16="http://schemas.microsoft.com/office/drawing/2014/main" id="{A36E68BC-CEA9-4B4E-8C6F-493E2AB81665}"/>
               </a:ext>
             </a:extLst>
           </p:cNvPr>
@@ -3681,7 +3836,7 @@
           <a:p>
             <a:r>
               <a:rPr lang="en-GB" dirty="0"/>
-              <a:t>Nerds and geeks</a:t>
+              <a:t>Noun by Century</a:t>
             </a:r>
           </a:p>
         </p:txBody>
@@ -3691,7 +3846,7 @@
           <p:cNvPr id="3" name="Content Placeholder 2">
             <a:extLst>
               <a:ext uri="{FF2B5EF4-FFF2-40B4-BE49-F238E27FC236}">
-                <a16:creationId xmlns:a16="http://schemas.microsoft.com/office/drawing/2014/main" id="{C946B7E0-60CE-4A65-BA93-E4705AAD43BE}"/>
+                <a16:creationId xmlns:a16="http://schemas.microsoft.com/office/drawing/2014/main" id="{1F3AE5E0-4B06-401E-BE01-00A8F5FF217B}"/>
               </a:ext>
             </a:extLst>
           </p:cNvPr>
@@ -3704,9 +3859,7 @@
         </p:nvSpPr>
         <p:spPr/>
         <p:txBody>
-          <a:bodyPr>
-            <a:normAutofit/>
-          </a:bodyPr>
+          <a:bodyPr/>
           <a:lstStyle/>
           <a:p>
             <a:pPr marL="0" indent="0">
@@ -3720,27 +3873,34 @@
                 <a:latin typeface="Courier New" panose="02070309020205020404" pitchFamily="49" charset="0"/>
                 <a:cs typeface="Courier New" panose="02070309020205020404" pitchFamily="49" charset="0"/>
               </a:rPr>
-              <a:t>&gt; </a:t>
-            </a:r>
-            <a:r>
-              <a:rPr lang="en-GB" sz="2000" b="1" dirty="0" err="1">
+              <a:t>&gt; attach(nerd)</a:t>
+            </a:r>
+          </a:p>
+          <a:p>
+            <a:pPr marL="0" indent="0">
+              <a:buNone/>
+            </a:pPr>
+            <a:r>
+              <a:rPr lang="en-GB" sz="2000" b="1" dirty="0">
                 <a:solidFill>
                   <a:srgbClr val="0000CC"/>
                 </a:solidFill>
                 <a:latin typeface="Courier New" panose="02070309020205020404" pitchFamily="49" charset="0"/>
                 <a:cs typeface="Courier New" panose="02070309020205020404" pitchFamily="49" charset="0"/>
               </a:rPr>
-              <a:t>str</a:t>
-            </a:r>
+              <a:t>&gt; table(Noun, Century)</a:t>
+            </a:r>
+          </a:p>
+          <a:p>
+            <a:pPr marL="0" indent="0">
+              <a:buNone/>
+            </a:pPr>
             <a:r>
               <a:rPr lang="en-GB" sz="2000" b="1" dirty="0">
-                <a:solidFill>
-                  <a:srgbClr val="0000CC"/>
-                </a:solidFill>
-                <a:latin typeface="Courier New" panose="02070309020205020404" pitchFamily="49" charset="0"/>
-                <a:cs typeface="Courier New" panose="02070309020205020404" pitchFamily="49" charset="0"/>
-              </a:rPr>
-              <a:t>(nerd)</a:t>
+                <a:latin typeface="Courier New" panose="02070309020205020404" pitchFamily="49" charset="0"/>
+                <a:cs typeface="Courier New" panose="02070309020205020404" pitchFamily="49" charset="0"/>
+              </a:rPr>
+              <a:t>      Century</a:t>
             </a:r>
           </a:p>
           <a:p>
@@ -3752,21 +3912,19 @@
                 <a:latin typeface="Courier New" panose="02070309020205020404" pitchFamily="49" charset="0"/>
                 <a:cs typeface="Courier New" panose="02070309020205020404" pitchFamily="49" charset="0"/>
               </a:rPr>
-              <a:t>'</a:t>
-            </a:r>
-            <a:r>
-              <a:rPr lang="en-GB" sz="2000" b="1" dirty="0" err="1">
-                <a:latin typeface="Courier New" panose="02070309020205020404" pitchFamily="49" charset="0"/>
-                <a:cs typeface="Courier New" panose="02070309020205020404" pitchFamily="49" charset="0"/>
-              </a:rPr>
-              <a:t>data.frame</a:t>
-            </a:r>
+              <a:t>Noun    XX XXI</a:t>
+            </a:r>
+          </a:p>
+          <a:p>
+            <a:pPr marL="0" indent="0">
+              <a:buNone/>
+            </a:pPr>
             <a:r>
               <a:rPr lang="en-GB" sz="2000" b="1" dirty="0">
                 <a:latin typeface="Courier New" panose="02070309020205020404" pitchFamily="49" charset="0"/>
                 <a:cs typeface="Courier New" panose="02070309020205020404" pitchFamily="49" charset="0"/>
               </a:rPr>
-              <a:t>':	1316 obs. of  5 variables:</a:t>
+              <a:t>  geek 197 473</a:t>
             </a:r>
           </a:p>
           <a:p>
@@ -3778,133 +3936,21 @@
                 <a:latin typeface="Courier New" panose="02070309020205020404" pitchFamily="49" charset="0"/>
                 <a:cs typeface="Courier New" panose="02070309020205020404" pitchFamily="49" charset="0"/>
               </a:rPr>
-              <a:t> $ Noun    : Factor w/ 2 levels "</a:t>
-            </a:r>
-            <a:r>
-              <a:rPr lang="en-GB" sz="2000" b="1" dirty="0" err="1">
-                <a:latin typeface="Courier New" panose="02070309020205020404" pitchFamily="49" charset="0"/>
-                <a:cs typeface="Courier New" panose="02070309020205020404" pitchFamily="49" charset="0"/>
-              </a:rPr>
-              <a:t>geek","nerd</a:t>
-            </a:r>
-            <a:r>
-              <a:rPr lang="en-GB" sz="2000" b="1" dirty="0">
-                <a:latin typeface="Courier New" panose="02070309020205020404" pitchFamily="49" charset="0"/>
-                <a:cs typeface="Courier New" panose="02070309020205020404" pitchFamily="49" charset="0"/>
-              </a:rPr>
-              <a:t>": 2 2 2 2 2 2 2 2 2 2 ...</a:t>
+              <a:t>  nerd 318 328</a:t>
             </a:r>
           </a:p>
           <a:p>
             <a:pPr marL="0" indent="0">
               <a:buNone/>
             </a:pPr>
-            <a:r>
-              <a:rPr lang="en-GB" sz="2000" b="1" dirty="0">
-                <a:latin typeface="Courier New" panose="02070309020205020404" pitchFamily="49" charset="0"/>
-                <a:cs typeface="Courier New" panose="02070309020205020404" pitchFamily="49" charset="0"/>
-              </a:rPr>
-              <a:t> $ </a:t>
-            </a:r>
-            <a:r>
-              <a:rPr lang="en-GB" sz="2000" b="1" dirty="0" err="1">
-                <a:latin typeface="Courier New" panose="02070309020205020404" pitchFamily="49" charset="0"/>
-                <a:cs typeface="Courier New" panose="02070309020205020404" pitchFamily="49" charset="0"/>
-              </a:rPr>
-              <a:t>Num</a:t>
-            </a:r>
-            <a:r>
-              <a:rPr lang="en-GB" sz="2000" b="1" dirty="0">
-                <a:latin typeface="Courier New" panose="02070309020205020404" pitchFamily="49" charset="0"/>
-                <a:cs typeface="Courier New" panose="02070309020205020404" pitchFamily="49" charset="0"/>
-              </a:rPr>
-              <a:t>     : Factor w/ 2 levels "</a:t>
-            </a:r>
-            <a:r>
-              <a:rPr lang="en-GB" sz="2000" b="1" dirty="0" err="1">
-                <a:latin typeface="Courier New" panose="02070309020205020404" pitchFamily="49" charset="0"/>
-                <a:cs typeface="Courier New" panose="02070309020205020404" pitchFamily="49" charset="0"/>
-              </a:rPr>
-              <a:t>pl</a:t>
-            </a:r>
-            <a:r>
-              <a:rPr lang="en-GB" sz="2000" b="1" dirty="0">
-                <a:latin typeface="Courier New" panose="02070309020205020404" pitchFamily="49" charset="0"/>
-                <a:cs typeface="Courier New" panose="02070309020205020404" pitchFamily="49" charset="0"/>
-              </a:rPr>
-              <a:t>","sg": 1 1 1 1 1 1 1 1 1 1 ...</a:t>
-            </a:r>
-          </a:p>
-          <a:p>
-            <a:pPr marL="0" indent="0">
-              <a:buNone/>
-            </a:pPr>
-            <a:r>
-              <a:rPr lang="en-GB" sz="2000" b="1" dirty="0">
-                <a:latin typeface="Courier New" panose="02070309020205020404" pitchFamily="49" charset="0"/>
-                <a:cs typeface="Courier New" panose="02070309020205020404" pitchFamily="49" charset="0"/>
-              </a:rPr>
-              <a:t> $ Century : Factor w/ 2 levels "XX","XXI": 1 2 1 1 1 2 2 1 2 1 ...</a:t>
-            </a:r>
-          </a:p>
-          <a:p>
-            <a:pPr marL="0" indent="0">
-              <a:buNone/>
-            </a:pPr>
-            <a:r>
-              <a:rPr lang="en-GB" sz="2000" b="1" dirty="0">
-                <a:latin typeface="Courier New" panose="02070309020205020404" pitchFamily="49" charset="0"/>
-                <a:cs typeface="Courier New" panose="02070309020205020404" pitchFamily="49" charset="0"/>
-              </a:rPr>
-              <a:t> $ Register: Factor w/ 4 levels "ACAD","MAG","NEWS",..: 1 1 1 1 1 1 1 1 1 1 ...</a:t>
-            </a:r>
-          </a:p>
-          <a:p>
-            <a:pPr marL="0" indent="0">
-              <a:buNone/>
-            </a:pPr>
-            <a:r>
-              <a:rPr lang="en-GB" sz="2000" b="1" dirty="0">
-                <a:latin typeface="Courier New" panose="02070309020205020404" pitchFamily="49" charset="0"/>
-                <a:cs typeface="Courier New" panose="02070309020205020404" pitchFamily="49" charset="0"/>
-              </a:rPr>
-              <a:t> $ </a:t>
-            </a:r>
-            <a:r>
-              <a:rPr lang="en-GB" sz="2000" b="1" dirty="0" err="1">
-                <a:latin typeface="Courier New" panose="02070309020205020404" pitchFamily="49" charset="0"/>
-                <a:cs typeface="Courier New" panose="02070309020205020404" pitchFamily="49" charset="0"/>
-              </a:rPr>
-              <a:t>Eval</a:t>
-            </a:r>
-            <a:r>
-              <a:rPr lang="en-GB" sz="2000" b="1" dirty="0">
-                <a:latin typeface="Courier New" panose="02070309020205020404" pitchFamily="49" charset="0"/>
-                <a:cs typeface="Courier New" panose="02070309020205020404" pitchFamily="49" charset="0"/>
-              </a:rPr>
-              <a:t>    : Factor w/ 3 levels "</a:t>
-            </a:r>
-            <a:r>
-              <a:rPr lang="en-GB" sz="2000" b="1" dirty="0" err="1">
-                <a:latin typeface="Courier New" panose="02070309020205020404" pitchFamily="49" charset="0"/>
-                <a:cs typeface="Courier New" panose="02070309020205020404" pitchFamily="49" charset="0"/>
-              </a:rPr>
-              <a:t>Neg","Neutral</a:t>
-            </a:r>
-            <a:r>
-              <a:rPr lang="en-GB" sz="2000" b="1" dirty="0">
-                <a:latin typeface="Courier New" panose="02070309020205020404" pitchFamily="49" charset="0"/>
-                <a:cs typeface="Courier New" panose="02070309020205020404" pitchFamily="49" charset="0"/>
-              </a:rPr>
-              <a:t>",..: 2 2 2 2 2 2 2 2 2 2 ..</a:t>
-            </a:r>
+            <a:endParaRPr lang="en-GB" dirty="0"/>
           </a:p>
         </p:txBody>
       </p:sp>
     </p:spTree>
     <p:extLst>
       <p:ext uri="{BB962C8B-B14F-4D97-AF65-F5344CB8AC3E}">
-        <p14:creationId xmlns:p14="http://schemas.microsoft.com/office/powerpoint/2010/main" val="3285120470"/>
+        <p14:creationId xmlns:p14="http://schemas.microsoft.com/office/powerpoint/2010/main" val="2402371797"/>
       </p:ext>
     </p:extLst>
   </p:cSld>
@@ -3936,7 +3982,7 @@
           <p:cNvPr id="2" name="Title 1">
             <a:extLst>
               <a:ext uri="{FF2B5EF4-FFF2-40B4-BE49-F238E27FC236}">
-                <a16:creationId xmlns:a16="http://schemas.microsoft.com/office/drawing/2014/main" id="{A36E68BC-CEA9-4B4E-8C6F-493E2AB81665}"/>
+                <a16:creationId xmlns:a16="http://schemas.microsoft.com/office/drawing/2014/main" id="{7330CF32-71DB-4B31-A156-8BC732912D7C}"/>
               </a:ext>
             </a:extLst>
           </p:cNvPr>
@@ -3954,7 +4000,7 @@
           <a:p>
             <a:r>
               <a:rPr lang="en-GB" dirty="0"/>
-              <a:t>Noun by Century</a:t>
+              <a:t>Proportions for two-dimensional tables</a:t>
             </a:r>
           </a:p>
         </p:txBody>
@@ -3964,7 +4010,7 @@
           <p:cNvPr id="3" name="Content Placeholder 2">
             <a:extLst>
               <a:ext uri="{FF2B5EF4-FFF2-40B4-BE49-F238E27FC236}">
-                <a16:creationId xmlns:a16="http://schemas.microsoft.com/office/drawing/2014/main" id="{1F3AE5E0-4B06-401E-BE01-00A8F5FF217B}"/>
+                <a16:creationId xmlns:a16="http://schemas.microsoft.com/office/drawing/2014/main" id="{6BAE67D6-8BE0-41E0-9BC1-79DC53E44D5B}"/>
               </a:ext>
             </a:extLst>
           </p:cNvPr>
@@ -3977,21 +4023,50 @@
         </p:nvSpPr>
         <p:spPr/>
         <p:txBody>
-          <a:bodyPr/>
+          <a:bodyPr>
+            <a:normAutofit fontScale="55000" lnSpcReduction="20000"/>
+          </a:bodyPr>
           <a:lstStyle/>
           <a:p>
             <a:pPr marL="0" indent="0">
               <a:buNone/>
             </a:pPr>
             <a:r>
-              <a:rPr lang="en-GB" sz="2000" b="1" dirty="0">
+              <a:rPr lang="en-GB" b="1" dirty="0">
                 <a:solidFill>
                   <a:srgbClr val="0000CC"/>
                 </a:solidFill>
                 <a:latin typeface="Courier New" panose="02070309020205020404" pitchFamily="49" charset="0"/>
                 <a:cs typeface="Courier New" panose="02070309020205020404" pitchFamily="49" charset="0"/>
               </a:rPr>
-              <a:t>&gt; attach(nerd)</a:t>
+              <a:t>&gt; </a:t>
+            </a:r>
+            <a:r>
+              <a:rPr lang="en-GB" b="1" dirty="0" err="1">
+                <a:solidFill>
+                  <a:srgbClr val="0000CC"/>
+                </a:solidFill>
+                <a:latin typeface="Courier New" panose="02070309020205020404" pitchFamily="49" charset="0"/>
+                <a:cs typeface="Courier New" panose="02070309020205020404" pitchFamily="49" charset="0"/>
+              </a:rPr>
+              <a:t>prop.table</a:t>
+            </a:r>
+            <a:r>
+              <a:rPr lang="en-GB" b="1" dirty="0">
+                <a:solidFill>
+                  <a:srgbClr val="0000CC"/>
+                </a:solidFill>
+                <a:latin typeface="Courier New" panose="02070309020205020404" pitchFamily="49" charset="0"/>
+                <a:cs typeface="Courier New" panose="02070309020205020404" pitchFamily="49" charset="0"/>
+              </a:rPr>
+              <a:t>(table(Noun, Century)) </a:t>
+            </a:r>
+            <a:r>
+              <a:rPr lang="en-GB" b="1" dirty="0">
+                <a:latin typeface="Courier New" panose="02070309020205020404" pitchFamily="49" charset="0"/>
+                <a:cs typeface="Courier New" panose="02070309020205020404" pitchFamily="49" charset="0"/>
+              </a:rPr>
+              <a:t>#all cells sum up to 1</a:t>
             </a:r>
           </a:p>
           <a:p>
@@ -3999,14 +4074,89 @@
               <a:buNone/>
             </a:pPr>
             <a:r>
-              <a:rPr lang="en-GB" sz="2000" b="1" dirty="0">
+              <a:rPr lang="en-GB" b="1" dirty="0">
+                <a:latin typeface="Courier New" panose="02070309020205020404" pitchFamily="49" charset="0"/>
+                <a:cs typeface="Courier New" panose="02070309020205020404" pitchFamily="49" charset="0"/>
+              </a:rPr>
+              <a:t>      Century</a:t>
+            </a:r>
+          </a:p>
+          <a:p>
+            <a:pPr marL="0" indent="0">
+              <a:buNone/>
+            </a:pPr>
+            <a:r>
+              <a:rPr lang="en-GB" b="1" dirty="0">
+                <a:latin typeface="Courier New" panose="02070309020205020404" pitchFamily="49" charset="0"/>
+                <a:cs typeface="Courier New" panose="02070309020205020404" pitchFamily="49" charset="0"/>
+              </a:rPr>
+              <a:t>Noun          XX       XXI</a:t>
+            </a:r>
+          </a:p>
+          <a:p>
+            <a:pPr marL="0" indent="0">
+              <a:buNone/>
+            </a:pPr>
+            <a:r>
+              <a:rPr lang="en-GB" b="1" dirty="0">
+                <a:latin typeface="Courier New" panose="02070309020205020404" pitchFamily="49" charset="0"/>
+                <a:cs typeface="Courier New" panose="02070309020205020404" pitchFamily="49" charset="0"/>
+              </a:rPr>
+              <a:t>  geek 0.1496960 0.3594225</a:t>
+            </a:r>
+          </a:p>
+          <a:p>
+            <a:pPr marL="0" indent="0">
+              <a:buNone/>
+            </a:pPr>
+            <a:r>
+              <a:rPr lang="en-GB" b="1" dirty="0">
+                <a:latin typeface="Courier New" panose="02070309020205020404" pitchFamily="49" charset="0"/>
+                <a:cs typeface="Courier New" panose="02070309020205020404" pitchFamily="49" charset="0"/>
+              </a:rPr>
+              <a:t>  nerd 0.2416413 0.2492401</a:t>
+            </a:r>
+          </a:p>
+          <a:p>
+            <a:pPr marL="0" indent="0">
+              <a:buNone/>
+            </a:pPr>
+            <a:r>
+              <a:rPr lang="en-GB" b="1" dirty="0">
                 <a:solidFill>
                   <a:srgbClr val="0000CC"/>
                 </a:solidFill>
                 <a:latin typeface="Courier New" panose="02070309020205020404" pitchFamily="49" charset="0"/>
                 <a:cs typeface="Courier New" panose="02070309020205020404" pitchFamily="49" charset="0"/>
               </a:rPr>
-              <a:t>&gt; table(Noun, Century)</a:t>
+              <a:t>&gt; </a:t>
+            </a:r>
+            <a:r>
+              <a:rPr lang="en-GB" b="1" dirty="0" err="1">
+                <a:solidFill>
+                  <a:srgbClr val="0000CC"/>
+                </a:solidFill>
+                <a:latin typeface="Courier New" panose="02070309020205020404" pitchFamily="49" charset="0"/>
+                <a:cs typeface="Courier New" panose="02070309020205020404" pitchFamily="49" charset="0"/>
+              </a:rPr>
+              <a:t>prop.table</a:t>
+            </a:r>
+            <a:r>
+              <a:rPr lang="en-GB" b="1" dirty="0">
+                <a:solidFill>
+                  <a:srgbClr val="0000CC"/>
+                </a:solidFill>
+                <a:latin typeface="Courier New" panose="02070309020205020404" pitchFamily="49" charset="0"/>
+                <a:cs typeface="Courier New" panose="02070309020205020404" pitchFamily="49" charset="0"/>
+              </a:rPr>
+              <a:t>(table(Noun, Century), 1) </a:t>
+            </a:r>
+            <a:r>
+              <a:rPr lang="en-GB" b="1" dirty="0">
+                <a:latin typeface="Courier New" panose="02070309020205020404" pitchFamily="49" charset="0"/>
+                <a:cs typeface="Courier New" panose="02070309020205020404" pitchFamily="49" charset="0"/>
+              </a:rPr>
+              <a:t>#rows sum up to 1</a:t>
             </a:r>
           </a:p>
           <a:p>
@@ -4014,7 +4164,7 @@
               <a:buNone/>
             </a:pPr>
             <a:r>
-              <a:rPr lang="en-GB" sz="2000" b="1" dirty="0">
+              <a:rPr lang="en-GB" b="1" dirty="0">
                 <a:latin typeface="Courier New" panose="02070309020205020404" pitchFamily="49" charset="0"/>
                 <a:cs typeface="Courier New" panose="02070309020205020404" pitchFamily="49" charset="0"/>
               </a:rPr>
@@ -4026,11 +4176,11 @@
               <a:buNone/>
             </a:pPr>
             <a:r>
-              <a:rPr lang="en-GB" sz="2000" b="1" dirty="0">
-                <a:latin typeface="Courier New" panose="02070309020205020404" pitchFamily="49" charset="0"/>
-                <a:cs typeface="Courier New" panose="02070309020205020404" pitchFamily="49" charset="0"/>
-              </a:rPr>
-              <a:t>Noun    XX XXI</a:t>
+              <a:rPr lang="en-GB" b="1" dirty="0">
+                <a:latin typeface="Courier New" panose="02070309020205020404" pitchFamily="49" charset="0"/>
+                <a:cs typeface="Courier New" panose="02070309020205020404" pitchFamily="49" charset="0"/>
+              </a:rPr>
+              <a:t>Noun          XX       XXI</a:t>
             </a:r>
           </a:p>
           <a:p>
@@ -4038,11 +4188,11 @@
               <a:buNone/>
             </a:pPr>
             <a:r>
-              <a:rPr lang="en-GB" sz="2000" b="1" dirty="0">
-                <a:latin typeface="Courier New" panose="02070309020205020404" pitchFamily="49" charset="0"/>
-                <a:cs typeface="Courier New" panose="02070309020205020404" pitchFamily="49" charset="0"/>
-              </a:rPr>
-              <a:t>  geek 197 473</a:t>
+              <a:rPr lang="en-GB" b="1" dirty="0">
+                <a:latin typeface="Courier New" panose="02070309020205020404" pitchFamily="49" charset="0"/>
+                <a:cs typeface="Courier New" panose="02070309020205020404" pitchFamily="49" charset="0"/>
+              </a:rPr>
+              <a:t>  geek 0.2940299 0.7059701</a:t>
             </a:r>
           </a:p>
           <a:p>
@@ -4050,25 +4200,109 @@
               <a:buNone/>
             </a:pPr>
             <a:r>
-              <a:rPr lang="en-GB" sz="2000" b="1" dirty="0">
-                <a:latin typeface="Courier New" panose="02070309020205020404" pitchFamily="49" charset="0"/>
-                <a:cs typeface="Courier New" panose="02070309020205020404" pitchFamily="49" charset="0"/>
-              </a:rPr>
-              <a:t>  nerd 318 328</a:t>
+              <a:rPr lang="en-GB" b="1" dirty="0">
+                <a:latin typeface="Courier New" panose="02070309020205020404" pitchFamily="49" charset="0"/>
+                <a:cs typeface="Courier New" panose="02070309020205020404" pitchFamily="49" charset="0"/>
+              </a:rPr>
+              <a:t>  nerd 0.4922601 0.5077399</a:t>
             </a:r>
           </a:p>
           <a:p>
             <a:pPr marL="0" indent="0">
               <a:buNone/>
             </a:pPr>
-            <a:endParaRPr lang="en-GB" dirty="0"/>
+            <a:r>
+              <a:rPr lang="en-GB" b="1" dirty="0">
+                <a:solidFill>
+                  <a:srgbClr val="0000CC"/>
+                </a:solidFill>
+                <a:latin typeface="Courier New" panose="02070309020205020404" pitchFamily="49" charset="0"/>
+                <a:cs typeface="Courier New" panose="02070309020205020404" pitchFamily="49" charset="0"/>
+              </a:rPr>
+              <a:t>&gt; </a:t>
+            </a:r>
+            <a:r>
+              <a:rPr lang="en-GB" b="1" dirty="0" err="1">
+                <a:solidFill>
+                  <a:srgbClr val="0000CC"/>
+                </a:solidFill>
+                <a:latin typeface="Courier New" panose="02070309020205020404" pitchFamily="49" charset="0"/>
+                <a:cs typeface="Courier New" panose="02070309020205020404" pitchFamily="49" charset="0"/>
+              </a:rPr>
+              <a:t>prop.table</a:t>
+            </a:r>
+            <a:r>
+              <a:rPr lang="en-GB" b="1" dirty="0">
+                <a:solidFill>
+                  <a:srgbClr val="0000CC"/>
+                </a:solidFill>
+                <a:latin typeface="Courier New" panose="02070309020205020404" pitchFamily="49" charset="0"/>
+                <a:cs typeface="Courier New" panose="02070309020205020404" pitchFamily="49" charset="0"/>
+              </a:rPr>
+              <a:t>(table(Noun, Century), 2) </a:t>
+            </a:r>
+            <a:r>
+              <a:rPr lang="en-GB" b="1" dirty="0">
+                <a:latin typeface="Courier New" panose="02070309020205020404" pitchFamily="49" charset="0"/>
+                <a:cs typeface="Courier New" panose="02070309020205020404" pitchFamily="49" charset="0"/>
+              </a:rPr>
+              <a:t>#columns sum up to 1</a:t>
+            </a:r>
+          </a:p>
+          <a:p>
+            <a:pPr marL="0" indent="0">
+              <a:buNone/>
+            </a:pPr>
+            <a:r>
+              <a:rPr lang="en-GB" b="1" dirty="0">
+                <a:latin typeface="Courier New" panose="02070309020205020404" pitchFamily="49" charset="0"/>
+                <a:cs typeface="Courier New" panose="02070309020205020404" pitchFamily="49" charset="0"/>
+              </a:rPr>
+              <a:t>      Century</a:t>
+            </a:r>
+          </a:p>
+          <a:p>
+            <a:pPr marL="0" indent="0">
+              <a:buNone/>
+            </a:pPr>
+            <a:r>
+              <a:rPr lang="en-GB" b="1" dirty="0">
+                <a:latin typeface="Courier New" panose="02070309020205020404" pitchFamily="49" charset="0"/>
+                <a:cs typeface="Courier New" panose="02070309020205020404" pitchFamily="49" charset="0"/>
+              </a:rPr>
+              <a:t>Noun          XX       XXI</a:t>
+            </a:r>
+          </a:p>
+          <a:p>
+            <a:pPr marL="0" indent="0">
+              <a:buNone/>
+            </a:pPr>
+            <a:r>
+              <a:rPr lang="en-GB" b="1" dirty="0">
+                <a:latin typeface="Courier New" panose="02070309020205020404" pitchFamily="49" charset="0"/>
+                <a:cs typeface="Courier New" panose="02070309020205020404" pitchFamily="49" charset="0"/>
+              </a:rPr>
+              <a:t>  geek 0.3825243 0.5905119</a:t>
+            </a:r>
+          </a:p>
+          <a:p>
+            <a:pPr marL="0" indent="0">
+              <a:buNone/>
+            </a:pPr>
+            <a:r>
+              <a:rPr lang="en-GB" b="1" dirty="0">
+                <a:latin typeface="Courier New" panose="02070309020205020404" pitchFamily="49" charset="0"/>
+                <a:cs typeface="Courier New" panose="02070309020205020404" pitchFamily="49" charset="0"/>
+              </a:rPr>
+              <a:t>  nerd 0.6174757 0.4094881</a:t>
+            </a:r>
           </a:p>
         </p:txBody>
       </p:sp>
     </p:spTree>
     <p:extLst>
       <p:ext uri="{BB962C8B-B14F-4D97-AF65-F5344CB8AC3E}">
-        <p14:creationId xmlns:p14="http://schemas.microsoft.com/office/powerpoint/2010/main" val="2402371797"/>
+        <p14:creationId xmlns:p14="http://schemas.microsoft.com/office/powerpoint/2010/main" val="1698757144"/>
       </p:ext>
     </p:extLst>
   </p:cSld>
@@ -4100,358 +4334,6 @@
           <p:cNvPr id="2" name="Title 1">
             <a:extLst>
               <a:ext uri="{FF2B5EF4-FFF2-40B4-BE49-F238E27FC236}">
-                <a16:creationId xmlns:a16="http://schemas.microsoft.com/office/drawing/2014/main" id="{7330CF32-71DB-4B31-A156-8BC732912D7C}"/>
-              </a:ext>
-            </a:extLst>
-          </p:cNvPr>
-          <p:cNvSpPr>
-            <a:spLocks noGrp="1"/>
-          </p:cNvSpPr>
-          <p:nvPr>
-            <p:ph type="title"/>
-          </p:nvPr>
-        </p:nvSpPr>
-        <p:spPr/>
-        <p:txBody>
-          <a:bodyPr/>
-          <a:lstStyle/>
-          <a:p>
-            <a:r>
-              <a:rPr lang="en-GB" dirty="0"/>
-              <a:t>Proportions for two-dimensional tables</a:t>
-            </a:r>
-          </a:p>
-        </p:txBody>
-      </p:sp>
-      <p:sp>
-        <p:nvSpPr>
-          <p:cNvPr id="3" name="Content Placeholder 2">
-            <a:extLst>
-              <a:ext uri="{FF2B5EF4-FFF2-40B4-BE49-F238E27FC236}">
-                <a16:creationId xmlns:a16="http://schemas.microsoft.com/office/drawing/2014/main" id="{6BAE67D6-8BE0-41E0-9BC1-79DC53E44D5B}"/>
-              </a:ext>
-            </a:extLst>
-          </p:cNvPr>
-          <p:cNvSpPr>
-            <a:spLocks noGrp="1"/>
-          </p:cNvSpPr>
-          <p:nvPr>
-            <p:ph idx="1"/>
-          </p:nvPr>
-        </p:nvSpPr>
-        <p:spPr/>
-        <p:txBody>
-          <a:bodyPr>
-            <a:normAutofit fontScale="55000" lnSpcReduction="20000"/>
-          </a:bodyPr>
-          <a:lstStyle/>
-          <a:p>
-            <a:pPr marL="0" indent="0">
-              <a:buNone/>
-            </a:pPr>
-            <a:r>
-              <a:rPr lang="en-GB" b="1" dirty="0">
-                <a:solidFill>
-                  <a:srgbClr val="0000CC"/>
-                </a:solidFill>
-                <a:latin typeface="Courier New" panose="02070309020205020404" pitchFamily="49" charset="0"/>
-                <a:cs typeface="Courier New" panose="02070309020205020404" pitchFamily="49" charset="0"/>
-              </a:rPr>
-              <a:t>&gt; </a:t>
-            </a:r>
-            <a:r>
-              <a:rPr lang="en-GB" b="1" dirty="0" err="1">
-                <a:solidFill>
-                  <a:srgbClr val="0000CC"/>
-                </a:solidFill>
-                <a:latin typeface="Courier New" panose="02070309020205020404" pitchFamily="49" charset="0"/>
-                <a:cs typeface="Courier New" panose="02070309020205020404" pitchFamily="49" charset="0"/>
-              </a:rPr>
-              <a:t>prop.table</a:t>
-            </a:r>
-            <a:r>
-              <a:rPr lang="en-GB" b="1" dirty="0">
-                <a:solidFill>
-                  <a:srgbClr val="0000CC"/>
-                </a:solidFill>
-                <a:latin typeface="Courier New" panose="02070309020205020404" pitchFamily="49" charset="0"/>
-                <a:cs typeface="Courier New" panose="02070309020205020404" pitchFamily="49" charset="0"/>
-              </a:rPr>
-              <a:t>(table(Noun, Century)) </a:t>
-            </a:r>
-            <a:r>
-              <a:rPr lang="en-GB" b="1" dirty="0">
-                <a:latin typeface="Courier New" panose="02070309020205020404" pitchFamily="49" charset="0"/>
-                <a:cs typeface="Courier New" panose="02070309020205020404" pitchFamily="49" charset="0"/>
-              </a:rPr>
-              <a:t>#all cells sum up to 1</a:t>
-            </a:r>
-          </a:p>
-          <a:p>
-            <a:pPr marL="0" indent="0">
-              <a:buNone/>
-            </a:pPr>
-            <a:r>
-              <a:rPr lang="en-GB" b="1" dirty="0">
-                <a:latin typeface="Courier New" panose="02070309020205020404" pitchFamily="49" charset="0"/>
-                <a:cs typeface="Courier New" panose="02070309020205020404" pitchFamily="49" charset="0"/>
-              </a:rPr>
-              <a:t>      Century</a:t>
-            </a:r>
-          </a:p>
-          <a:p>
-            <a:pPr marL="0" indent="0">
-              <a:buNone/>
-            </a:pPr>
-            <a:r>
-              <a:rPr lang="en-GB" b="1" dirty="0">
-                <a:latin typeface="Courier New" panose="02070309020205020404" pitchFamily="49" charset="0"/>
-                <a:cs typeface="Courier New" panose="02070309020205020404" pitchFamily="49" charset="0"/>
-              </a:rPr>
-              <a:t>Noun          XX       XXI</a:t>
-            </a:r>
-          </a:p>
-          <a:p>
-            <a:pPr marL="0" indent="0">
-              <a:buNone/>
-            </a:pPr>
-            <a:r>
-              <a:rPr lang="en-GB" b="1" dirty="0">
-                <a:latin typeface="Courier New" panose="02070309020205020404" pitchFamily="49" charset="0"/>
-                <a:cs typeface="Courier New" panose="02070309020205020404" pitchFamily="49" charset="0"/>
-              </a:rPr>
-              <a:t>  geek 0.1496960 0.3594225</a:t>
-            </a:r>
-          </a:p>
-          <a:p>
-            <a:pPr marL="0" indent="0">
-              <a:buNone/>
-            </a:pPr>
-            <a:r>
-              <a:rPr lang="en-GB" b="1" dirty="0">
-                <a:latin typeface="Courier New" panose="02070309020205020404" pitchFamily="49" charset="0"/>
-                <a:cs typeface="Courier New" panose="02070309020205020404" pitchFamily="49" charset="0"/>
-              </a:rPr>
-              <a:t>  nerd 0.2416413 0.2492401</a:t>
-            </a:r>
-          </a:p>
-          <a:p>
-            <a:pPr marL="0" indent="0">
-              <a:buNone/>
-            </a:pPr>
-            <a:r>
-              <a:rPr lang="en-GB" b="1" dirty="0">
-                <a:solidFill>
-                  <a:srgbClr val="0000CC"/>
-                </a:solidFill>
-                <a:latin typeface="Courier New" panose="02070309020205020404" pitchFamily="49" charset="0"/>
-                <a:cs typeface="Courier New" panose="02070309020205020404" pitchFamily="49" charset="0"/>
-              </a:rPr>
-              <a:t>&gt; </a:t>
-            </a:r>
-            <a:r>
-              <a:rPr lang="en-GB" b="1" dirty="0" err="1">
-                <a:solidFill>
-                  <a:srgbClr val="0000CC"/>
-                </a:solidFill>
-                <a:latin typeface="Courier New" panose="02070309020205020404" pitchFamily="49" charset="0"/>
-                <a:cs typeface="Courier New" panose="02070309020205020404" pitchFamily="49" charset="0"/>
-              </a:rPr>
-              <a:t>prop.table</a:t>
-            </a:r>
-            <a:r>
-              <a:rPr lang="en-GB" b="1" dirty="0">
-                <a:solidFill>
-                  <a:srgbClr val="0000CC"/>
-                </a:solidFill>
-                <a:latin typeface="Courier New" panose="02070309020205020404" pitchFamily="49" charset="0"/>
-                <a:cs typeface="Courier New" panose="02070309020205020404" pitchFamily="49" charset="0"/>
-              </a:rPr>
-              <a:t>(table(Noun, Century), 1) </a:t>
-            </a:r>
-            <a:r>
-              <a:rPr lang="en-GB" b="1" dirty="0">
-                <a:latin typeface="Courier New" panose="02070309020205020404" pitchFamily="49" charset="0"/>
-                <a:cs typeface="Courier New" panose="02070309020205020404" pitchFamily="49" charset="0"/>
-              </a:rPr>
-              <a:t>#rows sum up to 1</a:t>
-            </a:r>
-          </a:p>
-          <a:p>
-            <a:pPr marL="0" indent="0">
-              <a:buNone/>
-            </a:pPr>
-            <a:r>
-              <a:rPr lang="en-GB" b="1" dirty="0">
-                <a:latin typeface="Courier New" panose="02070309020205020404" pitchFamily="49" charset="0"/>
-                <a:cs typeface="Courier New" panose="02070309020205020404" pitchFamily="49" charset="0"/>
-              </a:rPr>
-              <a:t>      Century</a:t>
-            </a:r>
-          </a:p>
-          <a:p>
-            <a:pPr marL="0" indent="0">
-              <a:buNone/>
-            </a:pPr>
-            <a:r>
-              <a:rPr lang="en-GB" b="1" dirty="0">
-                <a:latin typeface="Courier New" panose="02070309020205020404" pitchFamily="49" charset="0"/>
-                <a:cs typeface="Courier New" panose="02070309020205020404" pitchFamily="49" charset="0"/>
-              </a:rPr>
-              <a:t>Noun          XX       XXI</a:t>
-            </a:r>
-          </a:p>
-          <a:p>
-            <a:pPr marL="0" indent="0">
-              <a:buNone/>
-            </a:pPr>
-            <a:r>
-              <a:rPr lang="en-GB" b="1" dirty="0">
-                <a:latin typeface="Courier New" panose="02070309020205020404" pitchFamily="49" charset="0"/>
-                <a:cs typeface="Courier New" panose="02070309020205020404" pitchFamily="49" charset="0"/>
-              </a:rPr>
-              <a:t>  geek 0.2940299 0.7059701</a:t>
-            </a:r>
-          </a:p>
-          <a:p>
-            <a:pPr marL="0" indent="0">
-              <a:buNone/>
-            </a:pPr>
-            <a:r>
-              <a:rPr lang="en-GB" b="1" dirty="0">
-                <a:latin typeface="Courier New" panose="02070309020205020404" pitchFamily="49" charset="0"/>
-                <a:cs typeface="Courier New" panose="02070309020205020404" pitchFamily="49" charset="0"/>
-              </a:rPr>
-              <a:t>  nerd 0.4922601 0.5077399</a:t>
-            </a:r>
-          </a:p>
-          <a:p>
-            <a:pPr marL="0" indent="0">
-              <a:buNone/>
-            </a:pPr>
-            <a:r>
-              <a:rPr lang="en-GB" b="1" dirty="0">
-                <a:solidFill>
-                  <a:srgbClr val="0000CC"/>
-                </a:solidFill>
-                <a:latin typeface="Courier New" panose="02070309020205020404" pitchFamily="49" charset="0"/>
-                <a:cs typeface="Courier New" panose="02070309020205020404" pitchFamily="49" charset="0"/>
-              </a:rPr>
-              <a:t>&gt; </a:t>
-            </a:r>
-            <a:r>
-              <a:rPr lang="en-GB" b="1" dirty="0" err="1">
-                <a:solidFill>
-                  <a:srgbClr val="0000CC"/>
-                </a:solidFill>
-                <a:latin typeface="Courier New" panose="02070309020205020404" pitchFamily="49" charset="0"/>
-                <a:cs typeface="Courier New" panose="02070309020205020404" pitchFamily="49" charset="0"/>
-              </a:rPr>
-              <a:t>prop.table</a:t>
-            </a:r>
-            <a:r>
-              <a:rPr lang="en-GB" b="1" dirty="0">
-                <a:solidFill>
-                  <a:srgbClr val="0000CC"/>
-                </a:solidFill>
-                <a:latin typeface="Courier New" panose="02070309020205020404" pitchFamily="49" charset="0"/>
-                <a:cs typeface="Courier New" panose="02070309020205020404" pitchFamily="49" charset="0"/>
-              </a:rPr>
-              <a:t>(table(Noun, Century), 2) </a:t>
-            </a:r>
-            <a:r>
-              <a:rPr lang="en-GB" b="1" dirty="0">
-                <a:latin typeface="Courier New" panose="02070309020205020404" pitchFamily="49" charset="0"/>
-                <a:cs typeface="Courier New" panose="02070309020205020404" pitchFamily="49" charset="0"/>
-              </a:rPr>
-              <a:t>#columns sum up to 1</a:t>
-            </a:r>
-          </a:p>
-          <a:p>
-            <a:pPr marL="0" indent="0">
-              <a:buNone/>
-            </a:pPr>
-            <a:r>
-              <a:rPr lang="en-GB" b="1" dirty="0">
-                <a:latin typeface="Courier New" panose="02070309020205020404" pitchFamily="49" charset="0"/>
-                <a:cs typeface="Courier New" panose="02070309020205020404" pitchFamily="49" charset="0"/>
-              </a:rPr>
-              <a:t>      Century</a:t>
-            </a:r>
-          </a:p>
-          <a:p>
-            <a:pPr marL="0" indent="0">
-              <a:buNone/>
-            </a:pPr>
-            <a:r>
-              <a:rPr lang="en-GB" b="1" dirty="0">
-                <a:latin typeface="Courier New" panose="02070309020205020404" pitchFamily="49" charset="0"/>
-                <a:cs typeface="Courier New" panose="02070309020205020404" pitchFamily="49" charset="0"/>
-              </a:rPr>
-              <a:t>Noun          XX       XXI</a:t>
-            </a:r>
-          </a:p>
-          <a:p>
-            <a:pPr marL="0" indent="0">
-              <a:buNone/>
-            </a:pPr>
-            <a:r>
-              <a:rPr lang="en-GB" b="1" dirty="0">
-                <a:latin typeface="Courier New" panose="02070309020205020404" pitchFamily="49" charset="0"/>
-                <a:cs typeface="Courier New" panose="02070309020205020404" pitchFamily="49" charset="0"/>
-              </a:rPr>
-              <a:t>  geek 0.3825243 0.5905119</a:t>
-            </a:r>
-          </a:p>
-          <a:p>
-            <a:pPr marL="0" indent="0">
-              <a:buNone/>
-            </a:pPr>
-            <a:r>
-              <a:rPr lang="en-GB" b="1" dirty="0">
-                <a:latin typeface="Courier New" panose="02070309020205020404" pitchFamily="49" charset="0"/>
-                <a:cs typeface="Courier New" panose="02070309020205020404" pitchFamily="49" charset="0"/>
-              </a:rPr>
-              <a:t>  nerd 0.6174757 0.4094881</a:t>
-            </a:r>
-          </a:p>
-        </p:txBody>
-      </p:sp>
-    </p:spTree>
-    <p:extLst>
-      <p:ext uri="{BB962C8B-B14F-4D97-AF65-F5344CB8AC3E}">
-        <p14:creationId xmlns:p14="http://schemas.microsoft.com/office/powerpoint/2010/main" val="1698757144"/>
-      </p:ext>
-    </p:extLst>
-  </p:cSld>
-  <p:clrMapOvr>
-    <a:masterClrMapping/>
-  </p:clrMapOvr>
-</p:sld>
-</file>
-
-<file path=ppt/slides/slide17.xml><?xml version="1.0" encoding="utf-8"?>
-<p:sld xmlns:a="http://schemas.openxmlformats.org/drawingml/2006/main" xmlns:r="http://schemas.openxmlformats.org/officeDocument/2006/relationships" xmlns:p="http://schemas.openxmlformats.org/presentationml/2006/main">
-  <p:cSld>
-    <p:spTree>
-      <p:nvGrpSpPr>
-        <p:cNvPr id="1" name=""/>
-        <p:cNvGrpSpPr/>
-        <p:nvPr/>
-      </p:nvGrpSpPr>
-      <p:grpSpPr>
-        <a:xfrm>
-          <a:off x="0" y="0"/>
-          <a:ext cx="0" cy="0"/>
-          <a:chOff x="0" y="0"/>
-          <a:chExt cx="0" cy="0"/>
-        </a:xfrm>
-      </p:grpSpPr>
-      <p:sp>
-        <p:nvSpPr>
-          <p:cNvPr id="2" name="Title 1">
-            <a:extLst>
-              <a:ext uri="{FF2B5EF4-FFF2-40B4-BE49-F238E27FC236}">
                 <a16:creationId xmlns:a16="http://schemas.microsoft.com/office/drawing/2014/main" id="{9F6F6DEE-3A84-4CCA-8BB1-27F3E9565DBC}"/>
               </a:ext>
             </a:extLst>
@@ -4622,7 +4504,7 @@
 </p:sld>
 </file>
 
-<file path=ppt/slides/slide18.xml><?xml version="1.0" encoding="utf-8"?>
+<file path=ppt/slides/slide17.xml><?xml version="1.0" encoding="utf-8"?>
 <p:sld xmlns:a="http://schemas.openxmlformats.org/drawingml/2006/main" xmlns:r="http://schemas.openxmlformats.org/officeDocument/2006/relationships" xmlns:p="http://schemas.openxmlformats.org/presentationml/2006/main">
   <p:cSld>
     <p:spTree>
@@ -4732,7 +4614,7 @@
 </p:sld>
 </file>
 
-<file path=ppt/slides/slide19.xml><?xml version="1.0" encoding="utf-8"?>
+<file path=ppt/slides/slide18.xml><?xml version="1.0" encoding="utf-8"?>
 <p:sld xmlns:a="http://schemas.openxmlformats.org/drawingml/2006/main" xmlns:r="http://schemas.openxmlformats.org/officeDocument/2006/relationships" xmlns:p="http://schemas.openxmlformats.org/presentationml/2006/main">
   <p:cSld>
     <p:spTree>
@@ -4924,134 +4806,7 @@
 </p:sld>
 </file>
 
-<file path=ppt/slides/slide2.xml><?xml version="1.0" encoding="utf-8"?>
-<p:sld xmlns:a="http://schemas.openxmlformats.org/drawingml/2006/main" xmlns:r="http://schemas.openxmlformats.org/officeDocument/2006/relationships" xmlns:p="http://schemas.openxmlformats.org/presentationml/2006/main">
-  <p:cSld>
-    <p:spTree>
-      <p:nvGrpSpPr>
-        <p:cNvPr id="1" name=""/>
-        <p:cNvGrpSpPr/>
-        <p:nvPr/>
-      </p:nvGrpSpPr>
-      <p:grpSpPr>
-        <a:xfrm>
-          <a:off x="0" y="0"/>
-          <a:ext cx="0" cy="0"/>
-          <a:chOff x="0" y="0"/>
-          <a:chExt cx="0" cy="0"/>
-        </a:xfrm>
-      </p:grpSpPr>
-      <p:sp>
-        <p:nvSpPr>
-          <p:cNvPr id="2" name="Title 1">
-            <a:extLst>
-              <a:ext uri="{FF2B5EF4-FFF2-40B4-BE49-F238E27FC236}">
-                <a16:creationId xmlns:a16="http://schemas.microsoft.com/office/drawing/2014/main" id="{CDC76111-15DD-475C-9345-5D9F87AF7792}"/>
-              </a:ext>
-            </a:extLst>
-          </p:cNvPr>
-          <p:cNvSpPr>
-            <a:spLocks noGrp="1"/>
-          </p:cNvSpPr>
-          <p:nvPr>
-            <p:ph type="title"/>
-          </p:nvPr>
-        </p:nvSpPr>
-        <p:spPr/>
-        <p:txBody>
-          <a:bodyPr/>
-          <a:lstStyle/>
-          <a:p>
-            <a:r>
-              <a:rPr lang="en-GB" dirty="0"/>
-              <a:t>Where to find the datasets</a:t>
-            </a:r>
-          </a:p>
-        </p:txBody>
-      </p:sp>
-      <p:sp>
-        <p:nvSpPr>
-          <p:cNvPr id="3" name="Content Placeholder 2">
-            <a:extLst>
-              <a:ext uri="{FF2B5EF4-FFF2-40B4-BE49-F238E27FC236}">
-                <a16:creationId xmlns:a16="http://schemas.microsoft.com/office/drawing/2014/main" id="{AF32CAD2-E583-4347-9519-D6A72428A42C}"/>
-              </a:ext>
-            </a:extLst>
-          </p:cNvPr>
-          <p:cNvSpPr>
-            <a:spLocks noGrp="1"/>
-          </p:cNvSpPr>
-          <p:nvPr>
-            <p:ph idx="1"/>
-          </p:nvPr>
-        </p:nvSpPr>
-        <p:spPr/>
-        <p:txBody>
-          <a:bodyPr/>
-          <a:lstStyle/>
-          <a:p>
-            <a:pPr marL="0" indent="0">
-              <a:buNone/>
-            </a:pPr>
-            <a:r>
-              <a:rPr lang="en-GB" dirty="0"/>
-              <a:t>1. Download </a:t>
-            </a:r>
-            <a:r>
-              <a:rPr lang="en-GB" dirty="0" err="1"/>
-              <a:t>R_workspace.RData</a:t>
-            </a:r>
-            <a:r>
-              <a:rPr lang="en-GB" dirty="0"/>
-              <a:t> from GitHub.</a:t>
-            </a:r>
-          </a:p>
-          <a:p>
-            <a:pPr marL="0" indent="0">
-              <a:buNone/>
-            </a:pPr>
-            <a:r>
-              <a:rPr lang="en-GB" dirty="0"/>
-              <a:t>2. Save this file in the directory with your R project.</a:t>
-            </a:r>
-          </a:p>
-          <a:p>
-            <a:pPr marL="0" indent="0">
-              <a:buNone/>
-            </a:pPr>
-            <a:r>
-              <a:rPr lang="en-GB" dirty="0"/>
-              <a:t>3. Open your R project, open the Files tab and click on the file. Choose “Yes” in the dialogue window.</a:t>
-            </a:r>
-          </a:p>
-          <a:p>
-            <a:pPr marL="0" indent="0">
-              <a:buNone/>
-            </a:pPr>
-            <a:r>
-              <a:rPr lang="en-GB" dirty="0"/>
-              <a:t>4. Now you can access the datasets.</a:t>
-            </a:r>
-          </a:p>
-          <a:p>
-            <a:endParaRPr lang="en-GB" dirty="0"/>
-          </a:p>
-        </p:txBody>
-      </p:sp>
-    </p:spTree>
-    <p:extLst>
-      <p:ext uri="{BB962C8B-B14F-4D97-AF65-F5344CB8AC3E}">
-        <p14:creationId xmlns:p14="http://schemas.microsoft.com/office/powerpoint/2010/main" val="3782357003"/>
-      </p:ext>
-    </p:extLst>
-  </p:cSld>
-  <p:clrMapOvr>
-    <a:masterClrMapping/>
-  </p:clrMapOvr>
-</p:sld>
-</file>
-
-<file path=ppt/slides/slide20.xml><?xml version="1.0" encoding="utf-8"?>
+<file path=ppt/slides/slide19.xml><?xml version="1.0" encoding="utf-8"?>
 <p:sld xmlns:a="http://schemas.openxmlformats.org/drawingml/2006/main" xmlns:r="http://schemas.openxmlformats.org/officeDocument/2006/relationships" xmlns:p="http://schemas.openxmlformats.org/presentationml/2006/main">
   <p:cSld>
     <p:spTree>
@@ -5161,6 +4916,273 @@
 </p:sld>
 </file>
 
+<file path=ppt/slides/slide2.xml><?xml version="1.0" encoding="utf-8"?>
+<p:sld xmlns:a="http://schemas.openxmlformats.org/drawingml/2006/main" xmlns:r="http://schemas.openxmlformats.org/officeDocument/2006/relationships" xmlns:p="http://schemas.openxmlformats.org/presentationml/2006/main">
+  <p:cSld>
+    <p:spTree>
+      <p:nvGrpSpPr>
+        <p:cNvPr id="1" name=""/>
+        <p:cNvGrpSpPr/>
+        <p:nvPr/>
+      </p:nvGrpSpPr>
+      <p:grpSpPr>
+        <a:xfrm>
+          <a:off x="0" y="0"/>
+          <a:ext cx="0" cy="0"/>
+          <a:chOff x="0" y="0"/>
+          <a:chExt cx="0" cy="0"/>
+        </a:xfrm>
+      </p:grpSpPr>
+      <p:sp>
+        <p:nvSpPr>
+          <p:cNvPr id="2" name="Title 1">
+            <a:extLst>
+              <a:ext uri="{FF2B5EF4-FFF2-40B4-BE49-F238E27FC236}">
+                <a16:creationId xmlns:a16="http://schemas.microsoft.com/office/drawing/2014/main" id="{9163D7DB-0BA9-48FB-AA5C-94276A953906}"/>
+              </a:ext>
+            </a:extLst>
+          </p:cNvPr>
+          <p:cNvSpPr>
+            <a:spLocks noGrp="1"/>
+          </p:cNvSpPr>
+          <p:nvPr>
+            <p:ph type="title"/>
+          </p:nvPr>
+        </p:nvSpPr>
+        <p:spPr/>
+        <p:txBody>
+          <a:bodyPr/>
+          <a:lstStyle/>
+          <a:p>
+            <a:r>
+              <a:rPr lang="en-GB" dirty="0"/>
+              <a:t>Outline	</a:t>
+            </a:r>
+          </a:p>
+        </p:txBody>
+      </p:sp>
+      <p:sp>
+        <p:nvSpPr>
+          <p:cNvPr id="3" name="Content Placeholder 2">
+            <a:extLst>
+              <a:ext uri="{FF2B5EF4-FFF2-40B4-BE49-F238E27FC236}">
+                <a16:creationId xmlns:a16="http://schemas.microsoft.com/office/drawing/2014/main" id="{E9AD873B-2B95-4F88-9DE7-B7E6CA2BB0EB}"/>
+              </a:ext>
+            </a:extLst>
+          </p:cNvPr>
+          <p:cNvSpPr>
+            <a:spLocks noGrp="1"/>
+          </p:cNvSpPr>
+          <p:nvPr>
+            <p:ph idx="1"/>
+          </p:nvPr>
+        </p:nvSpPr>
+        <p:spPr/>
+        <p:txBody>
+          <a:bodyPr>
+            <a:normAutofit/>
+          </a:bodyPr>
+          <a:lstStyle/>
+          <a:p>
+            <a:pPr marL="0" indent="0">
+              <a:buNone/>
+            </a:pPr>
+            <a:r>
+              <a:rPr lang="en-GB" dirty="0"/>
+              <a:t>1. One categorical variable</a:t>
+            </a:r>
+          </a:p>
+          <a:p>
+            <a:pPr lvl="1"/>
+            <a:r>
+              <a:rPr lang="en-GB" dirty="0"/>
+              <a:t>Descriptive statistics (proportions, percentages)</a:t>
+            </a:r>
+          </a:p>
+          <a:p>
+            <a:pPr lvl="1"/>
+            <a:r>
+              <a:rPr lang="en-GB" dirty="0"/>
+              <a:t>Visualization (bar plots, pie charts)</a:t>
+            </a:r>
+          </a:p>
+          <a:p>
+            <a:pPr marL="0" indent="0">
+              <a:buNone/>
+            </a:pPr>
+            <a:r>
+              <a:rPr lang="en-GB" dirty="0"/>
+              <a:t>2. Two categorical variables</a:t>
+            </a:r>
+          </a:p>
+          <a:p>
+            <a:pPr lvl="1"/>
+            <a:r>
+              <a:rPr lang="en-GB" dirty="0"/>
+              <a:t>Visualization (bar plots)</a:t>
+            </a:r>
+          </a:p>
+          <a:p>
+            <a:pPr lvl="1"/>
+            <a:r>
+              <a:rPr lang="en-GB" dirty="0"/>
+              <a:t>Descriptive statistics (odds ratio, Cramer’s V)</a:t>
+            </a:r>
+          </a:p>
+          <a:p>
+            <a:pPr lvl="1"/>
+            <a:r>
+              <a:rPr lang="en-GB" dirty="0"/>
+              <a:t>Tests of independence (Chi-squared test, Fisher test)</a:t>
+            </a:r>
+          </a:p>
+        </p:txBody>
+      </p:sp>
+    </p:spTree>
+    <p:extLst>
+      <p:ext uri="{BB962C8B-B14F-4D97-AF65-F5344CB8AC3E}">
+        <p14:creationId xmlns:p14="http://schemas.microsoft.com/office/powerpoint/2010/main" val="1096650750"/>
+      </p:ext>
+    </p:extLst>
+  </p:cSld>
+  <p:clrMapOvr>
+    <a:masterClrMapping/>
+  </p:clrMapOvr>
+</p:sld>
+</file>
+
+<file path=ppt/slides/slide20.xml><?xml version="1.0" encoding="utf-8"?>
+<p:sld xmlns:a="http://schemas.openxmlformats.org/drawingml/2006/main" xmlns:r="http://schemas.openxmlformats.org/officeDocument/2006/relationships" xmlns:p="http://schemas.openxmlformats.org/presentationml/2006/main">
+  <p:cSld>
+    <p:spTree>
+      <p:nvGrpSpPr>
+        <p:cNvPr id="1" name=""/>
+        <p:cNvGrpSpPr/>
+        <p:nvPr/>
+      </p:nvGrpSpPr>
+      <p:grpSpPr>
+        <a:xfrm>
+          <a:off x="0" y="0"/>
+          <a:ext cx="0" cy="0"/>
+          <a:chOff x="0" y="0"/>
+          <a:chExt cx="0" cy="0"/>
+        </a:xfrm>
+      </p:grpSpPr>
+      <p:sp>
+        <p:nvSpPr>
+          <p:cNvPr id="2" name="Title 1">
+            <a:extLst>
+              <a:ext uri="{FF2B5EF4-FFF2-40B4-BE49-F238E27FC236}">
+                <a16:creationId xmlns:a16="http://schemas.microsoft.com/office/drawing/2014/main" id="{C2E58793-45D4-42FC-8A14-309D37133C02}"/>
+              </a:ext>
+            </a:extLst>
+          </p:cNvPr>
+          <p:cNvSpPr>
+            <a:spLocks noGrp="1"/>
+          </p:cNvSpPr>
+          <p:nvPr>
+            <p:ph type="title"/>
+          </p:nvPr>
+        </p:nvSpPr>
+        <p:spPr/>
+        <p:txBody>
+          <a:bodyPr/>
+          <a:lstStyle/>
+          <a:p>
+            <a:r>
+              <a:rPr lang="en-GB" dirty="0"/>
+              <a:t>Effect size for categorical data</a:t>
+            </a:r>
+          </a:p>
+        </p:txBody>
+      </p:sp>
+      <p:sp>
+        <p:nvSpPr>
+          <p:cNvPr id="3" name="Content Placeholder 2">
+            <a:extLst>
+              <a:ext uri="{FF2B5EF4-FFF2-40B4-BE49-F238E27FC236}">
+                <a16:creationId xmlns:a16="http://schemas.microsoft.com/office/drawing/2014/main" id="{5E5BC584-30F3-48D5-9996-02F21E00C565}"/>
+              </a:ext>
+            </a:extLst>
+          </p:cNvPr>
+          <p:cNvSpPr>
+            <a:spLocks noGrp="1"/>
+          </p:cNvSpPr>
+          <p:nvPr>
+            <p:ph idx="1"/>
+          </p:nvPr>
+        </p:nvSpPr>
+        <p:spPr/>
+        <p:txBody>
+          <a:bodyPr/>
+          <a:lstStyle/>
+          <a:p>
+            <a:r>
+              <a:rPr lang="en-GB" dirty="0"/>
+              <a:t>One can see that </a:t>
+            </a:r>
+            <a:r>
+              <a:rPr lang="en-GB" i="1" dirty="0"/>
+              <a:t>nerd</a:t>
+            </a:r>
+            <a:r>
+              <a:rPr lang="en-GB" dirty="0"/>
+              <a:t> occurs more often in the XX century data than in the XXI century data. For </a:t>
+            </a:r>
+            <a:r>
+              <a:rPr lang="en-GB" i="1" dirty="0"/>
+              <a:t>geek</a:t>
+            </a:r>
+            <a:r>
+              <a:rPr lang="en-GB" dirty="0"/>
+              <a:t>, it is the other way round.</a:t>
+            </a:r>
+          </a:p>
+          <a:p>
+            <a:r>
+              <a:rPr lang="en-GB" dirty="0"/>
+              <a:t>One speaks about an </a:t>
+            </a:r>
+            <a:r>
+              <a:rPr lang="en-GB" dirty="0">
+                <a:solidFill>
+                  <a:srgbClr val="0000CC"/>
+                </a:solidFill>
+              </a:rPr>
+              <a:t>association</a:t>
+            </a:r>
+            <a:r>
+              <a:rPr lang="en-GB" dirty="0"/>
+              <a:t> between two categorical variables.</a:t>
+            </a:r>
+          </a:p>
+          <a:p>
+            <a:r>
+              <a:rPr lang="en-GB" dirty="0"/>
+              <a:t>How strong is that effect?</a:t>
+            </a:r>
+          </a:p>
+          <a:p>
+            <a:r>
+              <a:rPr lang="en-GB" dirty="0"/>
+              <a:t>One of the popular measures of effect size is odds ratio.</a:t>
+            </a:r>
+          </a:p>
+        </p:txBody>
+      </p:sp>
+    </p:spTree>
+    <p:extLst>
+      <p:ext uri="{BB962C8B-B14F-4D97-AF65-F5344CB8AC3E}">
+        <p14:creationId xmlns:p14="http://schemas.microsoft.com/office/powerpoint/2010/main" val="2713271361"/>
+      </p:ext>
+    </p:extLst>
+  </p:cSld>
+  <p:clrMapOvr>
+    <a:masterClrMapping/>
+  </p:clrMapOvr>
+</p:sld>
+</file>
+
 <file path=ppt/slides/slide21.xml><?xml version="1.0" encoding="utf-8"?>
 <p:sld xmlns:a="http://schemas.openxmlformats.org/drawingml/2006/main" xmlns:r="http://schemas.openxmlformats.org/officeDocument/2006/relationships" xmlns:p="http://schemas.openxmlformats.org/presentationml/2006/main">
   <p:cSld>
@@ -5183,7 +5205,7 @@
           <p:cNvPr id="2" name="Title 1">
             <a:extLst>
               <a:ext uri="{FF2B5EF4-FFF2-40B4-BE49-F238E27FC236}">
-                <a16:creationId xmlns:a16="http://schemas.microsoft.com/office/drawing/2014/main" id="{C2E58793-45D4-42FC-8A14-309D37133C02}"/>
+                <a16:creationId xmlns:a16="http://schemas.microsoft.com/office/drawing/2014/main" id="{F414A6BF-00F4-4F60-9EC7-3CC08A7D3831}"/>
               </a:ext>
             </a:extLst>
           </p:cNvPr>
@@ -5201,7 +5223,7 @@
           <a:p>
             <a:r>
               <a:rPr lang="en-GB" dirty="0"/>
-              <a:t>Effect size for categorical data</a:t>
+              <a:t>Odds and odds ratio</a:t>
             </a:r>
           </a:p>
         </p:txBody>
@@ -5211,7 +5233,7 @@
           <p:cNvPr id="3" name="Content Placeholder 2">
             <a:extLst>
               <a:ext uri="{FF2B5EF4-FFF2-40B4-BE49-F238E27FC236}">
-                <a16:creationId xmlns:a16="http://schemas.microsoft.com/office/drawing/2014/main" id="{5E5BC584-30F3-48D5-9996-02F21E00C565}"/>
+                <a16:creationId xmlns:a16="http://schemas.microsoft.com/office/drawing/2014/main" id="{5A0E6C10-7A26-43C9-AD32-C24CE8F4CCB1}"/>
               </a:ext>
             </a:extLst>
           </p:cNvPr>
@@ -5224,58 +5246,90 @@
         </p:nvSpPr>
         <p:spPr/>
         <p:txBody>
-          <a:bodyPr/>
-          <a:lstStyle/>
-          <a:p>
-            <a:r>
-              <a:rPr lang="en-GB" dirty="0"/>
-              <a:t>One can see that </a:t>
-            </a:r>
-            <a:r>
-              <a:rPr lang="en-GB" i="1" dirty="0"/>
-              <a:t>nerd</a:t>
-            </a:r>
-            <a:r>
-              <a:rPr lang="en-GB" dirty="0"/>
-              <a:t> occurs more often in the XX century data than in the XXI century data. For </a:t>
-            </a:r>
-            <a:r>
-              <a:rPr lang="en-GB" i="1" dirty="0"/>
-              <a:t>geek</a:t>
-            </a:r>
-            <a:r>
-              <a:rPr lang="en-GB" dirty="0"/>
-              <a:t>, it is the other way round.</a:t>
-            </a:r>
-          </a:p>
-          <a:p>
-            <a:r>
-              <a:rPr lang="en-GB" dirty="0"/>
-              <a:t>One speaks about an </a:t>
-            </a:r>
+          <a:bodyPr>
+            <a:normAutofit lnSpcReduction="10000"/>
+          </a:bodyPr>
+          <a:lstStyle/>
+          <a:p>
+            <a:pPr marL="0" indent="0">
+              <a:buNone/>
+            </a:pPr>
             <a:r>
               <a:rPr lang="en-GB" dirty="0">
                 <a:solidFill>
                   <a:srgbClr val="0000CC"/>
                 </a:solidFill>
               </a:rPr>
-              <a:t>association</a:t>
-            </a:r>
-            <a:r>
-              <a:rPr lang="en-GB" dirty="0"/>
-              <a:t> between two categorical variables.</a:t>
-            </a:r>
-          </a:p>
-          <a:p>
-            <a:r>
-              <a:rPr lang="en-GB" dirty="0"/>
-              <a:t>How strong is that effect?</a:t>
-            </a:r>
-          </a:p>
-          <a:p>
-            <a:r>
-              <a:rPr lang="en-GB" dirty="0"/>
-              <a:t>One of the popular measures of effect size is odds ratio.</a:t>
+              <a:t>&gt; table(Noun, Century)</a:t>
+            </a:r>
+          </a:p>
+          <a:p>
+            <a:pPr marL="0" indent="0">
+              <a:buNone/>
+            </a:pPr>
+            <a:r>
+              <a:rPr lang="en-GB" dirty="0"/>
+              <a:t>      Century</a:t>
+            </a:r>
+          </a:p>
+          <a:p>
+            <a:pPr marL="0" indent="0">
+              <a:buNone/>
+            </a:pPr>
+            <a:r>
+              <a:rPr lang="en-GB" dirty="0"/>
+              <a:t>Noun    XX XXI</a:t>
+            </a:r>
+          </a:p>
+          <a:p>
+            <a:pPr marL="0" indent="0">
+              <a:buNone/>
+            </a:pPr>
+            <a:r>
+              <a:rPr lang="en-GB" dirty="0"/>
+              <a:t>  geek 197 473</a:t>
+            </a:r>
+          </a:p>
+          <a:p>
+            <a:pPr marL="0" indent="0">
+              <a:buNone/>
+            </a:pPr>
+            <a:r>
+              <a:rPr lang="en-GB" dirty="0"/>
+              <a:t>  nerd 318 328</a:t>
+            </a:r>
+          </a:p>
+          <a:p>
+            <a:pPr marL="0" indent="0">
+              <a:buNone/>
+            </a:pPr>
+            <a:endParaRPr lang="en-GB" dirty="0"/>
+          </a:p>
+          <a:p>
+            <a:pPr marL="0" indent="0">
+              <a:buNone/>
+            </a:pPr>
+            <a:r>
+              <a:rPr lang="en-GB" dirty="0"/>
+              <a:t>Odds geek to nerd in XX = 197/318 = 0.62</a:t>
+            </a:r>
+          </a:p>
+          <a:p>
+            <a:pPr marL="0" indent="0">
+              <a:buNone/>
+            </a:pPr>
+            <a:r>
+              <a:rPr lang="en-GB" dirty="0"/>
+              <a:t>Odds geek to nerd in XXI = 473/328 = 1.44</a:t>
+            </a:r>
+          </a:p>
+          <a:p>
+            <a:pPr marL="0" indent="0">
+              <a:buNone/>
+            </a:pPr>
+            <a:r>
+              <a:rPr lang="en-GB" dirty="0"/>
+              <a:t>Odds ratio (OR) = 0.62/1.44 = 0.43 </a:t>
             </a:r>
           </a:p>
         </p:txBody>
@@ -5283,7 +5337,7 @@
     </p:spTree>
     <p:extLst>
       <p:ext uri="{BB962C8B-B14F-4D97-AF65-F5344CB8AC3E}">
-        <p14:creationId xmlns:p14="http://schemas.microsoft.com/office/powerpoint/2010/main" val="2713271361"/>
+        <p14:creationId xmlns:p14="http://schemas.microsoft.com/office/powerpoint/2010/main" val="2402362910"/>
       </p:ext>
     </p:extLst>
   </p:cSld>
@@ -5315,170 +5369,6 @@
           <p:cNvPr id="2" name="Title 1">
             <a:extLst>
               <a:ext uri="{FF2B5EF4-FFF2-40B4-BE49-F238E27FC236}">
-                <a16:creationId xmlns:a16="http://schemas.microsoft.com/office/drawing/2014/main" id="{F414A6BF-00F4-4F60-9EC7-3CC08A7D3831}"/>
-              </a:ext>
-            </a:extLst>
-          </p:cNvPr>
-          <p:cNvSpPr>
-            <a:spLocks noGrp="1"/>
-          </p:cNvSpPr>
-          <p:nvPr>
-            <p:ph type="title"/>
-          </p:nvPr>
-        </p:nvSpPr>
-        <p:spPr/>
-        <p:txBody>
-          <a:bodyPr/>
-          <a:lstStyle/>
-          <a:p>
-            <a:r>
-              <a:rPr lang="en-GB" dirty="0"/>
-              <a:t>Odds and odds ratio</a:t>
-            </a:r>
-          </a:p>
-        </p:txBody>
-      </p:sp>
-      <p:sp>
-        <p:nvSpPr>
-          <p:cNvPr id="3" name="Content Placeholder 2">
-            <a:extLst>
-              <a:ext uri="{FF2B5EF4-FFF2-40B4-BE49-F238E27FC236}">
-                <a16:creationId xmlns:a16="http://schemas.microsoft.com/office/drawing/2014/main" id="{5A0E6C10-7A26-43C9-AD32-C24CE8F4CCB1}"/>
-              </a:ext>
-            </a:extLst>
-          </p:cNvPr>
-          <p:cNvSpPr>
-            <a:spLocks noGrp="1"/>
-          </p:cNvSpPr>
-          <p:nvPr>
-            <p:ph idx="1"/>
-          </p:nvPr>
-        </p:nvSpPr>
-        <p:spPr/>
-        <p:txBody>
-          <a:bodyPr>
-            <a:normAutofit lnSpcReduction="10000"/>
-          </a:bodyPr>
-          <a:lstStyle/>
-          <a:p>
-            <a:pPr marL="0" indent="0">
-              <a:buNone/>
-            </a:pPr>
-            <a:r>
-              <a:rPr lang="en-GB" dirty="0">
-                <a:solidFill>
-                  <a:srgbClr val="0000CC"/>
-                </a:solidFill>
-              </a:rPr>
-              <a:t>&gt; table(Noun, Century)</a:t>
-            </a:r>
-          </a:p>
-          <a:p>
-            <a:pPr marL="0" indent="0">
-              <a:buNone/>
-            </a:pPr>
-            <a:r>
-              <a:rPr lang="en-GB" dirty="0"/>
-              <a:t>      Century</a:t>
-            </a:r>
-          </a:p>
-          <a:p>
-            <a:pPr marL="0" indent="0">
-              <a:buNone/>
-            </a:pPr>
-            <a:r>
-              <a:rPr lang="en-GB" dirty="0"/>
-              <a:t>Noun    XX XXI</a:t>
-            </a:r>
-          </a:p>
-          <a:p>
-            <a:pPr marL="0" indent="0">
-              <a:buNone/>
-            </a:pPr>
-            <a:r>
-              <a:rPr lang="en-GB" dirty="0"/>
-              <a:t>  geek 197 473</a:t>
-            </a:r>
-          </a:p>
-          <a:p>
-            <a:pPr marL="0" indent="0">
-              <a:buNone/>
-            </a:pPr>
-            <a:r>
-              <a:rPr lang="en-GB" dirty="0"/>
-              <a:t>  nerd 318 328</a:t>
-            </a:r>
-          </a:p>
-          <a:p>
-            <a:pPr marL="0" indent="0">
-              <a:buNone/>
-            </a:pPr>
-            <a:endParaRPr lang="en-GB" dirty="0"/>
-          </a:p>
-          <a:p>
-            <a:pPr marL="0" indent="0">
-              <a:buNone/>
-            </a:pPr>
-            <a:r>
-              <a:rPr lang="en-GB" dirty="0"/>
-              <a:t>Odds geek to nerd in XX = 197/318 = 0.62</a:t>
-            </a:r>
-          </a:p>
-          <a:p>
-            <a:pPr marL="0" indent="0">
-              <a:buNone/>
-            </a:pPr>
-            <a:r>
-              <a:rPr lang="en-GB" dirty="0"/>
-              <a:t>Odds geek to nerd in XXI = 473/328 = 1.44</a:t>
-            </a:r>
-          </a:p>
-          <a:p>
-            <a:pPr marL="0" indent="0">
-              <a:buNone/>
-            </a:pPr>
-            <a:r>
-              <a:rPr lang="en-GB" dirty="0"/>
-              <a:t>Odds ratio (OR) = 0.62/1.44 = 0.43 </a:t>
-            </a:r>
-          </a:p>
-        </p:txBody>
-      </p:sp>
-    </p:spTree>
-    <p:extLst>
-      <p:ext uri="{BB962C8B-B14F-4D97-AF65-F5344CB8AC3E}">
-        <p14:creationId xmlns:p14="http://schemas.microsoft.com/office/powerpoint/2010/main" val="2402362910"/>
-      </p:ext>
-    </p:extLst>
-  </p:cSld>
-  <p:clrMapOvr>
-    <a:masterClrMapping/>
-  </p:clrMapOvr>
-</p:sld>
-</file>
-
-<file path=ppt/slides/slide23.xml><?xml version="1.0" encoding="utf-8"?>
-<p:sld xmlns:a="http://schemas.openxmlformats.org/drawingml/2006/main" xmlns:r="http://schemas.openxmlformats.org/officeDocument/2006/relationships" xmlns:p="http://schemas.openxmlformats.org/presentationml/2006/main">
-  <p:cSld>
-    <p:spTree>
-      <p:nvGrpSpPr>
-        <p:cNvPr id="1" name=""/>
-        <p:cNvGrpSpPr/>
-        <p:nvPr/>
-      </p:nvGrpSpPr>
-      <p:grpSpPr>
-        <a:xfrm>
-          <a:off x="0" y="0"/>
-          <a:ext cx="0" cy="0"/>
-          <a:chOff x="0" y="0"/>
-          <a:chExt cx="0" cy="0"/>
-        </a:xfrm>
-      </p:grpSpPr>
-      <p:sp>
-        <p:nvSpPr>
-          <p:cNvPr id="2" name="Title 1">
-            <a:extLst>
-              <a:ext uri="{FF2B5EF4-FFF2-40B4-BE49-F238E27FC236}">
                 <a16:creationId xmlns:a16="http://schemas.microsoft.com/office/drawing/2014/main" id="{380DBB33-A62F-40E8-8DA6-49394CE2E5CC}"/>
               </a:ext>
             </a:extLst>
@@ -5575,7 +5465,7 @@
 </p:sld>
 </file>
 
-<file path=ppt/slides/slide24.xml><?xml version="1.0" encoding="utf-8"?>
+<file path=ppt/slides/slide23.xml><?xml version="1.0" encoding="utf-8"?>
 <p:sld xmlns:a="http://schemas.openxmlformats.org/drawingml/2006/main" xmlns:r="http://schemas.openxmlformats.org/officeDocument/2006/relationships" xmlns:p="http://schemas.openxmlformats.org/presentationml/2006/main">
   <p:cSld>
     <p:spTree>
@@ -6289,7 +6179,7 @@
 </p:sld>
 </file>
 
-<file path=ppt/slides/slide25.xml><?xml version="1.0" encoding="utf-8"?>
+<file path=ppt/slides/slide24.xml><?xml version="1.0" encoding="utf-8"?>
 <p:sld xmlns:a="http://schemas.openxmlformats.org/drawingml/2006/main" xmlns:r="http://schemas.openxmlformats.org/officeDocument/2006/relationships" xmlns:p="http://schemas.openxmlformats.org/presentationml/2006/main">
   <p:cSld>
     <p:spTree>
@@ -7021,6 +6911,273 @@
 </p:sld>
 </file>
 
+<file path=ppt/slides/slide25.xml><?xml version="1.0" encoding="utf-8"?>
+<p:sld xmlns:a="http://schemas.openxmlformats.org/drawingml/2006/main" xmlns:r="http://schemas.openxmlformats.org/officeDocument/2006/relationships" xmlns:p="http://schemas.openxmlformats.org/presentationml/2006/main">
+  <p:cSld>
+    <p:spTree>
+      <p:nvGrpSpPr>
+        <p:cNvPr id="1" name=""/>
+        <p:cNvGrpSpPr/>
+        <p:nvPr/>
+      </p:nvGrpSpPr>
+      <p:grpSpPr>
+        <a:xfrm>
+          <a:off x="0" y="0"/>
+          <a:ext cx="0" cy="0"/>
+          <a:chOff x="0" y="0"/>
+          <a:chExt cx="0" cy="0"/>
+        </a:xfrm>
+      </p:grpSpPr>
+      <p:sp>
+        <p:nvSpPr>
+          <p:cNvPr id="2" name="Title 1">
+            <a:extLst>
+              <a:ext uri="{FF2B5EF4-FFF2-40B4-BE49-F238E27FC236}">
+                <a16:creationId xmlns:a16="http://schemas.microsoft.com/office/drawing/2014/main" id="{3D469503-3D50-4EFD-955E-5C952E6E105F}"/>
+              </a:ext>
+            </a:extLst>
+          </p:cNvPr>
+          <p:cNvSpPr>
+            <a:spLocks noGrp="1"/>
+          </p:cNvSpPr>
+          <p:nvPr>
+            <p:ph type="title"/>
+          </p:nvPr>
+        </p:nvSpPr>
+        <p:spPr/>
+        <p:txBody>
+          <a:bodyPr/>
+          <a:lstStyle/>
+          <a:p>
+            <a:r>
+              <a:rPr lang="en-GB" dirty="0"/>
+              <a:t>Cramer’s V and other statistics</a:t>
+            </a:r>
+          </a:p>
+        </p:txBody>
+      </p:sp>
+      <p:sp>
+        <p:nvSpPr>
+          <p:cNvPr id="3" name="Content Placeholder 2">
+            <a:extLst>
+              <a:ext uri="{FF2B5EF4-FFF2-40B4-BE49-F238E27FC236}">
+                <a16:creationId xmlns:a16="http://schemas.microsoft.com/office/drawing/2014/main" id="{D031D877-6307-4CBE-91CA-A5E76CB860CA}"/>
+              </a:ext>
+            </a:extLst>
+          </p:cNvPr>
+          <p:cNvSpPr>
+            <a:spLocks noGrp="1"/>
+          </p:cNvSpPr>
+          <p:nvPr>
+            <p:ph idx="1"/>
+          </p:nvPr>
+        </p:nvSpPr>
+        <p:spPr/>
+        <p:txBody>
+          <a:bodyPr>
+            <a:normAutofit/>
+          </a:bodyPr>
+          <a:lstStyle/>
+          <a:p>
+            <a:pPr marL="0" indent="0">
+              <a:buNone/>
+            </a:pPr>
+            <a:r>
+              <a:rPr lang="en-GB" sz="2200" b="1" dirty="0">
+                <a:solidFill>
+                  <a:srgbClr val="3333FF"/>
+                </a:solidFill>
+                <a:latin typeface="Courier New" panose="02070309020205020404" pitchFamily="49" charset="0"/>
+                <a:cs typeface="Courier New" panose="02070309020205020404" pitchFamily="49" charset="0"/>
+              </a:rPr>
+              <a:t>&gt; library(</a:t>
+            </a:r>
+            <a:r>
+              <a:rPr lang="en-GB" sz="2200" b="1" dirty="0" err="1">
+                <a:solidFill>
+                  <a:srgbClr val="3333FF"/>
+                </a:solidFill>
+                <a:latin typeface="Courier New" panose="02070309020205020404" pitchFamily="49" charset="0"/>
+                <a:cs typeface="Courier New" panose="02070309020205020404" pitchFamily="49" charset="0"/>
+              </a:rPr>
+              <a:t>vcd</a:t>
+            </a:r>
+            <a:r>
+              <a:rPr lang="en-GB" sz="2200" b="1" dirty="0">
+                <a:solidFill>
+                  <a:srgbClr val="3333FF"/>
+                </a:solidFill>
+                <a:latin typeface="Courier New" panose="02070309020205020404" pitchFamily="49" charset="0"/>
+                <a:cs typeface="Courier New" panose="02070309020205020404" pitchFamily="49" charset="0"/>
+              </a:rPr>
+              <a:t>)</a:t>
+            </a:r>
+          </a:p>
+          <a:p>
+            <a:pPr marL="0" indent="0">
+              <a:buNone/>
+            </a:pPr>
+            <a:r>
+              <a:rPr lang="en-GB" sz="2200" b="1" dirty="0">
+                <a:solidFill>
+                  <a:srgbClr val="3333FF"/>
+                </a:solidFill>
+                <a:latin typeface="Courier New" panose="02070309020205020404" pitchFamily="49" charset="0"/>
+                <a:cs typeface="Courier New" panose="02070309020205020404" pitchFamily="49" charset="0"/>
+              </a:rPr>
+              <a:t>&gt; </a:t>
+            </a:r>
+            <a:r>
+              <a:rPr lang="en-GB" sz="2200" b="1" dirty="0" err="1">
+                <a:solidFill>
+                  <a:srgbClr val="3333FF"/>
+                </a:solidFill>
+                <a:latin typeface="Courier New" panose="02070309020205020404" pitchFamily="49" charset="0"/>
+                <a:cs typeface="Courier New" panose="02070309020205020404" pitchFamily="49" charset="0"/>
+              </a:rPr>
+              <a:t>assocstats</a:t>
+            </a:r>
+            <a:r>
+              <a:rPr lang="en-GB" sz="2200" b="1" dirty="0">
+                <a:solidFill>
+                  <a:srgbClr val="3333FF"/>
+                </a:solidFill>
+                <a:latin typeface="Courier New" panose="02070309020205020404" pitchFamily="49" charset="0"/>
+                <a:cs typeface="Courier New" panose="02070309020205020404" pitchFamily="49" charset="0"/>
+              </a:rPr>
+              <a:t>(table(Noun, Century))</a:t>
+            </a:r>
+          </a:p>
+          <a:p>
+            <a:pPr marL="0" indent="0">
+              <a:buNone/>
+            </a:pPr>
+            <a:r>
+              <a:rPr lang="en-GB" sz="2200" b="1" dirty="0">
+                <a:latin typeface="Courier New" panose="02070309020205020404" pitchFamily="49" charset="0"/>
+                <a:cs typeface="Courier New" panose="02070309020205020404" pitchFamily="49" charset="0"/>
+              </a:rPr>
+              <a:t>                    X^2 </a:t>
+            </a:r>
+            <a:r>
+              <a:rPr lang="en-GB" sz="2200" b="1" dirty="0" err="1">
+                <a:latin typeface="Courier New" panose="02070309020205020404" pitchFamily="49" charset="0"/>
+                <a:cs typeface="Courier New" panose="02070309020205020404" pitchFamily="49" charset="0"/>
+              </a:rPr>
+              <a:t>df</a:t>
+            </a:r>
+            <a:r>
+              <a:rPr lang="en-GB" sz="2200" b="1" dirty="0">
+                <a:latin typeface="Courier New" panose="02070309020205020404" pitchFamily="49" charset="0"/>
+                <a:cs typeface="Courier New" panose="02070309020205020404" pitchFamily="49" charset="0"/>
+              </a:rPr>
+              <a:t>   P(&gt; X^2)</a:t>
+            </a:r>
+          </a:p>
+          <a:p>
+            <a:pPr marL="0" indent="0">
+              <a:buNone/>
+            </a:pPr>
+            <a:r>
+              <a:rPr lang="en-GB" sz="2200" b="1" dirty="0">
+                <a:latin typeface="Courier New" panose="02070309020205020404" pitchFamily="49" charset="0"/>
+                <a:cs typeface="Courier New" panose="02070309020205020404" pitchFamily="49" charset="0"/>
+              </a:rPr>
+              <a:t>Likelihood Ratio 54.653  1 1.4388e-13</a:t>
+            </a:r>
+          </a:p>
+          <a:p>
+            <a:pPr marL="0" indent="0">
+              <a:buNone/>
+            </a:pPr>
+            <a:r>
+              <a:rPr lang="en-GB" sz="2200" b="1" dirty="0">
+                <a:latin typeface="Courier New" panose="02070309020205020404" pitchFamily="49" charset="0"/>
+                <a:cs typeface="Courier New" panose="02070309020205020404" pitchFamily="49" charset="0"/>
+              </a:rPr>
+              <a:t>Pearson          54.258  1 1.7586e-13</a:t>
+            </a:r>
+          </a:p>
+          <a:p>
+            <a:pPr marL="0" indent="0">
+              <a:buNone/>
+            </a:pPr>
+            <a:endParaRPr lang="en-GB" sz="2200" b="1" dirty="0">
+              <a:latin typeface="Courier New" panose="02070309020205020404" pitchFamily="49" charset="0"/>
+              <a:cs typeface="Courier New" panose="02070309020205020404" pitchFamily="49" charset="0"/>
+            </a:endParaRPr>
+          </a:p>
+          <a:p>
+            <a:pPr marL="0" indent="0">
+              <a:buNone/>
+            </a:pPr>
+            <a:r>
+              <a:rPr lang="en-GB" sz="2200" b="1" dirty="0">
+                <a:latin typeface="Courier New" panose="02070309020205020404" pitchFamily="49" charset="0"/>
+                <a:cs typeface="Courier New" panose="02070309020205020404" pitchFamily="49" charset="0"/>
+              </a:rPr>
+              <a:t>Phi-Coefficient   : 0.203 </a:t>
+            </a:r>
+          </a:p>
+          <a:p>
+            <a:pPr marL="0" indent="0">
+              <a:buNone/>
+            </a:pPr>
+            <a:r>
+              <a:rPr lang="en-GB" sz="2200" b="1" dirty="0">
+                <a:latin typeface="Courier New" panose="02070309020205020404" pitchFamily="49" charset="0"/>
+                <a:cs typeface="Courier New" panose="02070309020205020404" pitchFamily="49" charset="0"/>
+              </a:rPr>
+              <a:t>Contingency </a:t>
+            </a:r>
+            <a:r>
+              <a:rPr lang="en-GB" sz="2200" b="1" dirty="0" err="1">
+                <a:latin typeface="Courier New" panose="02070309020205020404" pitchFamily="49" charset="0"/>
+                <a:cs typeface="Courier New" panose="02070309020205020404" pitchFamily="49" charset="0"/>
+              </a:rPr>
+              <a:t>Coeff</a:t>
+            </a:r>
+            <a:r>
+              <a:rPr lang="en-GB" sz="2200" b="1" dirty="0">
+                <a:latin typeface="Courier New" panose="02070309020205020404" pitchFamily="49" charset="0"/>
+                <a:cs typeface="Courier New" panose="02070309020205020404" pitchFamily="49" charset="0"/>
+              </a:rPr>
+              <a:t>.: 0.199 </a:t>
+            </a:r>
+          </a:p>
+          <a:p>
+            <a:pPr marL="0" indent="0">
+              <a:buNone/>
+            </a:pPr>
+            <a:r>
+              <a:rPr lang="en-GB" sz="2200" b="1" dirty="0">
+                <a:latin typeface="Courier New" panose="02070309020205020404" pitchFamily="49" charset="0"/>
+                <a:cs typeface="Courier New" panose="02070309020205020404" pitchFamily="49" charset="0"/>
+              </a:rPr>
+              <a:t>Cramer's V        : 0.203</a:t>
+            </a:r>
+          </a:p>
+          <a:p>
+            <a:pPr marL="0" indent="0">
+              <a:buNone/>
+            </a:pPr>
+            <a:endParaRPr lang="en-GB" dirty="0"/>
+          </a:p>
+        </p:txBody>
+      </p:sp>
+    </p:spTree>
+    <p:extLst>
+      <p:ext uri="{BB962C8B-B14F-4D97-AF65-F5344CB8AC3E}">
+        <p14:creationId xmlns:p14="http://schemas.microsoft.com/office/powerpoint/2010/main" val="115889784"/>
+      </p:ext>
+    </p:extLst>
+  </p:cSld>
+  <p:clrMapOvr>
+    <a:masterClrMapping/>
+  </p:clrMapOvr>
+</p:sld>
+</file>
+
 <file path=ppt/slides/slide26.xml><?xml version="1.0" encoding="utf-8"?>
 <p:sld xmlns:a="http://schemas.openxmlformats.org/drawingml/2006/main" xmlns:r="http://schemas.openxmlformats.org/officeDocument/2006/relationships" xmlns:p="http://schemas.openxmlformats.org/presentationml/2006/main">
   <p:cSld>
@@ -7043,7 +7200,7 @@
           <p:cNvPr id="2" name="Title 1">
             <a:extLst>
               <a:ext uri="{FF2B5EF4-FFF2-40B4-BE49-F238E27FC236}">
-                <a16:creationId xmlns:a16="http://schemas.microsoft.com/office/drawing/2014/main" id="{3D469503-3D50-4EFD-955E-5C952E6E105F}"/>
+                <a16:creationId xmlns:a16="http://schemas.microsoft.com/office/drawing/2014/main" id="{CC8F60B6-2DFF-428C-B297-7901F4F46F13}"/>
               </a:ext>
             </a:extLst>
           </p:cNvPr>
@@ -7061,7 +7218,7 @@
           <a:p>
             <a:r>
               <a:rPr lang="en-GB" dirty="0"/>
-              <a:t>Cramer’s V and other statistics</a:t>
+              <a:t>Hypothesis</a:t>
             </a:r>
           </a:p>
         </p:txBody>
@@ -7071,7 +7228,7 @@
           <p:cNvPr id="3" name="Content Placeholder 2">
             <a:extLst>
               <a:ext uri="{FF2B5EF4-FFF2-40B4-BE49-F238E27FC236}">
-                <a16:creationId xmlns:a16="http://schemas.microsoft.com/office/drawing/2014/main" id="{D031D877-6307-4CBE-91CA-A5E76CB860CA}"/>
+                <a16:creationId xmlns:a16="http://schemas.microsoft.com/office/drawing/2014/main" id="{FE120D6A-DB9E-49B2-B9C8-68B01A1F78F7}"/>
               </a:ext>
             </a:extLst>
           </p:cNvPr>
@@ -7085,200 +7242,93 @@
         <p:spPr/>
         <p:txBody>
           <a:bodyPr>
-            <a:normAutofit/>
+            <a:normAutofit fontScale="92500" lnSpcReduction="20000"/>
           </a:bodyPr>
           <a:lstStyle/>
           <a:p>
-            <a:pPr marL="0" indent="0">
-              <a:buNone/>
-            </a:pPr>
-            <a:r>
-              <a:rPr lang="en-GB" sz="2200" b="1" dirty="0">
-                <a:solidFill>
-                  <a:srgbClr val="3333FF"/>
-                </a:solidFill>
-                <a:latin typeface="Courier New" panose="02070309020205020404" pitchFamily="49" charset="0"/>
-                <a:cs typeface="Courier New" panose="02070309020205020404" pitchFamily="49" charset="0"/>
-              </a:rPr>
-              <a:t>&gt; library(</a:t>
-            </a:r>
-            <a:r>
-              <a:rPr lang="en-GB" sz="2200" b="1" dirty="0" err="1">
-                <a:solidFill>
-                  <a:srgbClr val="3333FF"/>
-                </a:solidFill>
-                <a:latin typeface="Courier New" panose="02070309020205020404" pitchFamily="49" charset="0"/>
-                <a:cs typeface="Courier New" panose="02070309020205020404" pitchFamily="49" charset="0"/>
-              </a:rPr>
-              <a:t>vcd</a:t>
-            </a:r>
-            <a:r>
-              <a:rPr lang="en-GB" sz="2200" b="1" dirty="0">
-                <a:solidFill>
-                  <a:srgbClr val="3333FF"/>
-                </a:solidFill>
-                <a:latin typeface="Courier New" panose="02070309020205020404" pitchFamily="49" charset="0"/>
-                <a:cs typeface="Courier New" panose="02070309020205020404" pitchFamily="49" charset="0"/>
-              </a:rPr>
-              <a:t>)</a:t>
-            </a:r>
-          </a:p>
-          <a:p>
-            <a:pPr marL="0" indent="0">
-              <a:buNone/>
-            </a:pPr>
-            <a:r>
-              <a:rPr lang="en-GB" sz="2200" b="1" dirty="0">
-                <a:solidFill>
-                  <a:srgbClr val="3333FF"/>
-                </a:solidFill>
-                <a:latin typeface="Courier New" panose="02070309020205020404" pitchFamily="49" charset="0"/>
-                <a:cs typeface="Courier New" panose="02070309020205020404" pitchFamily="49" charset="0"/>
-              </a:rPr>
-              <a:t>&gt; </a:t>
-            </a:r>
-            <a:r>
-              <a:rPr lang="en-GB" sz="2200" b="1" dirty="0" err="1">
-                <a:solidFill>
-                  <a:srgbClr val="3333FF"/>
-                </a:solidFill>
-                <a:latin typeface="Courier New" panose="02070309020205020404" pitchFamily="49" charset="0"/>
-                <a:cs typeface="Courier New" panose="02070309020205020404" pitchFamily="49" charset="0"/>
-              </a:rPr>
-              <a:t>assocstats</a:t>
-            </a:r>
-            <a:r>
-              <a:rPr lang="en-GB" sz="2200" b="1" dirty="0">
-                <a:solidFill>
-                  <a:srgbClr val="3333FF"/>
-                </a:solidFill>
-                <a:latin typeface="Courier New" panose="02070309020205020404" pitchFamily="49" charset="0"/>
-                <a:cs typeface="Courier New" panose="02070309020205020404" pitchFamily="49" charset="0"/>
-              </a:rPr>
-              <a:t>(table(Noun, Century))</a:t>
-            </a:r>
-          </a:p>
-          <a:p>
-            <a:pPr marL="0" indent="0">
-              <a:buNone/>
-            </a:pPr>
-            <a:r>
-              <a:rPr lang="en-GB" sz="2200" b="1" dirty="0">
-                <a:latin typeface="Courier New" panose="02070309020205020404" pitchFamily="49" charset="0"/>
-                <a:cs typeface="Courier New" panose="02070309020205020404" pitchFamily="49" charset="0"/>
-              </a:rPr>
-              <a:t>                    X^2 </a:t>
-            </a:r>
-            <a:r>
-              <a:rPr lang="en-GB" sz="2200" b="1" dirty="0" err="1">
-                <a:latin typeface="Courier New" panose="02070309020205020404" pitchFamily="49" charset="0"/>
-                <a:cs typeface="Courier New" panose="02070309020205020404" pitchFamily="49" charset="0"/>
-              </a:rPr>
-              <a:t>df</a:t>
-            </a:r>
-            <a:r>
-              <a:rPr lang="en-GB" sz="2200" b="1" dirty="0">
-                <a:latin typeface="Courier New" panose="02070309020205020404" pitchFamily="49" charset="0"/>
-                <a:cs typeface="Courier New" panose="02070309020205020404" pitchFamily="49" charset="0"/>
-              </a:rPr>
-              <a:t>   P(&gt; X^2)</a:t>
-            </a:r>
-          </a:p>
-          <a:p>
-            <a:pPr marL="0" indent="0">
-              <a:buNone/>
-            </a:pPr>
-            <a:r>
-              <a:rPr lang="en-GB" sz="2200" b="1" dirty="0">
-                <a:latin typeface="Courier New" panose="02070309020205020404" pitchFamily="49" charset="0"/>
-                <a:cs typeface="Courier New" panose="02070309020205020404" pitchFamily="49" charset="0"/>
-              </a:rPr>
-              <a:t>Likelihood Ratio 54.653  1 1.4388e-13</a:t>
-            </a:r>
-          </a:p>
-          <a:p>
-            <a:pPr marL="0" indent="0">
-              <a:buNone/>
-            </a:pPr>
-            <a:r>
-              <a:rPr lang="en-GB" sz="2200" b="1" dirty="0">
-                <a:latin typeface="Courier New" panose="02070309020205020404" pitchFamily="49" charset="0"/>
-                <a:cs typeface="Courier New" panose="02070309020205020404" pitchFamily="49" charset="0"/>
-              </a:rPr>
-              <a:t>Pearson          54.258  1 1.7586e-13</a:t>
-            </a:r>
-          </a:p>
-          <a:p>
-            <a:pPr marL="0" indent="0">
-              <a:buNone/>
-            </a:pPr>
-            <a:endParaRPr lang="en-GB" sz="2200" b="1" dirty="0">
-              <a:latin typeface="Courier New" panose="02070309020205020404" pitchFamily="49" charset="0"/>
-              <a:cs typeface="Courier New" panose="02070309020205020404" pitchFamily="49" charset="0"/>
-            </a:endParaRPr>
-          </a:p>
-          <a:p>
-            <a:pPr marL="0" indent="0">
-              <a:buNone/>
-            </a:pPr>
-            <a:r>
-              <a:rPr lang="en-GB" sz="2200" b="1" dirty="0">
-                <a:latin typeface="Courier New" panose="02070309020205020404" pitchFamily="49" charset="0"/>
-                <a:cs typeface="Courier New" panose="02070309020205020404" pitchFamily="49" charset="0"/>
-              </a:rPr>
-              <a:t>Phi-Coefficient   : 0.203 </a:t>
-            </a:r>
-          </a:p>
-          <a:p>
-            <a:pPr marL="0" indent="0">
-              <a:buNone/>
-            </a:pPr>
-            <a:r>
-              <a:rPr lang="en-GB" sz="2200" b="1" dirty="0">
-                <a:latin typeface="Courier New" panose="02070309020205020404" pitchFamily="49" charset="0"/>
-                <a:cs typeface="Courier New" panose="02070309020205020404" pitchFamily="49" charset="0"/>
-              </a:rPr>
-              <a:t>Contingency </a:t>
-            </a:r>
-            <a:r>
-              <a:rPr lang="en-GB" sz="2200" b="1" dirty="0" err="1">
-                <a:latin typeface="Courier New" panose="02070309020205020404" pitchFamily="49" charset="0"/>
-                <a:cs typeface="Courier New" panose="02070309020205020404" pitchFamily="49" charset="0"/>
-              </a:rPr>
-              <a:t>Coeff</a:t>
-            </a:r>
-            <a:r>
-              <a:rPr lang="en-GB" sz="2200" b="1" dirty="0">
-                <a:latin typeface="Courier New" panose="02070309020205020404" pitchFamily="49" charset="0"/>
-                <a:cs typeface="Courier New" panose="02070309020205020404" pitchFamily="49" charset="0"/>
-              </a:rPr>
-              <a:t>.: 0.199 </a:t>
-            </a:r>
-          </a:p>
-          <a:p>
-            <a:pPr marL="0" indent="0">
-              <a:buNone/>
-            </a:pPr>
-            <a:r>
-              <a:rPr lang="en-GB" sz="2200" b="1" dirty="0">
-                <a:latin typeface="Courier New" panose="02070309020205020404" pitchFamily="49" charset="0"/>
-                <a:cs typeface="Courier New" panose="02070309020205020404" pitchFamily="49" charset="0"/>
-              </a:rPr>
-              <a:t>Cramer's V        : 0.203</a:t>
-            </a:r>
-          </a:p>
-          <a:p>
-            <a:pPr marL="0" indent="0">
-              <a:buNone/>
-            </a:pPr>
-            <a:endParaRPr lang="en-GB" dirty="0"/>
+            <a:r>
+              <a:rPr lang="en-GB" dirty="0"/>
+              <a:t>Here, the odds of </a:t>
+            </a:r>
+            <a:r>
+              <a:rPr lang="en-GB" i="1" dirty="0"/>
+              <a:t>geek</a:t>
+            </a:r>
+            <a:r>
+              <a:rPr lang="en-GB" dirty="0"/>
+              <a:t> against </a:t>
+            </a:r>
+            <a:r>
+              <a:rPr lang="en-GB" i="1" dirty="0"/>
+              <a:t>nerd</a:t>
+            </a:r>
+            <a:r>
+              <a:rPr lang="en-GB" dirty="0"/>
+              <a:t> in the XX century data are smaller than the same odds in the XXI century data.</a:t>
+            </a:r>
+          </a:p>
+          <a:p>
+            <a:r>
+              <a:rPr lang="en-GB" dirty="0"/>
+              <a:t>But is the difference statistically significant?</a:t>
+            </a:r>
+          </a:p>
+          <a:p>
+            <a:r>
+              <a:rPr lang="en-GB" dirty="0"/>
+              <a:t>Null hypothesis: there is no difference between the odds of </a:t>
+            </a:r>
+            <a:r>
+              <a:rPr lang="en-GB" i="1" dirty="0"/>
+              <a:t>geek</a:t>
+            </a:r>
+            <a:r>
+              <a:rPr lang="en-GB" dirty="0"/>
+              <a:t> against </a:t>
+            </a:r>
+            <a:r>
+              <a:rPr lang="en-GB" i="1" dirty="0"/>
+              <a:t>nerd</a:t>
+            </a:r>
+            <a:r>
+              <a:rPr lang="en-GB" dirty="0"/>
+              <a:t> in the two centuries. Or there is no association between the nouns and the centuries.</a:t>
+            </a:r>
+          </a:p>
+          <a:p>
+            <a:r>
+              <a:rPr lang="en-GB" dirty="0"/>
+              <a:t>Alternative hypothesis: there is a difference between the odds of </a:t>
+            </a:r>
+            <a:r>
+              <a:rPr lang="en-GB" i="1" dirty="0"/>
+              <a:t>geek</a:t>
+            </a:r>
+            <a:r>
+              <a:rPr lang="en-GB" dirty="0"/>
+              <a:t> to </a:t>
+            </a:r>
+            <a:r>
+              <a:rPr lang="en-GB" i="1" dirty="0"/>
+              <a:t>nerd</a:t>
+            </a:r>
+            <a:r>
+              <a:rPr lang="en-GB" dirty="0"/>
+              <a:t>. Or one can say there is an association between the nouns and the centuries.</a:t>
+            </a:r>
+          </a:p>
+          <a:p>
+            <a:r>
+              <a:rPr lang="en-GB" dirty="0"/>
+              <a:t>Note: for categorical data, it is more conventional to use non-directional hypotheses.</a:t>
+            </a:r>
           </a:p>
         </p:txBody>
       </p:sp>
     </p:spTree>
     <p:extLst>
       <p:ext uri="{BB962C8B-B14F-4D97-AF65-F5344CB8AC3E}">
-        <p14:creationId xmlns:p14="http://schemas.microsoft.com/office/powerpoint/2010/main" val="115889784"/>
+        <p14:creationId xmlns:p14="http://schemas.microsoft.com/office/powerpoint/2010/main" val="3974676950"/>
       </p:ext>
     </p:extLst>
   </p:cSld>
@@ -7310,7 +7360,7 @@
           <p:cNvPr id="2" name="Title 1">
             <a:extLst>
               <a:ext uri="{FF2B5EF4-FFF2-40B4-BE49-F238E27FC236}">
-                <a16:creationId xmlns:a16="http://schemas.microsoft.com/office/drawing/2014/main" id="{CC8F60B6-2DFF-428C-B297-7901F4F46F13}"/>
+                <a16:creationId xmlns:a16="http://schemas.microsoft.com/office/drawing/2014/main" id="{34A2ED53-5CB4-4FBF-800F-910A8777E71C}"/>
               </a:ext>
             </a:extLst>
           </p:cNvPr>
@@ -7328,7 +7378,7 @@
           <a:p>
             <a:r>
               <a:rPr lang="en-GB" dirty="0"/>
-              <a:t>Hypothesis</a:t>
+              <a:t>Chi-squared test</a:t>
             </a:r>
           </a:p>
         </p:txBody>
@@ -7338,7 +7388,7 @@
           <p:cNvPr id="3" name="Content Placeholder 2">
             <a:extLst>
               <a:ext uri="{FF2B5EF4-FFF2-40B4-BE49-F238E27FC236}">
-                <a16:creationId xmlns:a16="http://schemas.microsoft.com/office/drawing/2014/main" id="{FE120D6A-DB9E-49B2-B9C8-68B01A1F78F7}"/>
+                <a16:creationId xmlns:a16="http://schemas.microsoft.com/office/drawing/2014/main" id="{C41F42BD-98AA-4B9F-9E30-4FBB02568C3E}"/>
               </a:ext>
             </a:extLst>
           </p:cNvPr>
@@ -7352,85 +7402,110 @@
         <p:spPr/>
         <p:txBody>
           <a:bodyPr>
-            <a:normAutofit fontScale="92500" lnSpcReduction="20000"/>
+            <a:normAutofit/>
           </a:bodyPr>
           <a:lstStyle/>
           <a:p>
-            <a:r>
-              <a:rPr lang="en-GB" dirty="0"/>
-              <a:t>Here, the odds of </a:t>
-            </a:r>
-            <a:r>
-              <a:rPr lang="en-GB" i="1" dirty="0"/>
-              <a:t>geek</a:t>
-            </a:r>
-            <a:r>
-              <a:rPr lang="en-GB" dirty="0"/>
-              <a:t> against </a:t>
-            </a:r>
-            <a:r>
-              <a:rPr lang="en-GB" i="1" dirty="0"/>
-              <a:t>nerd</a:t>
-            </a:r>
-            <a:r>
-              <a:rPr lang="en-GB" dirty="0"/>
-              <a:t> in the XX century data are smaller than the same odds in the XXI century data.</a:t>
-            </a:r>
-          </a:p>
-          <a:p>
-            <a:r>
-              <a:rPr lang="en-GB" dirty="0"/>
-              <a:t>But is the difference statistically significant?</a:t>
-            </a:r>
-          </a:p>
-          <a:p>
-            <a:r>
-              <a:rPr lang="en-GB" dirty="0"/>
-              <a:t>Null hypothesis: there is no difference between the odds of </a:t>
-            </a:r>
-            <a:r>
-              <a:rPr lang="en-GB" i="1" dirty="0"/>
-              <a:t>geek</a:t>
-            </a:r>
-            <a:r>
-              <a:rPr lang="en-GB" dirty="0"/>
-              <a:t> against </a:t>
-            </a:r>
-            <a:r>
-              <a:rPr lang="en-GB" i="1" dirty="0"/>
-              <a:t>nerd</a:t>
-            </a:r>
-            <a:r>
-              <a:rPr lang="en-GB" dirty="0"/>
-              <a:t> in the two centuries. Or there is no association between the nouns and the centuries.</a:t>
-            </a:r>
-          </a:p>
-          <a:p>
-            <a:r>
-              <a:rPr lang="en-GB" dirty="0"/>
-              <a:t>Alternative hypothesis: there is a difference between the odds of </a:t>
-            </a:r>
-            <a:r>
-              <a:rPr lang="en-GB" i="1" dirty="0"/>
-              <a:t>geek</a:t>
-            </a:r>
-            <a:r>
-              <a:rPr lang="en-GB" dirty="0"/>
-              <a:t> to </a:t>
-            </a:r>
-            <a:r>
-              <a:rPr lang="en-GB" i="1" dirty="0"/>
-              <a:t>nerd</a:t>
-            </a:r>
-            <a:r>
-              <a:rPr lang="en-GB" dirty="0"/>
-              <a:t>. Or one can say there is an association between the nouns and the centuries.</a:t>
-            </a:r>
-          </a:p>
-          <a:p>
-            <a:r>
-              <a:rPr lang="en-GB" dirty="0"/>
-              <a:t>Note: for categorical data, it is more conventional to use non-directional hypotheses.</a:t>
+            <a:pPr marL="0" indent="0">
+              <a:buNone/>
+            </a:pPr>
+            <a:r>
+              <a:rPr lang="en-GB" sz="2000" b="1" dirty="0">
+                <a:solidFill>
+                  <a:srgbClr val="0000CC"/>
+                </a:solidFill>
+                <a:latin typeface="Courier New" panose="02070309020205020404" pitchFamily="49" charset="0"/>
+                <a:cs typeface="Courier New" panose="02070309020205020404" pitchFamily="49" charset="0"/>
+              </a:rPr>
+              <a:t>&gt; </a:t>
+            </a:r>
+            <a:r>
+              <a:rPr lang="en-GB" sz="2000" b="1" dirty="0" err="1">
+                <a:solidFill>
+                  <a:srgbClr val="0000CC"/>
+                </a:solidFill>
+                <a:latin typeface="Courier New" panose="02070309020205020404" pitchFamily="49" charset="0"/>
+                <a:cs typeface="Courier New" panose="02070309020205020404" pitchFamily="49" charset="0"/>
+              </a:rPr>
+              <a:t>chisq.test</a:t>
+            </a:r>
+            <a:r>
+              <a:rPr lang="en-GB" sz="2000" b="1" dirty="0">
+                <a:solidFill>
+                  <a:srgbClr val="0000CC"/>
+                </a:solidFill>
+                <a:latin typeface="Courier New" panose="02070309020205020404" pitchFamily="49" charset="0"/>
+                <a:cs typeface="Courier New" panose="02070309020205020404" pitchFamily="49" charset="0"/>
+              </a:rPr>
+              <a:t>(table(Noun, Century))</a:t>
+            </a:r>
+          </a:p>
+          <a:p>
+            <a:pPr marL="0" indent="0">
+              <a:buNone/>
+            </a:pPr>
+            <a:endParaRPr lang="en-GB" sz="2000" b="1" dirty="0">
+              <a:latin typeface="Courier New" panose="02070309020205020404" pitchFamily="49" charset="0"/>
+              <a:cs typeface="Courier New" panose="02070309020205020404" pitchFamily="49" charset="0"/>
+            </a:endParaRPr>
+          </a:p>
+          <a:p>
+            <a:pPr marL="0" indent="0">
+              <a:buNone/>
+            </a:pPr>
+            <a:r>
+              <a:rPr lang="en-GB" sz="2000" b="1" dirty="0">
+                <a:latin typeface="Courier New" panose="02070309020205020404" pitchFamily="49" charset="0"/>
+                <a:cs typeface="Courier New" panose="02070309020205020404" pitchFamily="49" charset="0"/>
+              </a:rPr>
+              <a:t>	Pearson's Chi-squared test with Yates' continuity correction</a:t>
+            </a:r>
+          </a:p>
+          <a:p>
+            <a:pPr marL="0" indent="0">
+              <a:buNone/>
+            </a:pPr>
+            <a:endParaRPr lang="en-GB" sz="2000" b="1" dirty="0">
+              <a:latin typeface="Courier New" panose="02070309020205020404" pitchFamily="49" charset="0"/>
+              <a:cs typeface="Courier New" panose="02070309020205020404" pitchFamily="49" charset="0"/>
+            </a:endParaRPr>
+          </a:p>
+          <a:p>
+            <a:pPr marL="0" indent="0">
+              <a:buNone/>
+            </a:pPr>
+            <a:r>
+              <a:rPr lang="en-GB" sz="2000" b="1" dirty="0">
+                <a:latin typeface="Courier New" panose="02070309020205020404" pitchFamily="49" charset="0"/>
+                <a:cs typeface="Courier New" panose="02070309020205020404" pitchFamily="49" charset="0"/>
+              </a:rPr>
+              <a:t>data:  table(Noun, Century)</a:t>
+            </a:r>
+          </a:p>
+          <a:p>
+            <a:pPr marL="0" indent="0">
+              <a:buNone/>
+            </a:pPr>
+            <a:r>
+              <a:rPr lang="en-GB" sz="2000" b="1" dirty="0">
+                <a:latin typeface="Courier New" panose="02070309020205020404" pitchFamily="49" charset="0"/>
+                <a:cs typeface="Courier New" panose="02070309020205020404" pitchFamily="49" charset="0"/>
+              </a:rPr>
+              <a:t>X-squared = 53.429, </a:t>
+            </a:r>
+            <a:r>
+              <a:rPr lang="en-GB" sz="2000" b="1" dirty="0" err="1">
+                <a:latin typeface="Courier New" panose="02070309020205020404" pitchFamily="49" charset="0"/>
+                <a:cs typeface="Courier New" panose="02070309020205020404" pitchFamily="49" charset="0"/>
+              </a:rPr>
+              <a:t>df</a:t>
+            </a:r>
+            <a:r>
+              <a:rPr lang="en-GB" sz="2000" b="1" dirty="0">
+                <a:latin typeface="Courier New" panose="02070309020205020404" pitchFamily="49" charset="0"/>
+                <a:cs typeface="Courier New" panose="02070309020205020404" pitchFamily="49" charset="0"/>
+              </a:rPr>
+              <a:t> = 1, p-value = 2.681e-13</a:t>
             </a:r>
           </a:p>
         </p:txBody>
@@ -7438,7 +7513,7 @@
     </p:spTree>
     <p:extLst>
       <p:ext uri="{BB962C8B-B14F-4D97-AF65-F5344CB8AC3E}">
-        <p14:creationId xmlns:p14="http://schemas.microsoft.com/office/powerpoint/2010/main" val="3974676950"/>
+        <p14:creationId xmlns:p14="http://schemas.microsoft.com/office/powerpoint/2010/main" val="1216419381"/>
       </p:ext>
     </p:extLst>
   </p:cSld>
@@ -7470,7 +7545,7 @@
           <p:cNvPr id="2" name="Title 1">
             <a:extLst>
               <a:ext uri="{FF2B5EF4-FFF2-40B4-BE49-F238E27FC236}">
-                <a16:creationId xmlns:a16="http://schemas.microsoft.com/office/drawing/2014/main" id="{34A2ED53-5CB4-4FBF-800F-910A8777E71C}"/>
+                <a16:creationId xmlns:a16="http://schemas.microsoft.com/office/drawing/2014/main" id="{96C892FF-CA81-4F90-B56F-081037C68F23}"/>
               </a:ext>
             </a:extLst>
           </p:cNvPr>
@@ -7488,7 +7563,7 @@
           <a:p>
             <a:r>
               <a:rPr lang="en-GB" dirty="0"/>
-              <a:t>Chi-squared test</a:t>
+              <a:t>What is the Chi-squared statistic?</a:t>
             </a:r>
           </a:p>
         </p:txBody>
@@ -7498,7 +7573,7 @@
           <p:cNvPr id="3" name="Content Placeholder 2">
             <a:extLst>
               <a:ext uri="{FF2B5EF4-FFF2-40B4-BE49-F238E27FC236}">
-                <a16:creationId xmlns:a16="http://schemas.microsoft.com/office/drawing/2014/main" id="{C41F42BD-98AA-4B9F-9E30-4FBB02568C3E}"/>
+                <a16:creationId xmlns:a16="http://schemas.microsoft.com/office/drawing/2014/main" id="{B68113D9-6B60-462C-89C7-81EF957867CD}"/>
               </a:ext>
             </a:extLst>
           </p:cNvPr>
@@ -7512,15 +7587,33 @@
         <p:spPr/>
         <p:txBody>
           <a:bodyPr>
-            <a:normAutofit/>
+            <a:normAutofit fontScale="92500" lnSpcReduction="20000"/>
           </a:bodyPr>
           <a:lstStyle/>
           <a:p>
+            <a:r>
+              <a:rPr lang="en-GB" dirty="0"/>
+              <a:t>A sum of squared deviations of the observed frequencies from the expected values divided by the expected values. </a:t>
+            </a:r>
+          </a:p>
+          <a:p>
+            <a:r>
+              <a:rPr lang="en-GB" dirty="0"/>
+              <a:t>The greater the deviations, the more reasons to believe that something’s going on.</a:t>
+            </a:r>
+          </a:p>
+          <a:p>
+            <a:r>
+              <a:rPr lang="en-GB" dirty="0"/>
+              <a:t>The expected values are those if there is no association between the variables.</a:t>
+            </a:r>
+          </a:p>
+          <a:p>
             <a:pPr marL="0" indent="0">
               <a:buNone/>
             </a:pPr>
             <a:r>
-              <a:rPr lang="en-GB" sz="2000" b="1" dirty="0">
+              <a:rPr lang="en-GB" sz="2400" b="1" dirty="0">
                 <a:solidFill>
                   <a:srgbClr val="0000CC"/>
                 </a:solidFill>
@@ -7530,7 +7623,7 @@
               <a:t>&gt; </a:t>
             </a:r>
             <a:r>
-              <a:rPr lang="en-GB" sz="2000" b="1" dirty="0" err="1">
+              <a:rPr lang="en-GB" sz="2400" b="1" dirty="0" err="1">
                 <a:solidFill>
                   <a:srgbClr val="0000CC"/>
                 </a:solidFill>
@@ -7540,90 +7633,76 @@
               <a:t>chisq.test</a:t>
             </a:r>
             <a:r>
-              <a:rPr lang="en-GB" sz="2000" b="1" dirty="0">
+              <a:rPr lang="en-GB" sz="2400" b="1" dirty="0">
                 <a:solidFill>
                   <a:srgbClr val="0000CC"/>
                 </a:solidFill>
                 <a:latin typeface="Courier New" panose="02070309020205020404" pitchFamily="49" charset="0"/>
                 <a:cs typeface="Courier New" panose="02070309020205020404" pitchFamily="49" charset="0"/>
               </a:rPr>
-              <a:t>(table(Noun, Century))</a:t>
+              <a:t>(table(Noun, Century))$expected</a:t>
             </a:r>
           </a:p>
           <a:p>
             <a:pPr marL="0" indent="0">
               <a:buNone/>
             </a:pPr>
-            <a:endParaRPr lang="en-GB" sz="2000" b="1" dirty="0">
-              <a:latin typeface="Courier New" panose="02070309020205020404" pitchFamily="49" charset="0"/>
-              <a:cs typeface="Courier New" panose="02070309020205020404" pitchFamily="49" charset="0"/>
-            </a:endParaRPr>
+            <a:r>
+              <a:rPr lang="en-GB" sz="2400" b="1" dirty="0">
+                <a:latin typeface="Courier New" panose="02070309020205020404" pitchFamily="49" charset="0"/>
+                <a:cs typeface="Courier New" panose="02070309020205020404" pitchFamily="49" charset="0"/>
+              </a:rPr>
+              <a:t>      Century</a:t>
+            </a:r>
           </a:p>
           <a:p>
             <a:pPr marL="0" indent="0">
               <a:buNone/>
             </a:pPr>
             <a:r>
-              <a:rPr lang="en-GB" sz="2000" b="1" dirty="0">
-                <a:latin typeface="Courier New" panose="02070309020205020404" pitchFamily="49" charset="0"/>
-                <a:cs typeface="Courier New" panose="02070309020205020404" pitchFamily="49" charset="0"/>
-              </a:rPr>
-              <a:t>	Pearson's Chi-squared test with Yates' continuity correction</a:t>
+              <a:rPr lang="en-GB" sz="2400" b="1" dirty="0">
+                <a:latin typeface="Courier New" panose="02070309020205020404" pitchFamily="49" charset="0"/>
+                <a:cs typeface="Courier New" panose="02070309020205020404" pitchFamily="49" charset="0"/>
+              </a:rPr>
+              <a:t>Noun        XX     XXI</a:t>
             </a:r>
           </a:p>
           <a:p>
             <a:pPr marL="0" indent="0">
               <a:buNone/>
             </a:pPr>
-            <a:endParaRPr lang="en-GB" sz="2000" b="1" dirty="0">
-              <a:latin typeface="Courier New" panose="02070309020205020404" pitchFamily="49" charset="0"/>
-              <a:cs typeface="Courier New" panose="02070309020205020404" pitchFamily="49" charset="0"/>
-            </a:endParaRPr>
+            <a:r>
+              <a:rPr lang="en-GB" sz="2400" b="1" dirty="0">
+                <a:latin typeface="Courier New" panose="02070309020205020404" pitchFamily="49" charset="0"/>
+                <a:cs typeface="Courier New" panose="02070309020205020404" pitchFamily="49" charset="0"/>
+              </a:rPr>
+              <a:t>  geek 262.196 407.804</a:t>
+            </a:r>
           </a:p>
           <a:p>
             <a:pPr marL="0" indent="0">
               <a:buNone/>
             </a:pPr>
             <a:r>
-              <a:rPr lang="en-GB" sz="2000" b="1" dirty="0">
-                <a:latin typeface="Courier New" panose="02070309020205020404" pitchFamily="49" charset="0"/>
-                <a:cs typeface="Courier New" panose="02070309020205020404" pitchFamily="49" charset="0"/>
-              </a:rPr>
-              <a:t>data:  table(Noun, Century)</a:t>
+              <a:rPr lang="en-GB" sz="2400" b="1" dirty="0">
+                <a:latin typeface="Courier New" panose="02070309020205020404" pitchFamily="49" charset="0"/>
+                <a:cs typeface="Courier New" panose="02070309020205020404" pitchFamily="49" charset="0"/>
+              </a:rPr>
+              <a:t>  nerd 252.804 393.196</a:t>
             </a:r>
           </a:p>
           <a:p>
             <a:pPr marL="0" indent="0">
               <a:buNone/>
             </a:pPr>
-            <a:r>
-              <a:rPr lang="en-GB" sz="2000" b="1" dirty="0">
-                <a:latin typeface="Courier New" panose="02070309020205020404" pitchFamily="49" charset="0"/>
-                <a:cs typeface="Courier New" panose="02070309020205020404" pitchFamily="49" charset="0"/>
-              </a:rPr>
-              <a:t>X-squared = 53.429, </a:t>
-            </a:r>
-            <a:r>
-              <a:rPr lang="en-GB" sz="2000" b="1" dirty="0" err="1">
-                <a:latin typeface="Courier New" panose="02070309020205020404" pitchFamily="49" charset="0"/>
-                <a:cs typeface="Courier New" panose="02070309020205020404" pitchFamily="49" charset="0"/>
-              </a:rPr>
-              <a:t>df</a:t>
-            </a:r>
-            <a:r>
-              <a:rPr lang="en-GB" sz="2000" b="1" dirty="0">
-                <a:latin typeface="Courier New" panose="02070309020205020404" pitchFamily="49" charset="0"/>
-                <a:cs typeface="Courier New" panose="02070309020205020404" pitchFamily="49" charset="0"/>
-              </a:rPr>
-              <a:t> = 1, p-value = 2.681e-13</a:t>
-            </a:r>
+            <a:endParaRPr lang="en-GB" dirty="0"/>
           </a:p>
         </p:txBody>
       </p:sp>
     </p:spTree>
     <p:extLst>
       <p:ext uri="{BB962C8B-B14F-4D97-AF65-F5344CB8AC3E}">
-        <p14:creationId xmlns:p14="http://schemas.microsoft.com/office/powerpoint/2010/main" val="1216419381"/>
+        <p14:creationId xmlns:p14="http://schemas.microsoft.com/office/powerpoint/2010/main" val="587635194"/>
       </p:ext>
     </p:extLst>
   </p:cSld>
@@ -7655,7 +7734,7 @@
           <p:cNvPr id="2" name="Title 1">
             <a:extLst>
               <a:ext uri="{FF2B5EF4-FFF2-40B4-BE49-F238E27FC236}">
-                <a16:creationId xmlns:a16="http://schemas.microsoft.com/office/drawing/2014/main" id="{96C892FF-CA81-4F90-B56F-081037C68F23}"/>
+                <a16:creationId xmlns:a16="http://schemas.microsoft.com/office/drawing/2014/main" id="{EAF063A4-8F68-4376-A277-6DA8546E9565}"/>
               </a:ext>
             </a:extLst>
           </p:cNvPr>
@@ -7673,7 +7752,7 @@
           <a:p>
             <a:r>
               <a:rPr lang="en-GB" dirty="0"/>
-              <a:t>What is the Chi-squared statistic?</a:t>
+              <a:t>Understanding expected frequencies</a:t>
             </a:r>
           </a:p>
         </p:txBody>
@@ -7683,7 +7762,7 @@
           <p:cNvPr id="3" name="Content Placeholder 2">
             <a:extLst>
               <a:ext uri="{FF2B5EF4-FFF2-40B4-BE49-F238E27FC236}">
-                <a16:creationId xmlns:a16="http://schemas.microsoft.com/office/drawing/2014/main" id="{B68113D9-6B60-462C-89C7-81EF957867CD}"/>
+                <a16:creationId xmlns:a16="http://schemas.microsoft.com/office/drawing/2014/main" id="{B4433D50-13E3-4D66-AECA-1E49254B778E}"/>
               </a:ext>
             </a:extLst>
           </p:cNvPr>
@@ -7696,34 +7775,14 @@
         </p:nvSpPr>
         <p:spPr/>
         <p:txBody>
-          <a:bodyPr>
-            <a:normAutofit fontScale="92500" lnSpcReduction="20000"/>
-          </a:bodyPr>
-          <a:lstStyle/>
-          <a:p>
-            <a:r>
-              <a:rPr lang="en-GB" dirty="0"/>
-              <a:t>A sum of squared deviations of the observed frequencies from the expected values divided by the expected values. </a:t>
-            </a:r>
-          </a:p>
-          <a:p>
-            <a:r>
-              <a:rPr lang="en-GB" dirty="0"/>
-              <a:t>The greater the deviations, the more reasons to believe that something’s going on.</a:t>
-            </a:r>
-          </a:p>
-          <a:p>
-            <a:r>
-              <a:rPr lang="en-GB" dirty="0"/>
-              <a:t>The expected values are those if there is no association between the variables.</a:t>
-            </a:r>
-          </a:p>
+          <a:bodyPr/>
+          <a:lstStyle/>
           <a:p>
             <a:pPr marL="0" indent="0">
               <a:buNone/>
             </a:pPr>
             <a:r>
-              <a:rPr lang="en-GB" sz="2400" b="1" dirty="0">
+              <a:rPr lang="en-GB" sz="2000" b="1" dirty="0">
                 <a:solidFill>
                   <a:srgbClr val="0000CC"/>
                 </a:solidFill>
@@ -7733,73 +7792,138 @@
               <a:t>&gt; </a:t>
             </a:r>
             <a:r>
-              <a:rPr lang="en-GB" sz="2400" b="1" dirty="0" err="1">
+              <a:rPr lang="en-GB" sz="2000" b="1" dirty="0" err="1">
                 <a:solidFill>
                   <a:srgbClr val="0000CC"/>
                 </a:solidFill>
                 <a:latin typeface="Courier New" panose="02070309020205020404" pitchFamily="49" charset="0"/>
                 <a:cs typeface="Courier New" panose="02070309020205020404" pitchFamily="49" charset="0"/>
               </a:rPr>
+              <a:t>barplot</a:t>
+            </a:r>
+            <a:r>
+              <a:rPr lang="en-GB" sz="2000" b="1" dirty="0">
+                <a:solidFill>
+                  <a:srgbClr val="0000CC"/>
+                </a:solidFill>
+                <a:latin typeface="Courier New" panose="02070309020205020404" pitchFamily="49" charset="0"/>
+                <a:cs typeface="Courier New" panose="02070309020205020404" pitchFamily="49" charset="0"/>
+              </a:rPr>
+              <a:t>(</a:t>
+            </a:r>
+            <a:r>
+              <a:rPr lang="en-GB" sz="2000" b="1" dirty="0" err="1">
+                <a:solidFill>
+                  <a:srgbClr val="0000CC"/>
+                </a:solidFill>
+                <a:latin typeface="Courier New" panose="02070309020205020404" pitchFamily="49" charset="0"/>
+                <a:cs typeface="Courier New" panose="02070309020205020404" pitchFamily="49" charset="0"/>
+              </a:rPr>
               <a:t>chisq.test</a:t>
             </a:r>
             <a:r>
-              <a:rPr lang="en-GB" sz="2400" b="1" dirty="0">
+              <a:rPr lang="en-GB" sz="2000" b="1" dirty="0">
                 <a:solidFill>
                   <a:srgbClr val="0000CC"/>
                 </a:solidFill>
                 <a:latin typeface="Courier New" panose="02070309020205020404" pitchFamily="49" charset="0"/>
                 <a:cs typeface="Courier New" panose="02070309020205020404" pitchFamily="49" charset="0"/>
               </a:rPr>
-              <a:t>(table(Noun, Century))$expected</a:t>
+              <a:t>(table(Noun, Century))$expected, col = c("blue", "</a:t>
+            </a:r>
+            <a:r>
+              <a:rPr lang="en-GB" sz="2000" b="1" dirty="0" err="1">
+                <a:solidFill>
+                  <a:srgbClr val="0000CC"/>
+                </a:solidFill>
+                <a:latin typeface="Courier New" panose="02070309020205020404" pitchFamily="49" charset="0"/>
+                <a:cs typeface="Courier New" panose="02070309020205020404" pitchFamily="49" charset="0"/>
+              </a:rPr>
+              <a:t>lightblue</a:t>
+            </a:r>
+            <a:r>
+              <a:rPr lang="en-GB" sz="2000" b="1" dirty="0">
+                <a:solidFill>
+                  <a:srgbClr val="0000CC"/>
+                </a:solidFill>
+                <a:latin typeface="Courier New" panose="02070309020205020404" pitchFamily="49" charset="0"/>
+                <a:cs typeface="Courier New" panose="02070309020205020404" pitchFamily="49" charset="0"/>
+              </a:rPr>
+              <a:t>"), main = "Expected frequencies")</a:t>
             </a:r>
           </a:p>
           <a:p>
             <a:pPr marL="0" indent="0">
               <a:buNone/>
             </a:pPr>
-            <a:r>
-              <a:rPr lang="en-GB" sz="2400" b="1" dirty="0">
-                <a:latin typeface="Courier New" panose="02070309020205020404" pitchFamily="49" charset="0"/>
-                <a:cs typeface="Courier New" panose="02070309020205020404" pitchFamily="49" charset="0"/>
-              </a:rPr>
-              <a:t>      Century</a:t>
-            </a:r>
+            <a:endParaRPr lang="en-GB" sz="2000" b="1" dirty="0">
+              <a:solidFill>
+                <a:srgbClr val="0000CC"/>
+              </a:solidFill>
+              <a:latin typeface="Courier New" panose="02070309020205020404" pitchFamily="49" charset="0"/>
+              <a:cs typeface="Courier New" panose="02070309020205020404" pitchFamily="49" charset="0"/>
+            </a:endParaRPr>
           </a:p>
           <a:p>
             <a:pPr marL="0" indent="0">
               <a:buNone/>
             </a:pPr>
             <a:r>
-              <a:rPr lang="en-GB" sz="2400" b="1" dirty="0">
-                <a:latin typeface="Courier New" panose="02070309020205020404" pitchFamily="49" charset="0"/>
-                <a:cs typeface="Courier New" panose="02070309020205020404" pitchFamily="49" charset="0"/>
-              </a:rPr>
-              <a:t>Noun        XX     XXI</a:t>
+              <a:rPr lang="en-GB" sz="2000" b="1" dirty="0">
+                <a:solidFill>
+                  <a:srgbClr val="0000CC"/>
+                </a:solidFill>
+                <a:latin typeface="Courier New" panose="02070309020205020404" pitchFamily="49" charset="0"/>
+                <a:cs typeface="Courier New" panose="02070309020205020404" pitchFamily="49" charset="0"/>
+              </a:rPr>
+              <a:t>&gt; legend("</a:t>
+            </a:r>
+            <a:r>
+              <a:rPr lang="en-GB" sz="2000" b="1" dirty="0" err="1">
+                <a:solidFill>
+                  <a:srgbClr val="0000CC"/>
+                </a:solidFill>
+                <a:latin typeface="Courier New" panose="02070309020205020404" pitchFamily="49" charset="0"/>
+                <a:cs typeface="Courier New" panose="02070309020205020404" pitchFamily="49" charset="0"/>
+              </a:rPr>
+              <a:t>topleft</a:t>
+            </a:r>
+            <a:r>
+              <a:rPr lang="en-GB" sz="2000" b="1" dirty="0">
+                <a:solidFill>
+                  <a:srgbClr val="0000CC"/>
+                </a:solidFill>
+                <a:latin typeface="Courier New" panose="02070309020205020404" pitchFamily="49" charset="0"/>
+                <a:cs typeface="Courier New" panose="02070309020205020404" pitchFamily="49" charset="0"/>
+              </a:rPr>
+              <a:t>", legend = c("geek", "nerd"), fill = c("blue", "</a:t>
+            </a:r>
+            <a:r>
+              <a:rPr lang="en-GB" sz="2000" b="1" dirty="0" err="1">
+                <a:solidFill>
+                  <a:srgbClr val="0000CC"/>
+                </a:solidFill>
+                <a:latin typeface="Courier New" panose="02070309020205020404" pitchFamily="49" charset="0"/>
+                <a:cs typeface="Courier New" panose="02070309020205020404" pitchFamily="49" charset="0"/>
+              </a:rPr>
+              <a:t>lightblue</a:t>
+            </a:r>
+            <a:r>
+              <a:rPr lang="en-GB" sz="2000" b="1" dirty="0">
+                <a:solidFill>
+                  <a:srgbClr val="0000CC"/>
+                </a:solidFill>
+                <a:latin typeface="Courier New" panose="02070309020205020404" pitchFamily="49" charset="0"/>
+                <a:cs typeface="Courier New" panose="02070309020205020404" pitchFamily="49" charset="0"/>
+              </a:rPr>
+              <a:t>"))</a:t>
             </a:r>
           </a:p>
           <a:p>
             <a:pPr marL="0" indent="0">
               <a:buNone/>
             </a:pPr>
-            <a:r>
-              <a:rPr lang="en-GB" sz="2400" b="1" dirty="0">
-                <a:latin typeface="Courier New" panose="02070309020205020404" pitchFamily="49" charset="0"/>
-                <a:cs typeface="Courier New" panose="02070309020205020404" pitchFamily="49" charset="0"/>
-              </a:rPr>
-              <a:t>  geek 262.196 407.804</a:t>
-            </a:r>
-          </a:p>
-          <a:p>
-            <a:pPr marL="0" indent="0">
-              <a:buNone/>
-            </a:pPr>
-            <a:r>
-              <a:rPr lang="en-GB" sz="2400" b="1" dirty="0">
-                <a:latin typeface="Courier New" panose="02070309020205020404" pitchFamily="49" charset="0"/>
-                <a:cs typeface="Courier New" panose="02070309020205020404" pitchFamily="49" charset="0"/>
-              </a:rPr>
-              <a:t>  nerd 252.804 393.196</a:t>
-            </a:r>
+            <a:endParaRPr lang="en-GB" dirty="0"/>
           </a:p>
           <a:p>
             <a:pPr marL="0" indent="0">
@@ -7812,7 +7936,7 @@
     </p:spTree>
     <p:extLst>
       <p:ext uri="{BB962C8B-B14F-4D97-AF65-F5344CB8AC3E}">
-        <p14:creationId xmlns:p14="http://schemas.microsoft.com/office/powerpoint/2010/main" val="587635194"/>
+        <p14:creationId xmlns:p14="http://schemas.microsoft.com/office/powerpoint/2010/main" val="77097891"/>
       </p:ext>
     </p:extLst>
   </p:cSld>
@@ -7844,7 +7968,7 @@
           <p:cNvPr id="2" name="Title 1">
             <a:extLst>
               <a:ext uri="{FF2B5EF4-FFF2-40B4-BE49-F238E27FC236}">
-                <a16:creationId xmlns:a16="http://schemas.microsoft.com/office/drawing/2014/main" id="{9163D7DB-0BA9-48FB-AA5C-94276A953906}"/>
+                <a16:creationId xmlns:a16="http://schemas.microsoft.com/office/drawing/2014/main" id="{D2672B32-378A-426F-AD7E-0E64DDEA82A3}"/>
               </a:ext>
             </a:extLst>
           </p:cNvPr>
@@ -7855,14 +7979,19 @@
             <p:ph type="title"/>
           </p:nvPr>
         </p:nvSpPr>
-        <p:spPr/>
+        <p:spPr>
+          <a:xfrm>
+            <a:off x="628650" y="365126"/>
+            <a:ext cx="7886700" cy="1325563"/>
+          </a:xfrm>
+        </p:spPr>
         <p:txBody>
           <a:bodyPr/>
           <a:lstStyle/>
           <a:p>
             <a:r>
               <a:rPr lang="en-GB" dirty="0"/>
-              <a:t>Outline	</a:t>
+              <a:t>2 ways to tabulate a variable</a:t>
             </a:r>
           </a:p>
         </p:txBody>
@@ -7872,7 +8001,7 @@
           <p:cNvPr id="3" name="Content Placeholder 2">
             <a:extLst>
               <a:ext uri="{FF2B5EF4-FFF2-40B4-BE49-F238E27FC236}">
-                <a16:creationId xmlns:a16="http://schemas.microsoft.com/office/drawing/2014/main" id="{E9AD873B-2B95-4F88-9DE7-B7E6CA2BB0EB}"/>
+                <a16:creationId xmlns:a16="http://schemas.microsoft.com/office/drawing/2014/main" id="{6113EB24-7EA7-48C1-A48E-53EE46B75EEA}"/>
               </a:ext>
             </a:extLst>
           </p:cNvPr>
@@ -7894,22 +8023,14 @@
               <a:buNone/>
             </a:pPr>
             <a:r>
-              <a:rPr lang="en-GB" dirty="0"/>
-              <a:t>1. One categorical variable</a:t>
-            </a:r>
-          </a:p>
-          <a:p>
-            <a:pPr lvl="1"/>
-            <a:r>
-              <a:rPr lang="en-GB" dirty="0"/>
-              <a:t>Descriptive statistics (proportions, percentages)</a:t>
-            </a:r>
-          </a:p>
-          <a:p>
-            <a:pPr lvl="1"/>
-            <a:r>
-              <a:rPr lang="en-GB" dirty="0"/>
-              <a:t>Visualization (bar plots, pie charts)</a:t>
+              <a:rPr lang="en-GB" sz="2000" b="1" dirty="0">
+                <a:solidFill>
+                  <a:srgbClr val="0000CC"/>
+                </a:solidFill>
+                <a:latin typeface="Courier New" panose="02070309020205020404" pitchFamily="49" charset="0"/>
+                <a:cs typeface="Courier New" panose="02070309020205020404" pitchFamily="49" charset="0"/>
+              </a:rPr>
+              <a:t>&gt; attach(ELP)</a:t>
             </a:r>
           </a:p>
           <a:p>
@@ -7917,37 +8038,101 @@
               <a:buNone/>
             </a:pPr>
             <a:r>
-              <a:rPr lang="en-GB" dirty="0"/>
-              <a:t>2. Two categorical variables</a:t>
-            </a:r>
-          </a:p>
-          <a:p>
-            <a:pPr lvl="1"/>
-            <a:r>
-              <a:rPr lang="en-GB" dirty="0"/>
-              <a:t>Visualization (bar plots)</a:t>
-            </a:r>
-          </a:p>
-          <a:p>
-            <a:pPr lvl="1"/>
-            <a:r>
-              <a:rPr lang="en-GB" dirty="0"/>
-              <a:t>Descriptive statistics (odds ratio, Cramer’s V)</a:t>
-            </a:r>
-          </a:p>
-          <a:p>
-            <a:pPr lvl="1"/>
-            <a:r>
-              <a:rPr lang="en-GB" dirty="0"/>
-              <a:t>Tests of independence (Chi-squared test, Fisher test)</a:t>
-            </a:r>
+              <a:rPr lang="en-GB" sz="2000" b="1" dirty="0">
+                <a:solidFill>
+                  <a:srgbClr val="0000CC"/>
+                </a:solidFill>
+                <a:latin typeface="Courier New" panose="02070309020205020404" pitchFamily="49" charset="0"/>
+                <a:cs typeface="Courier New" panose="02070309020205020404" pitchFamily="49" charset="0"/>
+              </a:rPr>
+              <a:t>&gt; summary(POS)</a:t>
+            </a:r>
+          </a:p>
+          <a:p>
+            <a:pPr marL="0" indent="0">
+              <a:buNone/>
+            </a:pPr>
+            <a:r>
+              <a:rPr lang="en-GB" sz="2000" b="1" dirty="0">
+                <a:latin typeface="Courier New" panose="02070309020205020404" pitchFamily="49" charset="0"/>
+                <a:cs typeface="Courier New" panose="02070309020205020404" pitchFamily="49" charset="0"/>
+              </a:rPr>
+              <a:t>JJ  NN  VB </a:t>
+            </a:r>
+          </a:p>
+          <a:p>
+            <a:pPr marL="0" indent="0">
+              <a:buNone/>
+            </a:pPr>
+            <a:r>
+              <a:rPr lang="en-GB" sz="2000" b="1" dirty="0">
+                <a:latin typeface="Courier New" panose="02070309020205020404" pitchFamily="49" charset="0"/>
+                <a:cs typeface="Courier New" panose="02070309020205020404" pitchFamily="49" charset="0"/>
+              </a:rPr>
+              <a:t>159 532 189 </a:t>
+            </a:r>
+          </a:p>
+          <a:p>
+            <a:pPr marL="0" indent="0">
+              <a:buNone/>
+            </a:pPr>
+            <a:r>
+              <a:rPr lang="nn-NO" sz="2000" b="1" dirty="0">
+                <a:solidFill>
+                  <a:srgbClr val="0000CC"/>
+                </a:solidFill>
+                <a:latin typeface="Courier New" panose="02070309020205020404" pitchFamily="49" charset="0"/>
+                <a:cs typeface="Courier New" panose="02070309020205020404" pitchFamily="49" charset="0"/>
+              </a:rPr>
+              <a:t>&gt; table(POS)</a:t>
+            </a:r>
+          </a:p>
+          <a:p>
+            <a:pPr marL="0" indent="0">
+              <a:buNone/>
+            </a:pPr>
+            <a:r>
+              <a:rPr lang="nn-NO" sz="2000" b="1" dirty="0">
+                <a:latin typeface="Courier New" panose="02070309020205020404" pitchFamily="49" charset="0"/>
+                <a:cs typeface="Courier New" panose="02070309020205020404" pitchFamily="49" charset="0"/>
+              </a:rPr>
+              <a:t>POS</a:t>
+            </a:r>
+          </a:p>
+          <a:p>
+            <a:pPr marL="0" indent="0">
+              <a:buNone/>
+            </a:pPr>
+            <a:r>
+              <a:rPr lang="nn-NO" sz="2000" b="1" dirty="0">
+                <a:latin typeface="Courier New" panose="02070309020205020404" pitchFamily="49" charset="0"/>
+                <a:cs typeface="Courier New" panose="02070309020205020404" pitchFamily="49" charset="0"/>
+              </a:rPr>
+              <a:t> JJ  NN  VB </a:t>
+            </a:r>
+          </a:p>
+          <a:p>
+            <a:pPr marL="0" indent="0">
+              <a:buNone/>
+            </a:pPr>
+            <a:r>
+              <a:rPr lang="nn-NO" sz="2000" b="1" dirty="0">
+                <a:latin typeface="Courier New" panose="02070309020205020404" pitchFamily="49" charset="0"/>
+                <a:cs typeface="Courier New" panose="02070309020205020404" pitchFamily="49" charset="0"/>
+              </a:rPr>
+              <a:t>159 532 189 </a:t>
+            </a:r>
+            <a:endParaRPr lang="en-GB" sz="2000" b="1" dirty="0">
+              <a:latin typeface="Courier New" panose="02070309020205020404" pitchFamily="49" charset="0"/>
+              <a:cs typeface="Courier New" panose="02070309020205020404" pitchFamily="49" charset="0"/>
+            </a:endParaRPr>
           </a:p>
         </p:txBody>
       </p:sp>
     </p:spTree>
     <p:extLst>
       <p:ext uri="{BB962C8B-B14F-4D97-AF65-F5344CB8AC3E}">
-        <p14:creationId xmlns:p14="http://schemas.microsoft.com/office/powerpoint/2010/main" val="1096650750"/>
+        <p14:creationId xmlns:p14="http://schemas.microsoft.com/office/powerpoint/2010/main" val="2441168380"/>
       </p:ext>
     </p:extLst>
   </p:cSld>
@@ -7958,240 +8143,6 @@
 </file>
 
 <file path=ppt/slides/slide30.xml><?xml version="1.0" encoding="utf-8"?>
-<p:sld xmlns:a="http://schemas.openxmlformats.org/drawingml/2006/main" xmlns:r="http://schemas.openxmlformats.org/officeDocument/2006/relationships" xmlns:p="http://schemas.openxmlformats.org/presentationml/2006/main">
-  <p:cSld>
-    <p:spTree>
-      <p:nvGrpSpPr>
-        <p:cNvPr id="1" name=""/>
-        <p:cNvGrpSpPr/>
-        <p:nvPr/>
-      </p:nvGrpSpPr>
-      <p:grpSpPr>
-        <a:xfrm>
-          <a:off x="0" y="0"/>
-          <a:ext cx="0" cy="0"/>
-          <a:chOff x="0" y="0"/>
-          <a:chExt cx="0" cy="0"/>
-        </a:xfrm>
-      </p:grpSpPr>
-      <p:sp>
-        <p:nvSpPr>
-          <p:cNvPr id="2" name="Title 1">
-            <a:extLst>
-              <a:ext uri="{FF2B5EF4-FFF2-40B4-BE49-F238E27FC236}">
-                <a16:creationId xmlns:a16="http://schemas.microsoft.com/office/drawing/2014/main" id="{EAF063A4-8F68-4376-A277-6DA8546E9565}"/>
-              </a:ext>
-            </a:extLst>
-          </p:cNvPr>
-          <p:cNvSpPr>
-            <a:spLocks noGrp="1"/>
-          </p:cNvSpPr>
-          <p:nvPr>
-            <p:ph type="title"/>
-          </p:nvPr>
-        </p:nvSpPr>
-        <p:spPr/>
-        <p:txBody>
-          <a:bodyPr/>
-          <a:lstStyle/>
-          <a:p>
-            <a:r>
-              <a:rPr lang="en-GB" dirty="0"/>
-              <a:t>Understanding expected frequencies</a:t>
-            </a:r>
-          </a:p>
-        </p:txBody>
-      </p:sp>
-      <p:sp>
-        <p:nvSpPr>
-          <p:cNvPr id="3" name="Content Placeholder 2">
-            <a:extLst>
-              <a:ext uri="{FF2B5EF4-FFF2-40B4-BE49-F238E27FC236}">
-                <a16:creationId xmlns:a16="http://schemas.microsoft.com/office/drawing/2014/main" id="{B4433D50-13E3-4D66-AECA-1E49254B778E}"/>
-              </a:ext>
-            </a:extLst>
-          </p:cNvPr>
-          <p:cNvSpPr>
-            <a:spLocks noGrp="1"/>
-          </p:cNvSpPr>
-          <p:nvPr>
-            <p:ph idx="1"/>
-          </p:nvPr>
-        </p:nvSpPr>
-        <p:spPr/>
-        <p:txBody>
-          <a:bodyPr/>
-          <a:lstStyle/>
-          <a:p>
-            <a:pPr marL="0" indent="0">
-              <a:buNone/>
-            </a:pPr>
-            <a:r>
-              <a:rPr lang="en-GB" sz="2000" b="1" dirty="0">
-                <a:solidFill>
-                  <a:srgbClr val="0000CC"/>
-                </a:solidFill>
-                <a:latin typeface="Courier New" panose="02070309020205020404" pitchFamily="49" charset="0"/>
-                <a:cs typeface="Courier New" panose="02070309020205020404" pitchFamily="49" charset="0"/>
-              </a:rPr>
-              <a:t>&gt; </a:t>
-            </a:r>
-            <a:r>
-              <a:rPr lang="en-GB" sz="2000" b="1" dirty="0" err="1">
-                <a:solidFill>
-                  <a:srgbClr val="0000CC"/>
-                </a:solidFill>
-                <a:latin typeface="Courier New" panose="02070309020205020404" pitchFamily="49" charset="0"/>
-                <a:cs typeface="Courier New" panose="02070309020205020404" pitchFamily="49" charset="0"/>
-              </a:rPr>
-              <a:t>barplot</a:t>
-            </a:r>
-            <a:r>
-              <a:rPr lang="en-GB" sz="2000" b="1" dirty="0">
-                <a:solidFill>
-                  <a:srgbClr val="0000CC"/>
-                </a:solidFill>
-                <a:latin typeface="Courier New" panose="02070309020205020404" pitchFamily="49" charset="0"/>
-                <a:cs typeface="Courier New" panose="02070309020205020404" pitchFamily="49" charset="0"/>
-              </a:rPr>
-              <a:t>(</a:t>
-            </a:r>
-            <a:r>
-              <a:rPr lang="en-GB" sz="2000" b="1" dirty="0" err="1">
-                <a:solidFill>
-                  <a:srgbClr val="0000CC"/>
-                </a:solidFill>
-                <a:latin typeface="Courier New" panose="02070309020205020404" pitchFamily="49" charset="0"/>
-                <a:cs typeface="Courier New" panose="02070309020205020404" pitchFamily="49" charset="0"/>
-              </a:rPr>
-              <a:t>chisq.test</a:t>
-            </a:r>
-            <a:r>
-              <a:rPr lang="en-GB" sz="2000" b="1" dirty="0">
-                <a:solidFill>
-                  <a:srgbClr val="0000CC"/>
-                </a:solidFill>
-                <a:latin typeface="Courier New" panose="02070309020205020404" pitchFamily="49" charset="0"/>
-                <a:cs typeface="Courier New" panose="02070309020205020404" pitchFamily="49" charset="0"/>
-              </a:rPr>
-              <a:t>(table(Noun, Century))$expected, col = c("blue", "</a:t>
-            </a:r>
-            <a:r>
-              <a:rPr lang="en-GB" sz="2000" b="1" dirty="0" err="1">
-                <a:solidFill>
-                  <a:srgbClr val="0000CC"/>
-                </a:solidFill>
-                <a:latin typeface="Courier New" panose="02070309020205020404" pitchFamily="49" charset="0"/>
-                <a:cs typeface="Courier New" panose="02070309020205020404" pitchFamily="49" charset="0"/>
-              </a:rPr>
-              <a:t>lightblue</a:t>
-            </a:r>
-            <a:r>
-              <a:rPr lang="en-GB" sz="2000" b="1" dirty="0">
-                <a:solidFill>
-                  <a:srgbClr val="0000CC"/>
-                </a:solidFill>
-                <a:latin typeface="Courier New" panose="02070309020205020404" pitchFamily="49" charset="0"/>
-                <a:cs typeface="Courier New" panose="02070309020205020404" pitchFamily="49" charset="0"/>
-              </a:rPr>
-              <a:t>"), main = "Expected frequencies")</a:t>
-            </a:r>
-          </a:p>
-          <a:p>
-            <a:pPr marL="0" indent="0">
-              <a:buNone/>
-            </a:pPr>
-            <a:endParaRPr lang="en-GB" sz="2000" b="1" dirty="0">
-              <a:solidFill>
-                <a:srgbClr val="0000CC"/>
-              </a:solidFill>
-              <a:latin typeface="Courier New" panose="02070309020205020404" pitchFamily="49" charset="0"/>
-              <a:cs typeface="Courier New" panose="02070309020205020404" pitchFamily="49" charset="0"/>
-            </a:endParaRPr>
-          </a:p>
-          <a:p>
-            <a:pPr marL="0" indent="0">
-              <a:buNone/>
-            </a:pPr>
-            <a:r>
-              <a:rPr lang="en-GB" sz="2000" b="1" dirty="0">
-                <a:solidFill>
-                  <a:srgbClr val="0000CC"/>
-                </a:solidFill>
-                <a:latin typeface="Courier New" panose="02070309020205020404" pitchFamily="49" charset="0"/>
-                <a:cs typeface="Courier New" panose="02070309020205020404" pitchFamily="49" charset="0"/>
-              </a:rPr>
-              <a:t>&gt; legend("</a:t>
-            </a:r>
-            <a:r>
-              <a:rPr lang="en-GB" sz="2000" b="1" dirty="0" err="1">
-                <a:solidFill>
-                  <a:srgbClr val="0000CC"/>
-                </a:solidFill>
-                <a:latin typeface="Courier New" panose="02070309020205020404" pitchFamily="49" charset="0"/>
-                <a:cs typeface="Courier New" panose="02070309020205020404" pitchFamily="49" charset="0"/>
-              </a:rPr>
-              <a:t>topleft</a:t>
-            </a:r>
-            <a:r>
-              <a:rPr lang="en-GB" sz="2000" b="1" dirty="0">
-                <a:solidFill>
-                  <a:srgbClr val="0000CC"/>
-                </a:solidFill>
-                <a:latin typeface="Courier New" panose="02070309020205020404" pitchFamily="49" charset="0"/>
-                <a:cs typeface="Courier New" panose="02070309020205020404" pitchFamily="49" charset="0"/>
-              </a:rPr>
-              <a:t>", legend = c("geek", "nerd"), fill = c("blue", "</a:t>
-            </a:r>
-            <a:r>
-              <a:rPr lang="en-GB" sz="2000" b="1" dirty="0" err="1">
-                <a:solidFill>
-                  <a:srgbClr val="0000CC"/>
-                </a:solidFill>
-                <a:latin typeface="Courier New" panose="02070309020205020404" pitchFamily="49" charset="0"/>
-                <a:cs typeface="Courier New" panose="02070309020205020404" pitchFamily="49" charset="0"/>
-              </a:rPr>
-              <a:t>lightblue</a:t>
-            </a:r>
-            <a:r>
-              <a:rPr lang="en-GB" sz="2000" b="1" dirty="0">
-                <a:solidFill>
-                  <a:srgbClr val="0000CC"/>
-                </a:solidFill>
-                <a:latin typeface="Courier New" panose="02070309020205020404" pitchFamily="49" charset="0"/>
-                <a:cs typeface="Courier New" panose="02070309020205020404" pitchFamily="49" charset="0"/>
-              </a:rPr>
-              <a:t>"))</a:t>
-            </a:r>
-          </a:p>
-          <a:p>
-            <a:pPr marL="0" indent="0">
-              <a:buNone/>
-            </a:pPr>
-            <a:endParaRPr lang="en-GB" dirty="0"/>
-          </a:p>
-          <a:p>
-            <a:pPr marL="0" indent="0">
-              <a:buNone/>
-            </a:pPr>
-            <a:endParaRPr lang="en-GB" dirty="0"/>
-          </a:p>
-        </p:txBody>
-      </p:sp>
-    </p:spTree>
-    <p:extLst>
-      <p:ext uri="{BB962C8B-B14F-4D97-AF65-F5344CB8AC3E}">
-        <p14:creationId xmlns:p14="http://schemas.microsoft.com/office/powerpoint/2010/main" val="77097891"/>
-      </p:ext>
-    </p:extLst>
-  </p:cSld>
-  <p:clrMapOvr>
-    <a:masterClrMapping/>
-  </p:clrMapOvr>
-</p:sld>
-</file>
-
-<file path=ppt/slides/slide31.xml><?xml version="1.0" encoding="utf-8"?>
 <p:sld xmlns:a="http://schemas.openxmlformats.org/drawingml/2006/main" xmlns:r="http://schemas.openxmlformats.org/officeDocument/2006/relationships" xmlns:p="http://schemas.openxmlformats.org/presentationml/2006/main">
   <p:cSld>
     <p:spTree>
@@ -8301,7 +8252,7 @@
 </p:sld>
 </file>
 
-<file path=ppt/slides/slide32.xml><?xml version="1.0" encoding="utf-8"?>
+<file path=ppt/slides/slide31.xml><?xml version="1.0" encoding="utf-8"?>
 <p:sld xmlns:a="http://schemas.openxmlformats.org/drawingml/2006/main" xmlns:r="http://schemas.openxmlformats.org/officeDocument/2006/relationships" xmlns:p="http://schemas.openxmlformats.org/presentationml/2006/main">
   <p:cSld>
     <p:spTree>
@@ -8422,7 +8373,7 @@
 </p:sld>
 </file>
 
-<file path=ppt/slides/slide33.xml><?xml version="1.0" encoding="utf-8"?>
+<file path=ppt/slides/slide32.xml><?xml version="1.0" encoding="utf-8"?>
 <p:sld xmlns:a="http://schemas.openxmlformats.org/drawingml/2006/main" xmlns:r="http://schemas.openxmlformats.org/officeDocument/2006/relationships" xmlns:p="http://schemas.openxmlformats.org/presentationml/2006/main">
   <p:cSld>
     <p:spTree>
@@ -8532,6 +8483,134 @@
 </p:sld>
 </file>
 
+<file path=ppt/slides/slide33.xml><?xml version="1.0" encoding="utf-8"?>
+<p:sld xmlns:a="http://schemas.openxmlformats.org/drawingml/2006/main" xmlns:r="http://schemas.openxmlformats.org/officeDocument/2006/relationships" xmlns:p="http://schemas.openxmlformats.org/presentationml/2006/main">
+  <p:cSld>
+    <p:spTree>
+      <p:nvGrpSpPr>
+        <p:cNvPr id="1" name=""/>
+        <p:cNvGrpSpPr/>
+        <p:nvPr/>
+      </p:nvGrpSpPr>
+      <p:grpSpPr>
+        <a:xfrm>
+          <a:off x="0" y="0"/>
+          <a:ext cx="0" cy="0"/>
+          <a:chOff x="0" y="0"/>
+          <a:chExt cx="0" cy="0"/>
+        </a:xfrm>
+      </p:grpSpPr>
+      <p:sp>
+        <p:nvSpPr>
+          <p:cNvPr id="2" name="Title 1">
+            <a:extLst>
+              <a:ext uri="{FF2B5EF4-FFF2-40B4-BE49-F238E27FC236}">
+                <a16:creationId xmlns:a16="http://schemas.microsoft.com/office/drawing/2014/main" id="{125DEFC7-667C-48D4-923D-2F3C0C7D72D2}"/>
+              </a:ext>
+            </a:extLst>
+          </p:cNvPr>
+          <p:cNvSpPr>
+            <a:spLocks noGrp="1"/>
+          </p:cNvSpPr>
+          <p:nvPr>
+            <p:ph type="title"/>
+          </p:nvPr>
+        </p:nvSpPr>
+        <p:spPr/>
+        <p:txBody>
+          <a:bodyPr/>
+          <a:lstStyle/>
+          <a:p>
+            <a:r>
+              <a:rPr lang="en-GB" dirty="0"/>
+              <a:t>Interpretation of the results</a:t>
+            </a:r>
+          </a:p>
+        </p:txBody>
+      </p:sp>
+      <p:sp>
+        <p:nvSpPr>
+          <p:cNvPr id="3" name="Content Placeholder 2">
+            <a:extLst>
+              <a:ext uri="{FF2B5EF4-FFF2-40B4-BE49-F238E27FC236}">
+                <a16:creationId xmlns:a16="http://schemas.microsoft.com/office/drawing/2014/main" id="{325BA62B-DBBB-420C-BEF0-D11F44B71CE2}"/>
+              </a:ext>
+            </a:extLst>
+          </p:cNvPr>
+          <p:cNvSpPr>
+            <a:spLocks noGrp="1"/>
+          </p:cNvSpPr>
+          <p:nvPr>
+            <p:ph idx="1"/>
+          </p:nvPr>
+        </p:nvSpPr>
+        <p:spPr/>
+        <p:txBody>
+          <a:bodyPr>
+            <a:normAutofit fontScale="92500"/>
+          </a:bodyPr>
+          <a:lstStyle/>
+          <a:p>
+            <a:r>
+              <a:rPr lang="en-GB" dirty="0"/>
+              <a:t>A </a:t>
+            </a:r>
+            <a:r>
+              <a:rPr lang="en-GB" i="1" dirty="0"/>
+              <a:t>p</a:t>
+            </a:r>
+            <a:r>
+              <a:rPr lang="en-GB" dirty="0"/>
+              <a:t>-value for continuous statistics (like the Chi-squared) is computed as the proportion of the area with the given and more extreme values under the curve that corresponds to the degrees of freedom. All area = 1.</a:t>
+            </a:r>
+          </a:p>
+          <a:p>
+            <a:r>
+              <a:rPr lang="en-GB" dirty="0"/>
+              <a:t>Obviously, this area for Chi-squared ≥ 53 is tiny.</a:t>
+            </a:r>
+          </a:p>
+          <a:p>
+            <a:r>
+              <a:rPr lang="en-GB" dirty="0"/>
+              <a:t>More exactly, </a:t>
+            </a:r>
+            <a:r>
+              <a:rPr lang="en-GB" i="1" dirty="0"/>
+              <a:t>p</a:t>
+            </a:r>
+            <a:r>
+              <a:rPr lang="en-GB" dirty="0"/>
+              <a:t> = 2.681e-13, i.e. 0.0000000000002681.</a:t>
+            </a:r>
+          </a:p>
+          <a:p>
+            <a:r>
+              <a:rPr lang="en-GB" dirty="0"/>
+              <a:t>It’s highly unlikely to find this result by chance!</a:t>
+            </a:r>
+          </a:p>
+          <a:p>
+            <a:r>
+              <a:rPr lang="en-GB" dirty="0"/>
+              <a:t>We can safely reject the null hypothesis of no association.</a:t>
+            </a:r>
+          </a:p>
+        </p:txBody>
+      </p:sp>
+    </p:spTree>
+    <p:extLst>
+      <p:ext uri="{BB962C8B-B14F-4D97-AF65-F5344CB8AC3E}">
+        <p14:creationId xmlns:p14="http://schemas.microsoft.com/office/powerpoint/2010/main" val="364400621"/>
+      </p:ext>
+    </p:extLst>
+  </p:cSld>
+  <p:clrMapOvr>
+    <a:masterClrMapping/>
+  </p:clrMapOvr>
+</p:sld>
+</file>
+
 <file path=ppt/slides/slide34.xml><?xml version="1.0" encoding="utf-8"?>
 <p:sld xmlns:a="http://schemas.openxmlformats.org/drawingml/2006/main" xmlns:r="http://schemas.openxmlformats.org/officeDocument/2006/relationships" xmlns:p="http://schemas.openxmlformats.org/presentationml/2006/main">
   <p:cSld>
@@ -8554,7 +8633,7 @@
           <p:cNvPr id="2" name="Title 1">
             <a:extLst>
               <a:ext uri="{FF2B5EF4-FFF2-40B4-BE49-F238E27FC236}">
-                <a16:creationId xmlns:a16="http://schemas.microsoft.com/office/drawing/2014/main" id="{125DEFC7-667C-48D4-923D-2F3C0C7D72D2}"/>
+                <a16:creationId xmlns:a16="http://schemas.microsoft.com/office/drawing/2014/main" id="{C398419D-CD4E-4CD9-94FB-1C0E50612874}"/>
               </a:ext>
             </a:extLst>
           </p:cNvPr>
@@ -8572,7 +8651,7 @@
           <a:p>
             <a:r>
               <a:rPr lang="en-GB" dirty="0"/>
-              <a:t>Interpretation of the results</a:t>
+              <a:t>Fisher exact test</a:t>
             </a:r>
           </a:p>
         </p:txBody>
@@ -8582,7 +8661,7 @@
           <p:cNvPr id="3" name="Content Placeholder 2">
             <a:extLst>
               <a:ext uri="{FF2B5EF4-FFF2-40B4-BE49-F238E27FC236}">
-                <a16:creationId xmlns:a16="http://schemas.microsoft.com/office/drawing/2014/main" id="{325BA62B-DBBB-420C-BEF0-D11F44B71CE2}"/>
+                <a16:creationId xmlns:a16="http://schemas.microsoft.com/office/drawing/2014/main" id="{91B622CB-0E3F-4C2D-B57E-E599A448517E}"/>
               </a:ext>
             </a:extLst>
           </p:cNvPr>
@@ -8595,62 +8674,94 @@
         </p:nvSpPr>
         <p:spPr/>
         <p:txBody>
-          <a:bodyPr>
-            <a:normAutofit fontScale="92500"/>
-          </a:bodyPr>
-          <a:lstStyle/>
-          <a:p>
-            <a:r>
-              <a:rPr lang="en-GB" dirty="0"/>
-              <a:t>A </a:t>
-            </a:r>
-            <a:r>
-              <a:rPr lang="en-GB" i="1" dirty="0"/>
-              <a:t>p</a:t>
-            </a:r>
-            <a:r>
-              <a:rPr lang="en-GB" dirty="0"/>
-              <a:t>-value for continuous statistics (like the Chi-squared) is computed as the proportion of the area with the given and more extreme values under the curve that corresponds to the degrees of freedom. All area = 1.</a:t>
-            </a:r>
-          </a:p>
-          <a:p>
-            <a:r>
-              <a:rPr lang="en-GB" dirty="0"/>
-              <a:t>Obviously, this area for Chi-squared ≥ 53 is tiny.</a:t>
-            </a:r>
-          </a:p>
-          <a:p>
-            <a:r>
-              <a:rPr lang="en-GB" dirty="0"/>
-              <a:t>More exactly, </a:t>
-            </a:r>
-            <a:r>
-              <a:rPr lang="en-GB" i="1" dirty="0"/>
-              <a:t>p</a:t>
-            </a:r>
-            <a:r>
-              <a:rPr lang="en-GB" dirty="0"/>
-              <a:t> = 2.681e-13, i.e. 0.0000000000002681.</a:t>
-            </a:r>
-          </a:p>
-          <a:p>
-            <a:r>
-              <a:rPr lang="en-GB" dirty="0"/>
-              <a:t>It’s highly unlikely to find this result by chance!</a:t>
-            </a:r>
-          </a:p>
-          <a:p>
-            <a:r>
-              <a:rPr lang="en-GB" dirty="0"/>
-              <a:t>We can safely reject the null hypothesis of no association.</a:t>
-            </a:r>
+          <a:bodyPr/>
+          <a:lstStyle/>
+          <a:p>
+            <a:r>
+              <a:rPr lang="en-GB" dirty="0"/>
+              <a:t>FET should be used in those situations when one of the </a:t>
+            </a:r>
+            <a:r>
+              <a:rPr lang="en-GB" dirty="0">
+                <a:solidFill>
+                  <a:srgbClr val="0000CC"/>
+                </a:solidFill>
+              </a:rPr>
+              <a:t>expected</a:t>
+            </a:r>
+            <a:r>
+              <a:rPr lang="en-GB" dirty="0"/>
+              <a:t> frequencies is less than 5.</a:t>
+            </a:r>
+          </a:p>
+          <a:p>
+            <a:r>
+              <a:rPr lang="en-GB" dirty="0"/>
+              <a:t>The Chi-squared test becomes unreliable, and you get a warning.</a:t>
+            </a:r>
+          </a:p>
+          <a:p>
+            <a:r>
+              <a:rPr lang="en-GB" dirty="0"/>
+              <a:t>Example:</a:t>
+            </a:r>
+          </a:p>
+          <a:p>
+            <a:pPr marL="0" indent="0">
+              <a:buNone/>
+            </a:pPr>
+            <a:endParaRPr lang="en-GB" dirty="0">
+              <a:solidFill>
+                <a:srgbClr val="0000CC"/>
+              </a:solidFill>
+              <a:latin typeface="Calibri" panose="020F0502020204030204" pitchFamily="34" charset="0"/>
+              <a:cs typeface="Calibri" panose="020F0502020204030204" pitchFamily="34" charset="0"/>
+            </a:endParaRPr>
+          </a:p>
+          <a:p>
+            <a:pPr marL="0" indent="0">
+              <a:buNone/>
+            </a:pPr>
+            <a:r>
+              <a:rPr lang="en-GB" dirty="0">
+                <a:solidFill>
+                  <a:srgbClr val="0000CC"/>
+                </a:solidFill>
+                <a:latin typeface="Calibri" panose="020F0502020204030204" pitchFamily="34" charset="0"/>
+                <a:cs typeface="Calibri" panose="020F0502020204030204" pitchFamily="34" charset="0"/>
+              </a:rPr>
+              <a:t>&gt; </a:t>
+            </a:r>
+            <a:r>
+              <a:rPr lang="en-GB" dirty="0" err="1">
+                <a:solidFill>
+                  <a:srgbClr val="0000CC"/>
+                </a:solidFill>
+                <a:latin typeface="Calibri" panose="020F0502020204030204" pitchFamily="34" charset="0"/>
+                <a:cs typeface="Calibri" panose="020F0502020204030204" pitchFamily="34" charset="0"/>
+              </a:rPr>
+              <a:t>fisher.test</a:t>
+            </a:r>
+            <a:r>
+              <a:rPr lang="en-GB" dirty="0">
+                <a:solidFill>
+                  <a:srgbClr val="0000CC"/>
+                </a:solidFill>
+                <a:latin typeface="Calibri" panose="020F0502020204030204" pitchFamily="34" charset="0"/>
+                <a:cs typeface="Calibri" panose="020F0502020204030204" pitchFamily="34" charset="0"/>
+              </a:rPr>
+              <a:t>(table(Noun, Century))</a:t>
+            </a:r>
+          </a:p>
+          <a:p>
+            <a:endParaRPr lang="en-GB" dirty="0"/>
           </a:p>
         </p:txBody>
       </p:sp>
     </p:spTree>
     <p:extLst>
       <p:ext uri="{BB962C8B-B14F-4D97-AF65-F5344CB8AC3E}">
-        <p14:creationId xmlns:p14="http://schemas.microsoft.com/office/powerpoint/2010/main" val="364400621"/>
+        <p14:creationId xmlns:p14="http://schemas.microsoft.com/office/powerpoint/2010/main" val="2323509175"/>
       </p:ext>
     </p:extLst>
   </p:cSld>
@@ -8682,166 +8793,6 @@
           <p:cNvPr id="2" name="Title 1">
             <a:extLst>
               <a:ext uri="{FF2B5EF4-FFF2-40B4-BE49-F238E27FC236}">
-                <a16:creationId xmlns:a16="http://schemas.microsoft.com/office/drawing/2014/main" id="{C398419D-CD4E-4CD9-94FB-1C0E50612874}"/>
-              </a:ext>
-            </a:extLst>
-          </p:cNvPr>
-          <p:cNvSpPr>
-            <a:spLocks noGrp="1"/>
-          </p:cNvSpPr>
-          <p:nvPr>
-            <p:ph type="title"/>
-          </p:nvPr>
-        </p:nvSpPr>
-        <p:spPr/>
-        <p:txBody>
-          <a:bodyPr/>
-          <a:lstStyle/>
-          <a:p>
-            <a:r>
-              <a:rPr lang="en-GB" dirty="0"/>
-              <a:t>Fisher exact test</a:t>
-            </a:r>
-          </a:p>
-        </p:txBody>
-      </p:sp>
-      <p:sp>
-        <p:nvSpPr>
-          <p:cNvPr id="3" name="Content Placeholder 2">
-            <a:extLst>
-              <a:ext uri="{FF2B5EF4-FFF2-40B4-BE49-F238E27FC236}">
-                <a16:creationId xmlns:a16="http://schemas.microsoft.com/office/drawing/2014/main" id="{91B622CB-0E3F-4C2D-B57E-E599A448517E}"/>
-              </a:ext>
-            </a:extLst>
-          </p:cNvPr>
-          <p:cNvSpPr>
-            <a:spLocks noGrp="1"/>
-          </p:cNvSpPr>
-          <p:nvPr>
-            <p:ph idx="1"/>
-          </p:nvPr>
-        </p:nvSpPr>
-        <p:spPr/>
-        <p:txBody>
-          <a:bodyPr/>
-          <a:lstStyle/>
-          <a:p>
-            <a:r>
-              <a:rPr lang="en-GB" dirty="0"/>
-              <a:t>FET should be used in those situations when one of the </a:t>
-            </a:r>
-            <a:r>
-              <a:rPr lang="en-GB" dirty="0">
-                <a:solidFill>
-                  <a:srgbClr val="0000CC"/>
-                </a:solidFill>
-              </a:rPr>
-              <a:t>expected</a:t>
-            </a:r>
-            <a:r>
-              <a:rPr lang="en-GB" dirty="0"/>
-              <a:t> frequencies is less than 5.</a:t>
-            </a:r>
-          </a:p>
-          <a:p>
-            <a:r>
-              <a:rPr lang="en-GB" dirty="0"/>
-              <a:t>The Chi-squared test becomes unreliable, and you get a warning.</a:t>
-            </a:r>
-          </a:p>
-          <a:p>
-            <a:r>
-              <a:rPr lang="en-GB" dirty="0"/>
-              <a:t>Example:</a:t>
-            </a:r>
-          </a:p>
-          <a:p>
-            <a:pPr marL="0" indent="0">
-              <a:buNone/>
-            </a:pPr>
-            <a:endParaRPr lang="en-GB" dirty="0">
-              <a:solidFill>
-                <a:srgbClr val="0000CC"/>
-              </a:solidFill>
-              <a:latin typeface="Calibri" panose="020F0502020204030204" pitchFamily="34" charset="0"/>
-              <a:cs typeface="Calibri" panose="020F0502020204030204" pitchFamily="34" charset="0"/>
-            </a:endParaRPr>
-          </a:p>
-          <a:p>
-            <a:pPr marL="0" indent="0">
-              <a:buNone/>
-            </a:pPr>
-            <a:r>
-              <a:rPr lang="en-GB" dirty="0">
-                <a:solidFill>
-                  <a:srgbClr val="0000CC"/>
-                </a:solidFill>
-                <a:latin typeface="Calibri" panose="020F0502020204030204" pitchFamily="34" charset="0"/>
-                <a:cs typeface="Calibri" panose="020F0502020204030204" pitchFamily="34" charset="0"/>
-              </a:rPr>
-              <a:t>&gt; </a:t>
-            </a:r>
-            <a:r>
-              <a:rPr lang="en-GB" dirty="0" err="1">
-                <a:solidFill>
-                  <a:srgbClr val="0000CC"/>
-                </a:solidFill>
-                <a:latin typeface="Calibri" panose="020F0502020204030204" pitchFamily="34" charset="0"/>
-                <a:cs typeface="Calibri" panose="020F0502020204030204" pitchFamily="34" charset="0"/>
-              </a:rPr>
-              <a:t>fisher.test</a:t>
-            </a:r>
-            <a:r>
-              <a:rPr lang="en-GB" dirty="0">
-                <a:solidFill>
-                  <a:srgbClr val="0000CC"/>
-                </a:solidFill>
-                <a:latin typeface="Calibri" panose="020F0502020204030204" pitchFamily="34" charset="0"/>
-                <a:cs typeface="Calibri" panose="020F0502020204030204" pitchFamily="34" charset="0"/>
-              </a:rPr>
-              <a:t>(table(Noun, Century))</a:t>
-            </a:r>
-          </a:p>
-          <a:p>
-            <a:endParaRPr lang="en-GB" dirty="0"/>
-          </a:p>
-        </p:txBody>
-      </p:sp>
-    </p:spTree>
-    <p:extLst>
-      <p:ext uri="{BB962C8B-B14F-4D97-AF65-F5344CB8AC3E}">
-        <p14:creationId xmlns:p14="http://schemas.microsoft.com/office/powerpoint/2010/main" val="2323509175"/>
-      </p:ext>
-    </p:extLst>
-  </p:cSld>
-  <p:clrMapOvr>
-    <a:masterClrMapping/>
-  </p:clrMapOvr>
-</p:sld>
-</file>
-
-<file path=ppt/slides/slide36.xml><?xml version="1.0" encoding="utf-8"?>
-<p:sld xmlns:a="http://schemas.openxmlformats.org/drawingml/2006/main" xmlns:r="http://schemas.openxmlformats.org/officeDocument/2006/relationships" xmlns:p="http://schemas.openxmlformats.org/presentationml/2006/main">
-  <p:cSld>
-    <p:spTree>
-      <p:nvGrpSpPr>
-        <p:cNvPr id="1" name=""/>
-        <p:cNvGrpSpPr/>
-        <p:nvPr/>
-      </p:nvGrpSpPr>
-      <p:grpSpPr>
-        <a:xfrm>
-          <a:off x="0" y="0"/>
-          <a:ext cx="0" cy="0"/>
-          <a:chOff x="0" y="0"/>
-          <a:chExt cx="0" cy="0"/>
-        </a:xfrm>
-      </p:grpSpPr>
-      <p:sp>
-        <p:nvSpPr>
-          <p:cNvPr id="2" name="Title 1">
-            <a:extLst>
-              <a:ext uri="{FF2B5EF4-FFF2-40B4-BE49-F238E27FC236}">
                 <a16:creationId xmlns:a16="http://schemas.microsoft.com/office/drawing/2014/main" id="{A52683B6-C186-441F-8523-34E4890C4A72}"/>
               </a:ext>
             </a:extLst>
@@ -8985,7 +8936,7 @@
 </p:sld>
 </file>
 
-<file path=ppt/slides/slide37.xml><?xml version="1.0" encoding="utf-8"?>
+<file path=ppt/slides/slide36.xml><?xml version="1.0" encoding="utf-8"?>
 <p:sld xmlns:a="http://schemas.openxmlformats.org/drawingml/2006/main" xmlns:r="http://schemas.openxmlformats.org/officeDocument/2006/relationships" xmlns:p="http://schemas.openxmlformats.org/presentationml/2006/main">
   <p:cSld>
     <p:spTree>
@@ -9135,7 +9086,7 @@
           <p:cNvPr id="2" name="Title 1">
             <a:extLst>
               <a:ext uri="{FF2B5EF4-FFF2-40B4-BE49-F238E27FC236}">
-                <a16:creationId xmlns:a16="http://schemas.microsoft.com/office/drawing/2014/main" id="{D2672B32-378A-426F-AD7E-0E64DDEA82A3}"/>
+                <a16:creationId xmlns:a16="http://schemas.microsoft.com/office/drawing/2014/main" id="{6CA010D2-39FA-43B0-86F0-346A1D5E6184}"/>
               </a:ext>
             </a:extLst>
           </p:cNvPr>
@@ -9146,19 +9097,14 @@
             <p:ph type="title"/>
           </p:nvPr>
         </p:nvSpPr>
-        <p:spPr>
-          <a:xfrm>
-            <a:off x="628650" y="365126"/>
-            <a:ext cx="7886700" cy="1325563"/>
-          </a:xfrm>
-        </p:spPr>
+        <p:spPr/>
         <p:txBody>
           <a:bodyPr/>
           <a:lstStyle/>
           <a:p>
             <a:r>
               <a:rPr lang="en-GB" dirty="0"/>
-              <a:t>2 ways to tabulate a variable</a:t>
+              <a:t>Proportions and percentages</a:t>
             </a:r>
           </a:p>
         </p:txBody>
@@ -9168,7 +9114,7 @@
           <p:cNvPr id="3" name="Content Placeholder 2">
             <a:extLst>
               <a:ext uri="{FF2B5EF4-FFF2-40B4-BE49-F238E27FC236}">
-                <a16:creationId xmlns:a16="http://schemas.microsoft.com/office/drawing/2014/main" id="{6113EB24-7EA7-48C1-A48E-53EE46B75EEA}"/>
+                <a16:creationId xmlns:a16="http://schemas.microsoft.com/office/drawing/2014/main" id="{8D48DF47-80ED-4A95-949A-AA55548BD837}"/>
               </a:ext>
             </a:extLst>
           </p:cNvPr>
@@ -9190,14 +9136,34 @@
               <a:buNone/>
             </a:pPr>
             <a:r>
-              <a:rPr lang="en-GB" sz="2000" b="1" dirty="0">
+              <a:rPr lang="fr-FR" sz="2000" b="1" dirty="0">
                 <a:solidFill>
                   <a:srgbClr val="0000CC"/>
                 </a:solidFill>
                 <a:latin typeface="Courier New" panose="02070309020205020404" pitchFamily="49" charset="0"/>
                 <a:cs typeface="Courier New" panose="02070309020205020404" pitchFamily="49" charset="0"/>
               </a:rPr>
-              <a:t>&gt; attach(ELP)</a:t>
+              <a:t>&gt; </a:t>
+            </a:r>
+            <a:r>
+              <a:rPr lang="fr-FR" sz="2000" b="1" dirty="0" err="1">
+                <a:solidFill>
+                  <a:srgbClr val="0000CC"/>
+                </a:solidFill>
+                <a:latin typeface="Courier New" panose="02070309020205020404" pitchFamily="49" charset="0"/>
+                <a:cs typeface="Courier New" panose="02070309020205020404" pitchFamily="49" charset="0"/>
+              </a:rPr>
+              <a:t>prop.table</a:t>
+            </a:r>
+            <a:r>
+              <a:rPr lang="fr-FR" sz="2000" b="1" dirty="0">
+                <a:solidFill>
+                  <a:srgbClr val="0000CC"/>
+                </a:solidFill>
+                <a:latin typeface="Courier New" panose="02070309020205020404" pitchFamily="49" charset="0"/>
+                <a:cs typeface="Courier New" panose="02070309020205020404" pitchFamily="49" charset="0"/>
+              </a:rPr>
+              <a:t>(table(POS))</a:t>
             </a:r>
           </a:p>
           <a:p>
@@ -9205,14 +9171,70 @@
               <a:buNone/>
             </a:pPr>
             <a:r>
-              <a:rPr lang="en-GB" sz="2000" b="1" dirty="0">
+              <a:rPr lang="fr-FR" sz="2000" b="1" dirty="0">
+                <a:latin typeface="Courier New" panose="02070309020205020404" pitchFamily="49" charset="0"/>
+                <a:cs typeface="Courier New" panose="02070309020205020404" pitchFamily="49" charset="0"/>
+              </a:rPr>
+              <a:t>POS</a:t>
+            </a:r>
+          </a:p>
+          <a:p>
+            <a:pPr marL="0" indent="0">
+              <a:buNone/>
+            </a:pPr>
+            <a:r>
+              <a:rPr lang="fr-FR" sz="2000" b="1" dirty="0">
+                <a:latin typeface="Courier New" panose="02070309020205020404" pitchFamily="49" charset="0"/>
+                <a:cs typeface="Courier New" panose="02070309020205020404" pitchFamily="49" charset="0"/>
+              </a:rPr>
+              <a:t>       JJ        NN        VB </a:t>
+            </a:r>
+          </a:p>
+          <a:p>
+            <a:pPr marL="0" indent="0">
+              <a:buNone/>
+            </a:pPr>
+            <a:r>
+              <a:rPr lang="fr-FR" sz="2000" b="1" dirty="0">
+                <a:latin typeface="Courier New" panose="02070309020205020404" pitchFamily="49" charset="0"/>
+                <a:cs typeface="Courier New" panose="02070309020205020404" pitchFamily="49" charset="0"/>
+              </a:rPr>
+              <a:t>0.1806818 0.6045455 0.2147727</a:t>
+            </a:r>
+          </a:p>
+          <a:p>
+            <a:pPr marL="0" indent="0">
+              <a:buNone/>
+            </a:pPr>
+            <a:r>
+              <a:rPr lang="fr-FR" sz="2000" b="1" dirty="0">
                 <a:solidFill>
                   <a:srgbClr val="0000CC"/>
                 </a:solidFill>
                 <a:latin typeface="Courier New" panose="02070309020205020404" pitchFamily="49" charset="0"/>
                 <a:cs typeface="Courier New" panose="02070309020205020404" pitchFamily="49" charset="0"/>
               </a:rPr>
-              <a:t>&gt; summary(POS)</a:t>
+              <a:t>&gt; </a:t>
+            </a:r>
+            <a:r>
+              <a:rPr lang="fr-FR" sz="2000" b="1" dirty="0" err="1">
+                <a:solidFill>
+                  <a:srgbClr val="0000CC"/>
+                </a:solidFill>
+                <a:latin typeface="Courier New" panose="02070309020205020404" pitchFamily="49" charset="0"/>
+                <a:cs typeface="Courier New" panose="02070309020205020404" pitchFamily="49" charset="0"/>
+              </a:rPr>
+              <a:t>prop.table</a:t>
+            </a:r>
+            <a:r>
+              <a:rPr lang="fr-FR" sz="2000" b="1" dirty="0">
+                <a:solidFill>
+                  <a:srgbClr val="0000CC"/>
+                </a:solidFill>
+                <a:latin typeface="Courier New" panose="02070309020205020404" pitchFamily="49" charset="0"/>
+                <a:cs typeface="Courier New" panose="02070309020205020404" pitchFamily="49" charset="0"/>
+              </a:rPr>
+              <a:t>(table(POS))*100</a:t>
             </a:r>
           </a:p>
           <a:p>
@@ -9220,11 +9242,11 @@
               <a:buNone/>
             </a:pPr>
             <a:r>
-              <a:rPr lang="en-GB" sz="2000" b="1" dirty="0">
-                <a:latin typeface="Courier New" panose="02070309020205020404" pitchFamily="49" charset="0"/>
-                <a:cs typeface="Courier New" panose="02070309020205020404" pitchFamily="49" charset="0"/>
-              </a:rPr>
-              <a:t>JJ  NN  VB </a:t>
+              <a:rPr lang="fr-FR" sz="2000" b="1" dirty="0">
+                <a:latin typeface="Courier New" panose="02070309020205020404" pitchFamily="49" charset="0"/>
+                <a:cs typeface="Courier New" panose="02070309020205020404" pitchFamily="49" charset="0"/>
+              </a:rPr>
+              <a:t>POS</a:t>
             </a:r>
           </a:p>
           <a:p>
@@ -9232,11 +9254,11 @@
               <a:buNone/>
             </a:pPr>
             <a:r>
-              <a:rPr lang="en-GB" sz="2000" b="1" dirty="0">
-                <a:latin typeface="Courier New" panose="02070309020205020404" pitchFamily="49" charset="0"/>
-                <a:cs typeface="Courier New" panose="02070309020205020404" pitchFamily="49" charset="0"/>
-              </a:rPr>
-              <a:t>159 532 189 </a:t>
+              <a:rPr lang="fr-FR" sz="2000" b="1" dirty="0">
+                <a:latin typeface="Courier New" panose="02070309020205020404" pitchFamily="49" charset="0"/>
+                <a:cs typeface="Courier New" panose="02070309020205020404" pitchFamily="49" charset="0"/>
+              </a:rPr>
+              <a:t>      JJ       NN       VB </a:t>
             </a:r>
           </a:p>
           <a:p>
@@ -9244,51 +9266,17 @@
               <a:buNone/>
             </a:pPr>
             <a:r>
-              <a:rPr lang="nn-NO" sz="2000" b="1" dirty="0">
-                <a:solidFill>
-                  <a:srgbClr val="0000CC"/>
-                </a:solidFill>
-                <a:latin typeface="Courier New" panose="02070309020205020404" pitchFamily="49" charset="0"/>
-                <a:cs typeface="Courier New" panose="02070309020205020404" pitchFamily="49" charset="0"/>
-              </a:rPr>
-              <a:t>&gt; table(POS)</a:t>
+              <a:rPr lang="fr-FR" sz="2000" b="1" dirty="0">
+                <a:latin typeface="Courier New" panose="02070309020205020404" pitchFamily="49" charset="0"/>
+                <a:cs typeface="Courier New" panose="02070309020205020404" pitchFamily="49" charset="0"/>
+              </a:rPr>
+              <a:t>18.06818 60.45455 21.47727 </a:t>
             </a:r>
           </a:p>
           <a:p>
             <a:pPr marL="0" indent="0">
               <a:buNone/>
             </a:pPr>
-            <a:r>
-              <a:rPr lang="nn-NO" sz="2000" b="1" dirty="0">
-                <a:latin typeface="Courier New" panose="02070309020205020404" pitchFamily="49" charset="0"/>
-                <a:cs typeface="Courier New" panose="02070309020205020404" pitchFamily="49" charset="0"/>
-              </a:rPr>
-              <a:t>POS</a:t>
-            </a:r>
-          </a:p>
-          <a:p>
-            <a:pPr marL="0" indent="0">
-              <a:buNone/>
-            </a:pPr>
-            <a:r>
-              <a:rPr lang="nn-NO" sz="2000" b="1" dirty="0">
-                <a:latin typeface="Courier New" panose="02070309020205020404" pitchFamily="49" charset="0"/>
-                <a:cs typeface="Courier New" panose="02070309020205020404" pitchFamily="49" charset="0"/>
-              </a:rPr>
-              <a:t> JJ  NN  VB </a:t>
-            </a:r>
-          </a:p>
-          <a:p>
-            <a:pPr marL="0" indent="0">
-              <a:buNone/>
-            </a:pPr>
-            <a:r>
-              <a:rPr lang="nn-NO" sz="2000" b="1" dirty="0">
-                <a:latin typeface="Courier New" panose="02070309020205020404" pitchFamily="49" charset="0"/>
-                <a:cs typeface="Courier New" panose="02070309020205020404" pitchFamily="49" charset="0"/>
-              </a:rPr>
-              <a:t>159 532 189 </a:t>
-            </a:r>
             <a:endParaRPr lang="en-GB" sz="2000" b="1" dirty="0">
               <a:latin typeface="Courier New" panose="02070309020205020404" pitchFamily="49" charset="0"/>
               <a:cs typeface="Courier New" panose="02070309020205020404" pitchFamily="49" charset="0"/>
@@ -9299,7 +9287,7 @@
     </p:spTree>
     <p:extLst>
       <p:ext uri="{BB962C8B-B14F-4D97-AF65-F5344CB8AC3E}">
-        <p14:creationId xmlns:p14="http://schemas.microsoft.com/office/powerpoint/2010/main" val="2441168380"/>
+        <p14:creationId xmlns:p14="http://schemas.microsoft.com/office/powerpoint/2010/main" val="2027000627"/>
       </p:ext>
     </p:extLst>
   </p:cSld>
@@ -9331,239 +9319,6 @@
           <p:cNvPr id="2" name="Title 1">
             <a:extLst>
               <a:ext uri="{FF2B5EF4-FFF2-40B4-BE49-F238E27FC236}">
-                <a16:creationId xmlns:a16="http://schemas.microsoft.com/office/drawing/2014/main" id="{6CA010D2-39FA-43B0-86F0-346A1D5E6184}"/>
-              </a:ext>
-            </a:extLst>
-          </p:cNvPr>
-          <p:cNvSpPr>
-            <a:spLocks noGrp="1"/>
-          </p:cNvSpPr>
-          <p:nvPr>
-            <p:ph type="title"/>
-          </p:nvPr>
-        </p:nvSpPr>
-        <p:spPr/>
-        <p:txBody>
-          <a:bodyPr/>
-          <a:lstStyle/>
-          <a:p>
-            <a:r>
-              <a:rPr lang="en-GB" dirty="0"/>
-              <a:t>Proportions and percentages</a:t>
-            </a:r>
-          </a:p>
-        </p:txBody>
-      </p:sp>
-      <p:sp>
-        <p:nvSpPr>
-          <p:cNvPr id="3" name="Content Placeholder 2">
-            <a:extLst>
-              <a:ext uri="{FF2B5EF4-FFF2-40B4-BE49-F238E27FC236}">
-                <a16:creationId xmlns:a16="http://schemas.microsoft.com/office/drawing/2014/main" id="{8D48DF47-80ED-4A95-949A-AA55548BD837}"/>
-              </a:ext>
-            </a:extLst>
-          </p:cNvPr>
-          <p:cNvSpPr>
-            <a:spLocks noGrp="1"/>
-          </p:cNvSpPr>
-          <p:nvPr>
-            <p:ph idx="1"/>
-          </p:nvPr>
-        </p:nvSpPr>
-        <p:spPr/>
-        <p:txBody>
-          <a:bodyPr>
-            <a:normAutofit/>
-          </a:bodyPr>
-          <a:lstStyle/>
-          <a:p>
-            <a:pPr marL="0" indent="0">
-              <a:buNone/>
-            </a:pPr>
-            <a:r>
-              <a:rPr lang="fr-FR" sz="2000" b="1" dirty="0">
-                <a:solidFill>
-                  <a:srgbClr val="0000CC"/>
-                </a:solidFill>
-                <a:latin typeface="Courier New" panose="02070309020205020404" pitchFamily="49" charset="0"/>
-                <a:cs typeface="Courier New" panose="02070309020205020404" pitchFamily="49" charset="0"/>
-              </a:rPr>
-              <a:t>&gt; </a:t>
-            </a:r>
-            <a:r>
-              <a:rPr lang="fr-FR" sz="2000" b="1" dirty="0" err="1">
-                <a:solidFill>
-                  <a:srgbClr val="0000CC"/>
-                </a:solidFill>
-                <a:latin typeface="Courier New" panose="02070309020205020404" pitchFamily="49" charset="0"/>
-                <a:cs typeface="Courier New" panose="02070309020205020404" pitchFamily="49" charset="0"/>
-              </a:rPr>
-              <a:t>prop.table</a:t>
-            </a:r>
-            <a:r>
-              <a:rPr lang="fr-FR" sz="2000" b="1" dirty="0">
-                <a:solidFill>
-                  <a:srgbClr val="0000CC"/>
-                </a:solidFill>
-                <a:latin typeface="Courier New" panose="02070309020205020404" pitchFamily="49" charset="0"/>
-                <a:cs typeface="Courier New" panose="02070309020205020404" pitchFamily="49" charset="0"/>
-              </a:rPr>
-              <a:t>(table(POS))</a:t>
-            </a:r>
-          </a:p>
-          <a:p>
-            <a:pPr marL="0" indent="0">
-              <a:buNone/>
-            </a:pPr>
-            <a:r>
-              <a:rPr lang="fr-FR" sz="2000" b="1" dirty="0">
-                <a:latin typeface="Courier New" panose="02070309020205020404" pitchFamily="49" charset="0"/>
-                <a:cs typeface="Courier New" panose="02070309020205020404" pitchFamily="49" charset="0"/>
-              </a:rPr>
-              <a:t>POS</a:t>
-            </a:r>
-          </a:p>
-          <a:p>
-            <a:pPr marL="0" indent="0">
-              <a:buNone/>
-            </a:pPr>
-            <a:r>
-              <a:rPr lang="fr-FR" sz="2000" b="1" dirty="0">
-                <a:latin typeface="Courier New" panose="02070309020205020404" pitchFamily="49" charset="0"/>
-                <a:cs typeface="Courier New" panose="02070309020205020404" pitchFamily="49" charset="0"/>
-              </a:rPr>
-              <a:t>       JJ        NN        VB </a:t>
-            </a:r>
-          </a:p>
-          <a:p>
-            <a:pPr marL="0" indent="0">
-              <a:buNone/>
-            </a:pPr>
-            <a:r>
-              <a:rPr lang="fr-FR" sz="2000" b="1" dirty="0">
-                <a:latin typeface="Courier New" panose="02070309020205020404" pitchFamily="49" charset="0"/>
-                <a:cs typeface="Courier New" panose="02070309020205020404" pitchFamily="49" charset="0"/>
-              </a:rPr>
-              <a:t>0.1806818 0.6045455 0.2147727</a:t>
-            </a:r>
-          </a:p>
-          <a:p>
-            <a:pPr marL="0" indent="0">
-              <a:buNone/>
-            </a:pPr>
-            <a:r>
-              <a:rPr lang="fr-FR" sz="2000" b="1" dirty="0">
-                <a:solidFill>
-                  <a:srgbClr val="0000CC"/>
-                </a:solidFill>
-                <a:latin typeface="Courier New" panose="02070309020205020404" pitchFamily="49" charset="0"/>
-                <a:cs typeface="Courier New" panose="02070309020205020404" pitchFamily="49" charset="0"/>
-              </a:rPr>
-              <a:t>&gt; </a:t>
-            </a:r>
-            <a:r>
-              <a:rPr lang="fr-FR" sz="2000" b="1" dirty="0" err="1">
-                <a:solidFill>
-                  <a:srgbClr val="0000CC"/>
-                </a:solidFill>
-                <a:latin typeface="Courier New" panose="02070309020205020404" pitchFamily="49" charset="0"/>
-                <a:cs typeface="Courier New" panose="02070309020205020404" pitchFamily="49" charset="0"/>
-              </a:rPr>
-              <a:t>prop.table</a:t>
-            </a:r>
-            <a:r>
-              <a:rPr lang="fr-FR" sz="2000" b="1" dirty="0">
-                <a:solidFill>
-                  <a:srgbClr val="0000CC"/>
-                </a:solidFill>
-                <a:latin typeface="Courier New" panose="02070309020205020404" pitchFamily="49" charset="0"/>
-                <a:cs typeface="Courier New" panose="02070309020205020404" pitchFamily="49" charset="0"/>
-              </a:rPr>
-              <a:t>(table(POS))*100</a:t>
-            </a:r>
-          </a:p>
-          <a:p>
-            <a:pPr marL="0" indent="0">
-              <a:buNone/>
-            </a:pPr>
-            <a:r>
-              <a:rPr lang="fr-FR" sz="2000" b="1" dirty="0">
-                <a:latin typeface="Courier New" panose="02070309020205020404" pitchFamily="49" charset="0"/>
-                <a:cs typeface="Courier New" panose="02070309020205020404" pitchFamily="49" charset="0"/>
-              </a:rPr>
-              <a:t>POS</a:t>
-            </a:r>
-          </a:p>
-          <a:p>
-            <a:pPr marL="0" indent="0">
-              <a:buNone/>
-            </a:pPr>
-            <a:r>
-              <a:rPr lang="fr-FR" sz="2000" b="1" dirty="0">
-                <a:latin typeface="Courier New" panose="02070309020205020404" pitchFamily="49" charset="0"/>
-                <a:cs typeface="Courier New" panose="02070309020205020404" pitchFamily="49" charset="0"/>
-              </a:rPr>
-              <a:t>      JJ       NN       VB </a:t>
-            </a:r>
-          </a:p>
-          <a:p>
-            <a:pPr marL="0" indent="0">
-              <a:buNone/>
-            </a:pPr>
-            <a:r>
-              <a:rPr lang="fr-FR" sz="2000" b="1" dirty="0">
-                <a:latin typeface="Courier New" panose="02070309020205020404" pitchFamily="49" charset="0"/>
-                <a:cs typeface="Courier New" panose="02070309020205020404" pitchFamily="49" charset="0"/>
-              </a:rPr>
-              <a:t>18.06818 60.45455 21.47727 </a:t>
-            </a:r>
-          </a:p>
-          <a:p>
-            <a:pPr marL="0" indent="0">
-              <a:buNone/>
-            </a:pPr>
-            <a:endParaRPr lang="en-GB" sz="2000" b="1" dirty="0">
-              <a:latin typeface="Courier New" panose="02070309020205020404" pitchFamily="49" charset="0"/>
-              <a:cs typeface="Courier New" panose="02070309020205020404" pitchFamily="49" charset="0"/>
-            </a:endParaRPr>
-          </a:p>
-        </p:txBody>
-      </p:sp>
-    </p:spTree>
-    <p:extLst>
-      <p:ext uri="{BB962C8B-B14F-4D97-AF65-F5344CB8AC3E}">
-        <p14:creationId xmlns:p14="http://schemas.microsoft.com/office/powerpoint/2010/main" val="2027000627"/>
-      </p:ext>
-    </p:extLst>
-  </p:cSld>
-  <p:clrMapOvr>
-    <a:masterClrMapping/>
-  </p:clrMapOvr>
-</p:sld>
-</file>
-
-<file path=ppt/slides/slide6.xml><?xml version="1.0" encoding="utf-8"?>
-<p:sld xmlns:a="http://schemas.openxmlformats.org/drawingml/2006/main" xmlns:r="http://schemas.openxmlformats.org/officeDocument/2006/relationships" xmlns:p="http://schemas.openxmlformats.org/presentationml/2006/main">
-  <p:cSld>
-    <p:spTree>
-      <p:nvGrpSpPr>
-        <p:cNvPr id="1" name=""/>
-        <p:cNvGrpSpPr/>
-        <p:nvPr/>
-      </p:nvGrpSpPr>
-      <p:grpSpPr>
-        <a:xfrm>
-          <a:off x="0" y="0"/>
-          <a:ext cx="0" cy="0"/>
-          <a:chOff x="0" y="0"/>
-          <a:chExt cx="0" cy="0"/>
-        </a:xfrm>
-      </p:grpSpPr>
-      <p:sp>
-        <p:nvSpPr>
-          <p:cNvPr id="2" name="Title 1">
-            <a:extLst>
-              <a:ext uri="{FF2B5EF4-FFF2-40B4-BE49-F238E27FC236}">
                 <a16:creationId xmlns:a16="http://schemas.microsoft.com/office/drawing/2014/main" id="{95B211D6-9338-45BA-989C-482315C985C1}"/>
               </a:ext>
             </a:extLst>
@@ -9733,7 +9488,7 @@
 </p:sld>
 </file>
 
-<file path=ppt/slides/slide7.xml><?xml version="1.0" encoding="utf-8"?>
+<file path=ppt/slides/slide6.xml><?xml version="1.0" encoding="utf-8"?>
 <p:sld xmlns:a="http://schemas.openxmlformats.org/drawingml/2006/main" xmlns:r="http://schemas.openxmlformats.org/officeDocument/2006/relationships" xmlns:p="http://schemas.openxmlformats.org/presentationml/2006/main">
   <p:cSld>
     <p:spTree>
@@ -9843,7 +9598,7 @@
 </p:sld>
 </file>
 
-<file path=ppt/slides/slide8.xml><?xml version="1.0" encoding="utf-8"?>
+<file path=ppt/slides/slide7.xml><?xml version="1.0" encoding="utf-8"?>
 <p:sld xmlns:a="http://schemas.openxmlformats.org/drawingml/2006/main" xmlns:r="http://schemas.openxmlformats.org/officeDocument/2006/relationships" xmlns:p="http://schemas.openxmlformats.org/presentationml/2006/main">
   <p:cSld>
     <p:spTree>
@@ -10000,7 +9755,7 @@
 </p:sld>
 </file>
 
-<file path=ppt/slides/slide9.xml><?xml version="1.0" encoding="utf-8"?>
+<file path=ppt/slides/slide8.xml><?xml version="1.0" encoding="utf-8"?>
 <p:sld xmlns:a="http://schemas.openxmlformats.org/drawingml/2006/main" xmlns:r="http://schemas.openxmlformats.org/officeDocument/2006/relationships" xmlns:p="http://schemas.openxmlformats.org/presentationml/2006/main">
   <p:cSld>
     <p:spTree>
@@ -10101,6 +9856,123 @@
     <p:extLst>
       <p:ext uri="{BB962C8B-B14F-4D97-AF65-F5344CB8AC3E}">
         <p14:creationId xmlns:p14="http://schemas.microsoft.com/office/powerpoint/2010/main" val="3156402141"/>
+      </p:ext>
+    </p:extLst>
+  </p:cSld>
+  <p:clrMapOvr>
+    <a:masterClrMapping/>
+  </p:clrMapOvr>
+</p:sld>
+</file>
+
+<file path=ppt/slides/slide9.xml><?xml version="1.0" encoding="utf-8"?>
+<p:sld xmlns:a="http://schemas.openxmlformats.org/drawingml/2006/main" xmlns:r="http://schemas.openxmlformats.org/officeDocument/2006/relationships" xmlns:p="http://schemas.openxmlformats.org/presentationml/2006/main">
+  <p:cSld>
+    <p:spTree>
+      <p:nvGrpSpPr>
+        <p:cNvPr id="1" name=""/>
+        <p:cNvGrpSpPr/>
+        <p:nvPr/>
+      </p:nvGrpSpPr>
+      <p:grpSpPr>
+        <a:xfrm>
+          <a:off x="0" y="0"/>
+          <a:ext cx="0" cy="0"/>
+          <a:chOff x="0" y="0"/>
+          <a:chExt cx="0" cy="0"/>
+        </a:xfrm>
+      </p:grpSpPr>
+      <p:sp>
+        <p:nvSpPr>
+          <p:cNvPr id="2" name="Title 1">
+            <a:extLst>
+              <a:ext uri="{FF2B5EF4-FFF2-40B4-BE49-F238E27FC236}">
+                <a16:creationId xmlns:a16="http://schemas.microsoft.com/office/drawing/2014/main" id="{3846C44E-6234-4593-90D9-537F0C72518A}"/>
+              </a:ext>
+            </a:extLst>
+          </p:cNvPr>
+          <p:cNvSpPr>
+            <a:spLocks noGrp="1"/>
+          </p:cNvSpPr>
+          <p:nvPr>
+            <p:ph type="title"/>
+          </p:nvPr>
+        </p:nvSpPr>
+        <p:spPr/>
+        <p:txBody>
+          <a:bodyPr/>
+          <a:lstStyle/>
+          <a:p>
+            <a:r>
+              <a:rPr lang="en-GB" dirty="0"/>
+              <a:t>Pie chart</a:t>
+            </a:r>
+          </a:p>
+        </p:txBody>
+      </p:sp>
+      <p:sp>
+        <p:nvSpPr>
+          <p:cNvPr id="3" name="Content Placeholder 2">
+            <a:extLst>
+              <a:ext uri="{FF2B5EF4-FFF2-40B4-BE49-F238E27FC236}">
+                <a16:creationId xmlns:a16="http://schemas.microsoft.com/office/drawing/2014/main" id="{1E43A011-D886-47E1-90D2-0ACE908D8BC5}"/>
+              </a:ext>
+            </a:extLst>
+          </p:cNvPr>
+          <p:cNvSpPr>
+            <a:spLocks noGrp="1"/>
+          </p:cNvSpPr>
+          <p:nvPr>
+            <p:ph idx="1"/>
+          </p:nvPr>
+        </p:nvSpPr>
+        <p:spPr/>
+        <p:txBody>
+          <a:bodyPr>
+            <a:normAutofit/>
+          </a:bodyPr>
+          <a:lstStyle/>
+          <a:p>
+            <a:pPr marL="0" indent="0">
+              <a:buNone/>
+            </a:pPr>
+            <a:r>
+              <a:rPr lang="en-GB" sz="2000" b="1" dirty="0">
+                <a:solidFill>
+                  <a:srgbClr val="0000CC"/>
+                </a:solidFill>
+                <a:latin typeface="Courier New" panose="02070309020205020404" pitchFamily="49" charset="0"/>
+                <a:cs typeface="Courier New" panose="02070309020205020404" pitchFamily="49" charset="0"/>
+              </a:rPr>
+              <a:t>&gt; pie(table(POS), col = c("violet", "blue", "</a:t>
+            </a:r>
+            <a:r>
+              <a:rPr lang="en-GB" sz="2000" b="1" dirty="0" err="1">
+                <a:solidFill>
+                  <a:srgbClr val="0000CC"/>
+                </a:solidFill>
+                <a:latin typeface="Courier New" panose="02070309020205020404" pitchFamily="49" charset="0"/>
+                <a:cs typeface="Courier New" panose="02070309020205020404" pitchFamily="49" charset="0"/>
+              </a:rPr>
+              <a:t>lightblue</a:t>
+            </a:r>
+            <a:r>
+              <a:rPr lang="en-GB" sz="2000" b="1" dirty="0">
+                <a:solidFill>
+                  <a:srgbClr val="0000CC"/>
+                </a:solidFill>
+                <a:latin typeface="Courier New" panose="02070309020205020404" pitchFamily="49" charset="0"/>
+                <a:cs typeface="Courier New" panose="02070309020205020404" pitchFamily="49" charset="0"/>
+              </a:rPr>
+              <a:t>"))</a:t>
+            </a:r>
+          </a:p>
+        </p:txBody>
+      </p:sp>
+    </p:spTree>
+    <p:extLst>
+      <p:ext uri="{BB962C8B-B14F-4D97-AF65-F5344CB8AC3E}">
+        <p14:creationId xmlns:p14="http://schemas.microsoft.com/office/powerpoint/2010/main" val="3721895068"/>
       </p:ext>
     </p:extLst>
   </p:cSld>
